--- a/2.7 and 2.8 Documentation Template.pptx
+++ b/2.7 and 2.8 Documentation Template.pptx
@@ -2,24 +2,24 @@
 <file path=ppt/presentation.xml><?xml version="1.0" encoding="utf-8"?>
 <p:presentation xmlns:a="http://schemas.openxmlformats.org/drawingml/2006/main" xmlns:r="http://schemas.openxmlformats.org/officeDocument/2006/relationships" xmlns:p="http://schemas.openxmlformats.org/presentationml/2006/main" saveSubsetFonts="1">
   <p:sldMasterIdLst>
-    <p:sldMasterId id="2147483648" r:id="rId1"/>
+    <p:sldMasterId id="2147483661" r:id="rId3"/>
   </p:sldMasterIdLst>
   <p:notesMasterIdLst>
-    <p:notesMasterId r:id="rId14"/>
+    <p:notesMasterId r:id="rId16"/>
   </p:notesMasterIdLst>
   <p:sldIdLst>
-    <p:sldId id="256" r:id="rId2"/>
-    <p:sldId id="258" r:id="rId3"/>
-    <p:sldId id="272" r:id="rId4"/>
-    <p:sldId id="260" r:id="rId5"/>
-    <p:sldId id="268" r:id="rId6"/>
-    <p:sldId id="269" r:id="rId7"/>
-    <p:sldId id="273" r:id="rId8"/>
-    <p:sldId id="274" r:id="rId9"/>
-    <p:sldId id="263" r:id="rId10"/>
-    <p:sldId id="270" r:id="rId11"/>
-    <p:sldId id="261" r:id="rId12"/>
-    <p:sldId id="266" r:id="rId13"/>
+    <p:sldId id="256" r:id="rId4"/>
+    <p:sldId id="258" r:id="rId5"/>
+    <p:sldId id="272" r:id="rId6"/>
+    <p:sldId id="260" r:id="rId7"/>
+    <p:sldId id="268" r:id="rId8"/>
+    <p:sldId id="269" r:id="rId9"/>
+    <p:sldId id="273" r:id="rId10"/>
+    <p:sldId id="274" r:id="rId11"/>
+    <p:sldId id="263" r:id="rId12"/>
+    <p:sldId id="270" r:id="rId13"/>
+    <p:sldId id="261" r:id="rId14"/>
+    <p:sldId id="266" r:id="rId15"/>
   </p:sldIdLst>
   <p:sldSz cx="12192000" cy="6858000"/>
   <p:notesSz cx="6858000" cy="9144000"/>
@@ -129,14 +129,177 @@
 <file path=ppt/revisionInfo.xml><?xml version="1.0" encoding="utf-8"?>
 <p1510:revInfo xmlns:a="http://schemas.openxmlformats.org/drawingml/2006/main" xmlns:r="http://schemas.openxmlformats.org/officeDocument/2006/relationships" xmlns:p1510="http://schemas.microsoft.com/office/powerpoint/2015/10/main">
   <p1510:revLst>
-    <p1510:client id="{9B30284F-08EF-417B-ACB9-6F3D85F58B58}" v="7" dt="2021-11-12T20:49:21.998"/>
-    <p1510:client id="{E8D5478E-048D-4D5E-BB76-1A1E9710BD82}" v="1" dt="2021-11-12T21:42:47.501"/>
+    <p1510:client id="{378AF3DA-1D02-490C-9CEA-1409B58C5F7F}" v="4" dt="2023-05-02T22:29:21.673"/>
   </p1510:revLst>
 </p1510:revInfo>
 </file>
 
 <file path=ppt/changesInfos/changesInfo1.xml><?xml version="1.0" encoding="utf-8"?>
 <pc:chgInfo xmlns:a="http://schemas.openxmlformats.org/drawingml/2006/main" xmlns:r="http://schemas.openxmlformats.org/officeDocument/2006/relationships" xmlns:ac="http://schemas.microsoft.com/office/drawing/2013/main/command" xmlns:pc="http://schemas.microsoft.com/office/powerpoint/2013/main/command">
+  <pc:docChgLst>
+    <pc:chgData name="Josh Currie-Cook" userId="27abfd07-d9ae-4d78-87f7-24cebb775941" providerId="ADAL" clId="{378AF3DA-1D02-490C-9CEA-1409B58C5F7F}"/>
+    <pc:docChg chg="undo redo custSel modSld">
+      <pc:chgData name="Josh Currie-Cook" userId="27abfd07-d9ae-4d78-87f7-24cebb775941" providerId="ADAL" clId="{378AF3DA-1D02-490C-9CEA-1409B58C5F7F}" dt="2023-05-02T22:29:29.787" v="282" actId="2711"/>
+      <pc:docMkLst>
+        <pc:docMk/>
+      </pc:docMkLst>
+      <pc:sldChg chg="modSp mod">
+        <pc:chgData name="Josh Currie-Cook" userId="27abfd07-d9ae-4d78-87f7-24cebb775941" providerId="ADAL" clId="{378AF3DA-1D02-490C-9CEA-1409B58C5F7F}" dt="2023-05-02T22:14:56.622" v="63" actId="20577"/>
+        <pc:sldMkLst>
+          <pc:docMk/>
+          <pc:sldMk cId="1362934084" sldId="256"/>
+        </pc:sldMkLst>
+        <pc:spChg chg="mod">
+          <ac:chgData name="Josh Currie-Cook" userId="27abfd07-d9ae-4d78-87f7-24cebb775941" providerId="ADAL" clId="{378AF3DA-1D02-490C-9CEA-1409B58C5F7F}" dt="2023-04-30T21:39:54.356" v="0"/>
+          <ac:spMkLst>
+            <pc:docMk/>
+            <pc:sldMk cId="1362934084" sldId="256"/>
+            <ac:spMk id="2" creationId="{A96C2811-5704-42C1-869B-16E29CB6572E}"/>
+          </ac:spMkLst>
+        </pc:spChg>
+        <pc:spChg chg="mod">
+          <ac:chgData name="Josh Currie-Cook" userId="27abfd07-d9ae-4d78-87f7-24cebb775941" providerId="ADAL" clId="{378AF3DA-1D02-490C-9CEA-1409B58C5F7F}" dt="2023-05-02T22:14:56.622" v="63" actId="20577"/>
+          <ac:spMkLst>
+            <pc:docMk/>
+            <pc:sldMk cId="1362934084" sldId="256"/>
+            <ac:spMk id="3" creationId="{930E6464-DA98-43C8-B6C9-594748754628}"/>
+          </ac:spMkLst>
+        </pc:spChg>
+      </pc:sldChg>
+      <pc:sldChg chg="delSp modSp mod">
+        <pc:chgData name="Josh Currie-Cook" userId="27abfd07-d9ae-4d78-87f7-24cebb775941" providerId="ADAL" clId="{378AF3DA-1D02-490C-9CEA-1409B58C5F7F}" dt="2023-04-30T21:49:42.864" v="40" actId="20577"/>
+        <pc:sldMkLst>
+          <pc:docMk/>
+          <pc:sldMk cId="3838895173" sldId="258"/>
+        </pc:sldMkLst>
+        <pc:spChg chg="mod">
+          <ac:chgData name="Josh Currie-Cook" userId="27abfd07-d9ae-4d78-87f7-24cebb775941" providerId="ADAL" clId="{378AF3DA-1D02-490C-9CEA-1409B58C5F7F}" dt="2023-04-30T21:39:54.356" v="0"/>
+          <ac:spMkLst>
+            <pc:docMk/>
+            <pc:sldMk cId="3838895173" sldId="258"/>
+            <ac:spMk id="2" creationId="{0D168B5A-EFF4-4803-8DA6-5994B306EBAF}"/>
+          </ac:spMkLst>
+        </pc:spChg>
+        <pc:spChg chg="mod">
+          <ac:chgData name="Josh Currie-Cook" userId="27abfd07-d9ae-4d78-87f7-24cebb775941" providerId="ADAL" clId="{378AF3DA-1D02-490C-9CEA-1409B58C5F7F}" dt="2023-04-30T21:49:42.864" v="40" actId="20577"/>
+          <ac:spMkLst>
+            <pc:docMk/>
+            <pc:sldMk cId="3838895173" sldId="258"/>
+            <ac:spMk id="4" creationId="{F7FB308A-232B-4B31-A59D-BD561ECFBE8B}"/>
+          </ac:spMkLst>
+        </pc:spChg>
+        <pc:graphicFrameChg chg="del modGraphic">
+          <ac:chgData name="Josh Currie-Cook" userId="27abfd07-d9ae-4d78-87f7-24cebb775941" providerId="ADAL" clId="{378AF3DA-1D02-490C-9CEA-1409B58C5F7F}" dt="2023-04-30T21:49:24.704" v="29" actId="478"/>
+          <ac:graphicFrameMkLst>
+            <pc:docMk/>
+            <pc:sldMk cId="3838895173" sldId="258"/>
+            <ac:graphicFrameMk id="6" creationId="{A0658CEC-C8BE-4EBE-8618-7B97BA7329B8}"/>
+          </ac:graphicFrameMkLst>
+        </pc:graphicFrameChg>
+      </pc:sldChg>
+      <pc:sldChg chg="addSp modSp mod">
+        <pc:chgData name="Josh Currie-Cook" userId="27abfd07-d9ae-4d78-87f7-24cebb775941" providerId="ADAL" clId="{378AF3DA-1D02-490C-9CEA-1409B58C5F7F}" dt="2023-05-02T22:24:09.796" v="255" actId="1076"/>
+        <pc:sldMkLst>
+          <pc:docMk/>
+          <pc:sldMk cId="0" sldId="269"/>
+        </pc:sldMkLst>
+        <pc:spChg chg="mod">
+          <ac:chgData name="Josh Currie-Cook" userId="27abfd07-d9ae-4d78-87f7-24cebb775941" providerId="ADAL" clId="{378AF3DA-1D02-490C-9CEA-1409B58C5F7F}" dt="2023-05-02T22:15:42.297" v="89" actId="20577"/>
+          <ac:spMkLst>
+            <pc:docMk/>
+            <pc:sldMk cId="0" sldId="269"/>
+            <ac:spMk id="91" creationId="{00000000-0000-0000-0000-000000000000}"/>
+          </ac:spMkLst>
+        </pc:spChg>
+        <pc:graphicFrameChg chg="modGraphic">
+          <ac:chgData name="Josh Currie-Cook" userId="27abfd07-d9ae-4d78-87f7-24cebb775941" providerId="ADAL" clId="{378AF3DA-1D02-490C-9CEA-1409B58C5F7F}" dt="2023-05-02T22:23:39.060" v="253" actId="20577"/>
+          <ac:graphicFrameMkLst>
+            <pc:docMk/>
+            <pc:sldMk cId="0" sldId="269"/>
+            <ac:graphicFrameMk id="92" creationId="{00000000-0000-0000-0000-000000000000}"/>
+          </ac:graphicFrameMkLst>
+        </pc:graphicFrameChg>
+        <pc:picChg chg="add mod">
+          <ac:chgData name="Josh Currie-Cook" userId="27abfd07-d9ae-4d78-87f7-24cebb775941" providerId="ADAL" clId="{378AF3DA-1D02-490C-9CEA-1409B58C5F7F}" dt="2023-05-02T22:24:09.796" v="255" actId="1076"/>
+          <ac:picMkLst>
+            <pc:docMk/>
+            <pc:sldMk cId="0" sldId="269"/>
+            <ac:picMk id="3" creationId="{4C161FE2-E69F-F0A2-4C5A-D8220DA48696}"/>
+          </ac:picMkLst>
+        </pc:picChg>
+      </pc:sldChg>
+      <pc:sldChg chg="addSp delSp modSp mod">
+        <pc:chgData name="Josh Currie-Cook" userId="27abfd07-d9ae-4d78-87f7-24cebb775941" providerId="ADAL" clId="{378AF3DA-1D02-490C-9CEA-1409B58C5F7F}" dt="2023-04-30T21:51:02.019" v="45" actId="14100"/>
+        <pc:sldMkLst>
+          <pc:docMk/>
+          <pc:sldMk cId="975627948" sldId="272"/>
+        </pc:sldMkLst>
+        <pc:spChg chg="add del">
+          <ac:chgData name="Josh Currie-Cook" userId="27abfd07-d9ae-4d78-87f7-24cebb775941" providerId="ADAL" clId="{378AF3DA-1D02-490C-9CEA-1409B58C5F7F}" dt="2023-04-30T21:50:27.969" v="43" actId="22"/>
+          <ac:spMkLst>
+            <pc:docMk/>
+            <pc:sldMk cId="975627948" sldId="272"/>
+            <ac:spMk id="4" creationId="{8C64FAA3-D59C-CB0E-1B1A-55B3F58F1ACA}"/>
+          </ac:spMkLst>
+        </pc:spChg>
+        <pc:graphicFrameChg chg="del">
+          <ac:chgData name="Josh Currie-Cook" userId="27abfd07-d9ae-4d78-87f7-24cebb775941" providerId="ADAL" clId="{378AF3DA-1D02-490C-9CEA-1409B58C5F7F}" dt="2023-04-30T21:50:26.276" v="41" actId="478"/>
+          <ac:graphicFrameMkLst>
+            <pc:docMk/>
+            <pc:sldMk cId="975627948" sldId="272"/>
+            <ac:graphicFrameMk id="6" creationId="{A02ECB3F-5E1A-4602-8844-49609D54ADF8}"/>
+          </ac:graphicFrameMkLst>
+        </pc:graphicFrameChg>
+        <pc:graphicFrameChg chg="add mod modGraphic">
+          <ac:chgData name="Josh Currie-Cook" userId="27abfd07-d9ae-4d78-87f7-24cebb775941" providerId="ADAL" clId="{378AF3DA-1D02-490C-9CEA-1409B58C5F7F}" dt="2023-04-30T21:51:02.019" v="45" actId="14100"/>
+          <ac:graphicFrameMkLst>
+            <pc:docMk/>
+            <pc:sldMk cId="975627948" sldId="272"/>
+            <ac:graphicFrameMk id="7" creationId="{9308AF57-31EE-1F60-2E9E-981F5101E1E6}"/>
+          </ac:graphicFrameMkLst>
+        </pc:graphicFrameChg>
+      </pc:sldChg>
+      <pc:sldChg chg="addSp delSp modSp mod">
+        <pc:chgData name="Josh Currie-Cook" userId="27abfd07-d9ae-4d78-87f7-24cebb775941" providerId="ADAL" clId="{378AF3DA-1D02-490C-9CEA-1409B58C5F7F}" dt="2023-05-02T22:29:29.787" v="282" actId="2711"/>
+        <pc:sldMkLst>
+          <pc:docMk/>
+          <pc:sldMk cId="270828811" sldId="273"/>
+        </pc:sldMkLst>
+        <pc:spChg chg="mod">
+          <ac:chgData name="Josh Currie-Cook" userId="27abfd07-d9ae-4d78-87f7-24cebb775941" providerId="ADAL" clId="{378AF3DA-1D02-490C-9CEA-1409B58C5F7F}" dt="2023-05-02T22:28:51.995" v="275" actId="20577"/>
+          <ac:spMkLst>
+            <pc:docMk/>
+            <pc:sldMk cId="270828811" sldId="273"/>
+            <ac:spMk id="2" creationId="{1CC5D32F-7C18-4D00-8D54-2FB046F0A206}"/>
+          </ac:spMkLst>
+        </pc:spChg>
+        <pc:spChg chg="add del mod">
+          <ac:chgData name="Josh Currie-Cook" userId="27abfd07-d9ae-4d78-87f7-24cebb775941" providerId="ADAL" clId="{378AF3DA-1D02-490C-9CEA-1409B58C5F7F}" dt="2023-05-02T22:29:04.056" v="279"/>
+          <ac:spMkLst>
+            <pc:docMk/>
+            <pc:sldMk cId="270828811" sldId="273"/>
+            <ac:spMk id="6" creationId="{3CE620E7-DF9E-4236-59D7-80FE608F3504}"/>
+          </ac:spMkLst>
+        </pc:spChg>
+        <pc:spChg chg="add mod">
+          <ac:chgData name="Josh Currie-Cook" userId="27abfd07-d9ae-4d78-87f7-24cebb775941" providerId="ADAL" clId="{378AF3DA-1D02-490C-9CEA-1409B58C5F7F}" dt="2023-05-02T22:29:29.787" v="282" actId="2711"/>
+          <ac:spMkLst>
+            <pc:docMk/>
+            <pc:sldMk cId="270828811" sldId="273"/>
+            <ac:spMk id="7" creationId="{C6614AEA-D578-14A7-B507-59116EA81B84}"/>
+          </ac:spMkLst>
+        </pc:spChg>
+        <pc:picChg chg="add mod">
+          <ac:chgData name="Josh Currie-Cook" userId="27abfd07-d9ae-4d78-87f7-24cebb775941" providerId="ADAL" clId="{378AF3DA-1D02-490C-9CEA-1409B58C5F7F}" dt="2023-05-02T22:28:57.448" v="276" actId="1076"/>
+          <ac:picMkLst>
+            <pc:docMk/>
+            <pc:sldMk cId="270828811" sldId="273"/>
+            <ac:picMk id="5" creationId="{639CA9B9-BCFB-E9B2-ACD5-99116C692056}"/>
+          </ac:picMkLst>
+        </pc:picChg>
+      </pc:sldChg>
+    </pc:docChg>
+  </pc:docChgLst>
   <pc:docChgLst>
     <pc:chgData name="Patrick Baker" userId="dbad0e87-82bb-43bf-9a70-a6d8fad31ef1" providerId="ADAL" clId="{E8D5478E-048D-4D5E-BB76-1A1E9710BD82}"/>
     <pc:docChg chg="modSld">
@@ -254,7 +417,7 @@
           <a:p>
             <a:fld id="{F37D28C0-BEB6-42B0-A203-EEE1023219C4}" type="datetimeFigureOut">
               <a:rPr lang="en-NZ" smtClean="0"/>
-              <a:t>13/11/2021</a:t>
+              <a:t>3/05/2023</a:t>
             </a:fld>
             <a:endParaRPr lang="en-NZ"/>
           </a:p>
@@ -1549,7 +1712,9 @@
           <a:bodyPr anchor="b"/>
           <a:lstStyle>
             <a:lvl1pPr algn="ctr">
-              <a:defRPr sz="6000"/>
+              <a:defRPr sz="6000">
+                <a:latin typeface="Bahnschrift" panose="020B0502040204020203" pitchFamily="34" charset="0"/>
+              </a:defRPr>
             </a:lvl1pPr>
           </a:lstStyle>
           <a:p>
@@ -1557,7 +1722,7 @@
               <a:rPr lang="en-US"/>
               <a:t>Click to edit Master title style</a:t>
             </a:r>
-            <a:endParaRPr lang="en-NZ"/>
+            <a:endParaRPr lang="en-NZ" dirty="0"/>
           </a:p>
         </p:txBody>
       </p:sp>
@@ -1628,7 +1793,7 @@
               <a:rPr lang="en-US"/>
               <a:t>Click to edit Master subtitle style</a:t>
             </a:r>
-            <a:endParaRPr lang="en-NZ"/>
+            <a:endParaRPr lang="en-NZ" dirty="0"/>
           </a:p>
         </p:txBody>
       </p:sp>
@@ -1655,7 +1820,7 @@
           <a:p>
             <a:fld id="{9C4A4F43-1C06-40E6-8F87-8B286982E50E}" type="datetimeFigureOut">
               <a:rPr lang="en-NZ" smtClean="0"/>
-              <a:t>13/11/2021</a:t>
+              <a:t>3/05/2023</a:t>
             </a:fld>
             <a:endParaRPr lang="en-NZ" dirty="0"/>
           </a:p>
@@ -1718,7 +1883,7 @@
     </p:spTree>
     <p:extLst>
       <p:ext uri="{BB962C8B-B14F-4D97-AF65-F5344CB8AC3E}">
-        <p14:creationId xmlns:p14="http://schemas.microsoft.com/office/powerpoint/2010/main" val="1133726391"/>
+        <p14:creationId xmlns:p14="http://schemas.microsoft.com/office/powerpoint/2010/main" val="4024948527"/>
       </p:ext>
     </p:extLst>
   </p:cSld>
@@ -1855,7 +2020,7 @@
           <a:p>
             <a:fld id="{9C4A4F43-1C06-40E6-8F87-8B286982E50E}" type="datetimeFigureOut">
               <a:rPr lang="en-NZ" smtClean="0"/>
-              <a:t>13/11/2021</a:t>
+              <a:t>3/05/2023</a:t>
             </a:fld>
             <a:endParaRPr lang="en-NZ" dirty="0"/>
           </a:p>
@@ -1918,7 +2083,7 @@
     </p:spTree>
     <p:extLst>
       <p:ext uri="{BB962C8B-B14F-4D97-AF65-F5344CB8AC3E}">
-        <p14:creationId xmlns:p14="http://schemas.microsoft.com/office/powerpoint/2010/main" val="3239005936"/>
+        <p14:creationId xmlns:p14="http://schemas.microsoft.com/office/powerpoint/2010/main" val="4123734826"/>
       </p:ext>
     </p:extLst>
   </p:cSld>
@@ -2065,7 +2230,7 @@
           <a:p>
             <a:fld id="{9C4A4F43-1C06-40E6-8F87-8B286982E50E}" type="datetimeFigureOut">
               <a:rPr lang="en-NZ" smtClean="0"/>
-              <a:t>13/11/2021</a:t>
+              <a:t>3/05/2023</a:t>
             </a:fld>
             <a:endParaRPr lang="en-NZ" dirty="0"/>
           </a:p>
@@ -2128,7 +2293,7 @@
     </p:spTree>
     <p:extLst>
       <p:ext uri="{BB962C8B-B14F-4D97-AF65-F5344CB8AC3E}">
-        <p14:creationId xmlns:p14="http://schemas.microsoft.com/office/powerpoint/2010/main" val="3321406817"/>
+        <p14:creationId xmlns:p14="http://schemas.microsoft.com/office/powerpoint/2010/main" val="1220123762"/>
       </p:ext>
     </p:extLst>
   </p:cSld>
@@ -2280,6 +2445,10 @@
             </a:lvl9pPr>
           </a:lstStyle>
           <a:p>
+            <a:r>
+              <a:rPr lang="en-US"/>
+              <a:t>Click to edit Master title style</a:t>
+            </a:r>
             <a:endParaRPr/>
           </a:p>
         </p:txBody>
@@ -2409,7 +2578,11 @@
             </a:lvl9pPr>
           </a:lstStyle>
           <a:p>
-            <a:endParaRPr/>
+            <a:pPr lvl="0"/>
+            <a:r>
+              <a:rPr lang="en-US"/>
+              <a:t>Click to edit Master text styles</a:t>
+            </a:r>
           </a:p>
         </p:txBody>
       </p:sp>
@@ -2487,7 +2660,7 @@
     </p:spTree>
     <p:extLst>
       <p:ext uri="{BB962C8B-B14F-4D97-AF65-F5344CB8AC3E}">
-        <p14:creationId xmlns:p14="http://schemas.microsoft.com/office/powerpoint/2010/main" val="2602651475"/>
+        <p14:creationId xmlns:p14="http://schemas.microsoft.com/office/powerpoint/2010/main" val="2224766043"/>
       </p:ext>
     </p:extLst>
   </p:cSld>
@@ -2624,7 +2797,7 @@
           <a:p>
             <a:fld id="{9C4A4F43-1C06-40E6-8F87-8B286982E50E}" type="datetimeFigureOut">
               <a:rPr lang="en-NZ" smtClean="0"/>
-              <a:t>13/11/2021</a:t>
+              <a:t>3/05/2023</a:t>
             </a:fld>
             <a:endParaRPr lang="en-NZ" dirty="0"/>
           </a:p>
@@ -2687,7 +2860,7 @@
     </p:spTree>
     <p:extLst>
       <p:ext uri="{BB962C8B-B14F-4D97-AF65-F5344CB8AC3E}">
-        <p14:creationId xmlns:p14="http://schemas.microsoft.com/office/powerpoint/2010/main" val="3343944"/>
+        <p14:creationId xmlns:p14="http://schemas.microsoft.com/office/powerpoint/2010/main" val="2226774410"/>
       </p:ext>
     </p:extLst>
   </p:cSld>
@@ -2900,7 +3073,7 @@
           <a:p>
             <a:fld id="{9C4A4F43-1C06-40E6-8F87-8B286982E50E}" type="datetimeFigureOut">
               <a:rPr lang="en-NZ" smtClean="0"/>
-              <a:t>13/11/2021</a:t>
+              <a:t>3/05/2023</a:t>
             </a:fld>
             <a:endParaRPr lang="en-NZ" dirty="0"/>
           </a:p>
@@ -2963,7 +3136,7 @@
     </p:spTree>
     <p:extLst>
       <p:ext uri="{BB962C8B-B14F-4D97-AF65-F5344CB8AC3E}">
-        <p14:creationId xmlns:p14="http://schemas.microsoft.com/office/powerpoint/2010/main" val="1781688904"/>
+        <p14:creationId xmlns:p14="http://schemas.microsoft.com/office/powerpoint/2010/main" val="1553176778"/>
       </p:ext>
     </p:extLst>
   </p:cSld>
@@ -3168,7 +3341,7 @@
           <a:p>
             <a:fld id="{9C4A4F43-1C06-40E6-8F87-8B286982E50E}" type="datetimeFigureOut">
               <a:rPr lang="en-NZ" smtClean="0"/>
-              <a:t>13/11/2021</a:t>
+              <a:t>3/05/2023</a:t>
             </a:fld>
             <a:endParaRPr lang="en-NZ" dirty="0"/>
           </a:p>
@@ -3231,7 +3404,7 @@
     </p:spTree>
     <p:extLst>
       <p:ext uri="{BB962C8B-B14F-4D97-AF65-F5344CB8AC3E}">
-        <p14:creationId xmlns:p14="http://schemas.microsoft.com/office/powerpoint/2010/main" val="2408677085"/>
+        <p14:creationId xmlns:p14="http://schemas.microsoft.com/office/powerpoint/2010/main" val="2708608593"/>
       </p:ext>
     </p:extLst>
   </p:cSld>
@@ -3583,7 +3756,7 @@
           <a:p>
             <a:fld id="{9C4A4F43-1C06-40E6-8F87-8B286982E50E}" type="datetimeFigureOut">
               <a:rPr lang="en-NZ" smtClean="0"/>
-              <a:t>13/11/2021</a:t>
+              <a:t>3/05/2023</a:t>
             </a:fld>
             <a:endParaRPr lang="en-NZ" dirty="0"/>
           </a:p>
@@ -3646,7 +3819,7 @@
     </p:spTree>
     <p:extLst>
       <p:ext uri="{BB962C8B-B14F-4D97-AF65-F5344CB8AC3E}">
-        <p14:creationId xmlns:p14="http://schemas.microsoft.com/office/powerpoint/2010/main" val="2011503413"/>
+        <p14:creationId xmlns:p14="http://schemas.microsoft.com/office/powerpoint/2010/main" val="1437955323"/>
       </p:ext>
     </p:extLst>
   </p:cSld>
@@ -3725,7 +3898,7 @@
           <a:p>
             <a:fld id="{9C4A4F43-1C06-40E6-8F87-8B286982E50E}" type="datetimeFigureOut">
               <a:rPr lang="en-NZ" smtClean="0"/>
-              <a:t>13/11/2021</a:t>
+              <a:t>3/05/2023</a:t>
             </a:fld>
             <a:endParaRPr lang="en-NZ" dirty="0"/>
           </a:p>
@@ -3788,7 +3961,7 @@
     </p:spTree>
     <p:extLst>
       <p:ext uri="{BB962C8B-B14F-4D97-AF65-F5344CB8AC3E}">
-        <p14:creationId xmlns:p14="http://schemas.microsoft.com/office/powerpoint/2010/main" val="739496716"/>
+        <p14:creationId xmlns:p14="http://schemas.microsoft.com/office/powerpoint/2010/main" val="3304415090"/>
       </p:ext>
     </p:extLst>
   </p:cSld>
@@ -3838,7 +4011,7 @@
           <a:p>
             <a:fld id="{9C4A4F43-1C06-40E6-8F87-8B286982E50E}" type="datetimeFigureOut">
               <a:rPr lang="en-NZ" smtClean="0"/>
-              <a:t>13/11/2021</a:t>
+              <a:t>3/05/2023</a:t>
             </a:fld>
             <a:endParaRPr lang="en-NZ" dirty="0"/>
           </a:p>
@@ -3901,7 +4074,7 @@
     </p:spTree>
     <p:extLst>
       <p:ext uri="{BB962C8B-B14F-4D97-AF65-F5344CB8AC3E}">
-        <p14:creationId xmlns:p14="http://schemas.microsoft.com/office/powerpoint/2010/main" val="579758923"/>
+        <p14:creationId xmlns:p14="http://schemas.microsoft.com/office/powerpoint/2010/main" val="1232968472"/>
       </p:ext>
     </p:extLst>
   </p:cSld>
@@ -4151,7 +4324,7 @@
           <a:p>
             <a:fld id="{9C4A4F43-1C06-40E6-8F87-8B286982E50E}" type="datetimeFigureOut">
               <a:rPr lang="en-NZ" smtClean="0"/>
-              <a:t>13/11/2021</a:t>
+              <a:t>3/05/2023</a:t>
             </a:fld>
             <a:endParaRPr lang="en-NZ" dirty="0"/>
           </a:p>
@@ -4214,7 +4387,7 @@
     </p:spTree>
     <p:extLst>
       <p:ext uri="{BB962C8B-B14F-4D97-AF65-F5344CB8AC3E}">
-        <p14:creationId xmlns:p14="http://schemas.microsoft.com/office/powerpoint/2010/main" val="1287925130"/>
+        <p14:creationId xmlns:p14="http://schemas.microsoft.com/office/powerpoint/2010/main" val="1946199240"/>
       </p:ext>
     </p:extLst>
   </p:cSld>
@@ -4342,6 +4515,10 @@
             </a:lvl9pPr>
           </a:lstStyle>
           <a:p>
+            <a:r>
+              <a:rPr lang="en-US"/>
+              <a:t>Click icon to add picture</a:t>
+            </a:r>
             <a:endParaRPr lang="en-NZ" dirty="0"/>
           </a:p>
         </p:txBody>
@@ -4440,7 +4617,7 @@
           <a:p>
             <a:fld id="{9C4A4F43-1C06-40E6-8F87-8B286982E50E}" type="datetimeFigureOut">
               <a:rPr lang="en-NZ" smtClean="0"/>
-              <a:t>13/11/2021</a:t>
+              <a:t>3/05/2023</a:t>
             </a:fld>
             <a:endParaRPr lang="en-NZ" dirty="0"/>
           </a:p>
@@ -4503,7 +4680,7 @@
     </p:spTree>
     <p:extLst>
       <p:ext uri="{BB962C8B-B14F-4D97-AF65-F5344CB8AC3E}">
-        <p14:creationId xmlns:p14="http://schemas.microsoft.com/office/powerpoint/2010/main" val="492053777"/>
+        <p14:creationId xmlns:p14="http://schemas.microsoft.com/office/powerpoint/2010/main" val="2134295803"/>
       </p:ext>
     </p:extLst>
   </p:cSld>
@@ -4517,9 +4694,12 @@
 <p:sldMaster xmlns:a="http://schemas.openxmlformats.org/drawingml/2006/main" xmlns:r="http://schemas.openxmlformats.org/officeDocument/2006/relationships" xmlns:p="http://schemas.openxmlformats.org/presentationml/2006/main">
   <p:cSld>
     <p:bg>
-      <p:bgRef idx="1001">
-        <a:schemeClr val="bg1"/>
-      </p:bgRef>
+      <p:bgPr>
+        <a:solidFill>
+          <a:schemeClr val="tx1"/>
+        </a:solidFill>
+        <a:effectLst/>
+      </p:bgPr>
     </p:bg>
     <p:spTree>
       <p:nvGrpSpPr>
@@ -4570,7 +4750,7 @@
               <a:rPr lang="en-US"/>
               <a:t>Click to edit Master title style</a:t>
             </a:r>
-            <a:endParaRPr lang="en-NZ"/>
+            <a:endParaRPr lang="en-NZ" dirty="0"/>
           </a:p>
         </p:txBody>
       </p:sp>
@@ -4638,7 +4818,7 @@
               <a:rPr lang="en-US"/>
               <a:t>Fifth level</a:t>
             </a:r>
-            <a:endParaRPr lang="en-NZ"/>
+            <a:endParaRPr lang="en-NZ" dirty="0"/>
           </a:p>
         </p:txBody>
       </p:sp>
@@ -4683,7 +4863,7 @@
           <a:p>
             <a:fld id="{9C4A4F43-1C06-40E6-8F87-8B286982E50E}" type="datetimeFigureOut">
               <a:rPr lang="en-NZ" smtClean="0"/>
-              <a:t>13/11/2021</a:t>
+              <a:t>3/05/2023</a:t>
             </a:fld>
             <a:endParaRPr lang="en-NZ" dirty="0"/>
           </a:p>
@@ -4782,24 +4962,24 @@
     </p:spTree>
     <p:extLst>
       <p:ext uri="{BB962C8B-B14F-4D97-AF65-F5344CB8AC3E}">
-        <p14:creationId xmlns:p14="http://schemas.microsoft.com/office/powerpoint/2010/main" val="3295114423"/>
+        <p14:creationId xmlns:p14="http://schemas.microsoft.com/office/powerpoint/2010/main" val="2793917464"/>
       </p:ext>
     </p:extLst>
   </p:cSld>
   <p:clrMap bg1="lt1" tx1="dk1" bg2="lt2" tx2="dk2" accent1="accent1" accent2="accent2" accent3="accent3" accent4="accent4" accent5="accent5" accent6="accent6" hlink="hlink" folHlink="folHlink"/>
   <p:sldLayoutIdLst>
-    <p:sldLayoutId id="2147483649" r:id="rId1"/>
-    <p:sldLayoutId id="2147483650" r:id="rId2"/>
-    <p:sldLayoutId id="2147483651" r:id="rId3"/>
-    <p:sldLayoutId id="2147483652" r:id="rId4"/>
-    <p:sldLayoutId id="2147483653" r:id="rId5"/>
-    <p:sldLayoutId id="2147483654" r:id="rId6"/>
-    <p:sldLayoutId id="2147483655" r:id="rId7"/>
-    <p:sldLayoutId id="2147483656" r:id="rId8"/>
-    <p:sldLayoutId id="2147483657" r:id="rId9"/>
-    <p:sldLayoutId id="2147483658" r:id="rId10"/>
-    <p:sldLayoutId id="2147483659" r:id="rId11"/>
-    <p:sldLayoutId id="2147483660" r:id="rId12"/>
+    <p:sldLayoutId id="2147483662" r:id="rId1"/>
+    <p:sldLayoutId id="2147483663" r:id="rId2"/>
+    <p:sldLayoutId id="2147483664" r:id="rId3"/>
+    <p:sldLayoutId id="2147483665" r:id="rId4"/>
+    <p:sldLayoutId id="2147483666" r:id="rId5"/>
+    <p:sldLayoutId id="2147483667" r:id="rId6"/>
+    <p:sldLayoutId id="2147483668" r:id="rId7"/>
+    <p:sldLayoutId id="2147483669" r:id="rId8"/>
+    <p:sldLayoutId id="2147483670" r:id="rId9"/>
+    <p:sldLayoutId id="2147483671" r:id="rId10"/>
+    <p:sldLayoutId id="2147483672" r:id="rId11"/>
+    <p:sldLayoutId id="2147483673" r:id="rId12"/>
   </p:sldLayoutIdLst>
   <p:txStyles>
     <p:titleStyle>
@@ -4813,9 +4993,9 @@
         <a:buNone/>
         <a:defRPr sz="4400" kern="1200">
           <a:solidFill>
-            <a:schemeClr val="tx1"/>
+            <a:schemeClr val="bg1"/>
           </a:solidFill>
-          <a:latin typeface="+mj-lt"/>
+          <a:latin typeface="Bahnschrift" panose="020B0502040204020203" pitchFamily="34" charset="0"/>
           <a:ea typeface="+mj-ea"/>
           <a:cs typeface="+mj-cs"/>
         </a:defRPr>
@@ -4833,9 +5013,9 @@
         <a:buChar char="•"/>
         <a:defRPr sz="2800" kern="1200">
           <a:solidFill>
-            <a:schemeClr val="tx1"/>
+            <a:schemeClr val="bg1"/>
           </a:solidFill>
-          <a:latin typeface="+mn-lt"/>
+          <a:latin typeface="Bahnschrift" panose="020B0502040204020203" pitchFamily="34" charset="0"/>
           <a:ea typeface="+mn-ea"/>
           <a:cs typeface="+mn-cs"/>
         </a:defRPr>
@@ -4851,9 +5031,9 @@
         <a:buChar char="•"/>
         <a:defRPr sz="2400" kern="1200">
           <a:solidFill>
-            <a:schemeClr val="tx1"/>
+            <a:schemeClr val="bg1"/>
           </a:solidFill>
-          <a:latin typeface="+mn-lt"/>
+          <a:latin typeface="Bahnschrift" panose="020B0502040204020203" pitchFamily="34" charset="0"/>
           <a:ea typeface="+mn-ea"/>
           <a:cs typeface="+mn-cs"/>
         </a:defRPr>
@@ -4869,9 +5049,9 @@
         <a:buChar char="•"/>
         <a:defRPr sz="2000" kern="1200">
           <a:solidFill>
-            <a:schemeClr val="tx1"/>
+            <a:schemeClr val="bg1"/>
           </a:solidFill>
-          <a:latin typeface="+mn-lt"/>
+          <a:latin typeface="Bahnschrift" panose="020B0502040204020203" pitchFamily="34" charset="0"/>
           <a:ea typeface="+mn-ea"/>
           <a:cs typeface="+mn-cs"/>
         </a:defRPr>
@@ -4887,7 +5067,7 @@
         <a:buChar char="•"/>
         <a:defRPr sz="1800" kern="1200">
           <a:solidFill>
-            <a:schemeClr val="tx1"/>
+            <a:schemeClr val="bg1"/>
           </a:solidFill>
           <a:latin typeface="+mn-lt"/>
           <a:ea typeface="+mn-ea"/>
@@ -4905,7 +5085,7 @@
         <a:buChar char="•"/>
         <a:defRPr sz="1800" kern="1200">
           <a:solidFill>
-            <a:schemeClr val="tx1"/>
+            <a:schemeClr val="bg1"/>
           </a:solidFill>
           <a:latin typeface="+mn-lt"/>
           <a:ea typeface="+mn-ea"/>
@@ -5169,7 +5349,7 @@
           <a:p>
             <a:r>
               <a:rPr lang="en-NZ" b="1" dirty="0"/>
-              <a:t>[overtype this with your name]</a:t>
+              <a:t>Josh Currie-Cook</a:t>
             </a:r>
           </a:p>
         </p:txBody>
@@ -5736,8 +5916,8 @@
         </p:nvSpPr>
         <p:spPr>
           <a:xfrm>
-            <a:off x="1693460" y="1914475"/>
-            <a:ext cx="8520600" cy="1750800"/>
+            <a:off x="1039803" y="1914474"/>
+            <a:ext cx="10074077" cy="3634627"/>
           </a:xfrm>
           <a:prstGeom prst="rect">
             <a:avLst/>
@@ -5944,8 +6124,19 @@
                   <a:srgbClr val="274E13"/>
                 </a:solidFill>
               </a:rPr>
-              <a:t>Link to GitHub Repository: [here]</a:t>
-            </a:r>
+              <a:t>Link to GitHub Repository:   </a:t>
+            </a:r>
+            <a:r>
+              <a:rPr lang="en-US" sz="2000" dirty="0">
+                <a:hlinkClick r:id="rId2"/>
+              </a:rPr>
+              <a:t>Joepapa101/2.7---2.8-Assessment (github.com)</a:t>
+            </a:r>
+            <a:endParaRPr lang="en-NZ" sz="2000" dirty="0">
+              <a:solidFill>
+                <a:srgbClr val="274E13"/>
+              </a:solidFill>
+            </a:endParaRPr>
           </a:p>
           <a:p>
             <a:pPr marL="0" indent="0">
@@ -5959,10 +6150,9 @@
                 <a:schemeClr val="dk1"/>
               </a:buClr>
               <a:buSzPts val="1100"/>
-              <a:buFont typeface="Arial"/>
               <a:buNone/>
             </a:pPr>
-            <a:endParaRPr lang="en-NZ" sz="2000" dirty="0">
+            <a:endParaRPr lang="en-NZ" sz="2000" b="1" dirty="0">
               <a:solidFill>
                 <a:srgbClr val="274E13"/>
               </a:solidFill>
@@ -5982,14 +6172,11 @@
               <a:buSzPts val="1100"/>
               <a:buNone/>
             </a:pPr>
-            <a:r>
-              <a:rPr lang="en-NZ" sz="2000" b="1" dirty="0">
-                <a:solidFill>
-                  <a:srgbClr val="274E13"/>
-                </a:solidFill>
-              </a:rPr>
-              <a:t>Links to Trello board / project management tools: [here]</a:t>
-            </a:r>
+            <a:endParaRPr lang="en-NZ" sz="2000" b="1" dirty="0">
+              <a:solidFill>
+                <a:srgbClr val="274E13"/>
+              </a:solidFill>
+            </a:endParaRPr>
           </a:p>
           <a:p>
             <a:pPr marL="0" indent="0">
@@ -6031,8 +6218,19 @@
                   <a:srgbClr val="274E13"/>
                 </a:solidFill>
               </a:rPr>
-              <a:t>Link to final version of your program: [here]</a:t>
-            </a:r>
+              <a:t>Links to Trello board / project management tools: </a:t>
+            </a:r>
+            <a:r>
+              <a:rPr lang="en-US" sz="2000" dirty="0">
+                <a:hlinkClick r:id="rId3"/>
+              </a:rPr>
+              <a:t>Monster Card Decomposition | Trello</a:t>
+            </a:r>
+            <a:endParaRPr lang="en-NZ" sz="2000" b="1" dirty="0">
+              <a:solidFill>
+                <a:srgbClr val="274E13"/>
+              </a:solidFill>
+            </a:endParaRPr>
           </a:p>
           <a:p>
             <a:pPr marL="0" indent="0">
@@ -6046,7 +6244,106 @@
                 <a:schemeClr val="dk1"/>
               </a:buClr>
               <a:buSzPts val="1100"/>
-              <a:buFont typeface="Arial"/>
+              <a:buNone/>
+            </a:pPr>
+            <a:endParaRPr lang="en-NZ" sz="2000" b="1" dirty="0">
+              <a:solidFill>
+                <a:srgbClr val="274E13"/>
+              </a:solidFill>
+            </a:endParaRPr>
+          </a:p>
+          <a:p>
+            <a:pPr marL="0" indent="0">
+              <a:lnSpc>
+                <a:spcPct val="100000"/>
+              </a:lnSpc>
+              <a:spcBef>
+                <a:spcPts val="0"/>
+              </a:spcBef>
+              <a:buClr>
+                <a:schemeClr val="dk1"/>
+              </a:buClr>
+              <a:buSzPts val="1100"/>
+              <a:buNone/>
+            </a:pPr>
+            <a:endParaRPr lang="en-NZ" sz="2000" b="1" dirty="0">
+              <a:solidFill>
+                <a:srgbClr val="274E13"/>
+              </a:solidFill>
+            </a:endParaRPr>
+          </a:p>
+          <a:p>
+            <a:pPr marL="0" indent="0">
+              <a:lnSpc>
+                <a:spcPct val="100000"/>
+              </a:lnSpc>
+              <a:spcBef>
+                <a:spcPts val="0"/>
+              </a:spcBef>
+              <a:buClr>
+                <a:schemeClr val="dk1"/>
+              </a:buClr>
+              <a:buSzPts val="1100"/>
+              <a:buNone/>
+            </a:pPr>
+            <a:endParaRPr lang="en-NZ" sz="2000" b="1" dirty="0">
+              <a:solidFill>
+                <a:srgbClr val="274E13"/>
+              </a:solidFill>
+            </a:endParaRPr>
+          </a:p>
+          <a:p>
+            <a:pPr marL="0" indent="0">
+              <a:lnSpc>
+                <a:spcPct val="100000"/>
+              </a:lnSpc>
+              <a:spcBef>
+                <a:spcPts val="0"/>
+              </a:spcBef>
+              <a:buClr>
+                <a:schemeClr val="dk1"/>
+              </a:buClr>
+              <a:buSzPts val="1100"/>
+              <a:buNone/>
+            </a:pPr>
+            <a:endParaRPr lang="en-NZ" sz="2000" b="1" dirty="0">
+              <a:solidFill>
+                <a:srgbClr val="274E13"/>
+              </a:solidFill>
+            </a:endParaRPr>
+          </a:p>
+          <a:p>
+            <a:pPr marL="0" indent="0">
+              <a:lnSpc>
+                <a:spcPct val="100000"/>
+              </a:lnSpc>
+              <a:spcBef>
+                <a:spcPts val="0"/>
+              </a:spcBef>
+              <a:buClr>
+                <a:schemeClr val="dk1"/>
+              </a:buClr>
+              <a:buSzPts val="1100"/>
+              <a:buNone/>
+            </a:pPr>
+            <a:endParaRPr lang="en-NZ" sz="2000" b="1" dirty="0">
+              <a:solidFill>
+                <a:srgbClr val="274E13"/>
+              </a:solidFill>
+            </a:endParaRPr>
+          </a:p>
+          <a:p>
+            <a:pPr marL="0" indent="0">
+              <a:lnSpc>
+                <a:spcPct val="100000"/>
+              </a:lnSpc>
+              <a:spcBef>
+                <a:spcPts val="0"/>
+              </a:spcBef>
+              <a:buClr>
+                <a:schemeClr val="dk1"/>
+              </a:buClr>
+              <a:buSzPts val="1100"/>
               <a:buNone/>
             </a:pPr>
             <a:r>
@@ -6055,139 +6352,12 @@
                   <a:srgbClr val="274E13"/>
                 </a:solidFill>
               </a:rPr>
-              <a:t> </a:t>
+              <a:t>Link to final version of your program:</a:t>
             </a:r>
             <a:endParaRPr lang="en-NZ" sz="2000" dirty="0"/>
           </a:p>
         </p:txBody>
       </p:sp>
-      <p:graphicFrame>
-        <p:nvGraphicFramePr>
-          <p:cNvPr id="6" name="Google Shape;56;p13">
-            <a:extLst>
-              <a:ext uri="{FF2B5EF4-FFF2-40B4-BE49-F238E27FC236}">
-                <a16:creationId xmlns:a16="http://schemas.microsoft.com/office/drawing/2014/main" id="{A0658CEC-C8BE-4EBE-8618-7B97BA7329B8}"/>
-              </a:ext>
-            </a:extLst>
-          </p:cNvPr>
-          <p:cNvGraphicFramePr/>
-          <p:nvPr>
-            <p:extLst>
-              <p:ext uri="{D42A27DB-BD31-4B8C-83A1-F6EECF244321}">
-                <p14:modId xmlns:p14="http://schemas.microsoft.com/office/powerpoint/2010/main" val="3913417117"/>
-              </p:ext>
-            </p:extLst>
-          </p:nvPr>
-        </p:nvGraphicFramePr>
-        <p:xfrm>
-          <a:off x="1693460" y="4327480"/>
-          <a:ext cx="8520600" cy="1859026"/>
-        </p:xfrm>
-        <a:graphic>
-          <a:graphicData uri="http://schemas.openxmlformats.org/drawingml/2006/table">
-            <a:tbl>
-              <a:tblPr>
-                <a:noFill/>
-              </a:tblPr>
-              <a:tblGrid>
-                <a:gridCol w="8520600">
-                  <a:extLst>
-                    <a:ext uri="{9D8B030D-6E8A-4147-A177-3AD203B41FA5}">
-                      <a16:colId xmlns:a16="http://schemas.microsoft.com/office/drawing/2014/main" val="20000"/>
-                    </a:ext>
-                  </a:extLst>
-                </a:gridCol>
-              </a:tblGrid>
-              <a:tr h="1495600">
-                <a:tc>
-                  <a:txBody>
-                    <a:bodyPr/>
-                    <a:lstStyle/>
-                    <a:p>
-                      <a:pPr marL="0" lvl="0" indent="0" algn="l" rtl="0">
-                        <a:lnSpc>
-                          <a:spcPct val="115000"/>
-                        </a:lnSpc>
-                        <a:spcBef>
-                          <a:spcPts val="0"/>
-                        </a:spcBef>
-                        <a:spcAft>
-                          <a:spcPts val="0"/>
-                        </a:spcAft>
-                        <a:buNone/>
-                      </a:pPr>
-                      <a:r>
-                        <a:rPr lang="en" sz="2000" b="1" i="1" dirty="0">
-                          <a:solidFill>
-                            <a:srgbClr val="990000"/>
-                          </a:solidFill>
-                        </a:rPr>
-                        <a:t>Ensure you have made these links ‘public’ so that they are open to anyone, including the marker.</a:t>
-                      </a:r>
-                    </a:p>
-                    <a:p>
-                      <a:pPr marL="0" lvl="0" indent="0" algn="l" rtl="0">
-                        <a:lnSpc>
-                          <a:spcPct val="115000"/>
-                        </a:lnSpc>
-                        <a:spcBef>
-                          <a:spcPts val="0"/>
-                        </a:spcBef>
-                        <a:spcAft>
-                          <a:spcPts val="0"/>
-                        </a:spcAft>
-                        <a:buNone/>
-                      </a:pPr>
-                      <a:endParaRPr lang="en" sz="2000" b="1" i="1" dirty="0">
-                        <a:solidFill>
-                          <a:srgbClr val="990000"/>
-                        </a:solidFill>
-                      </a:endParaRPr>
-                    </a:p>
-                    <a:p>
-                      <a:pPr marL="0" lvl="0" indent="0" algn="l" rtl="0">
-                        <a:lnSpc>
-                          <a:spcPct val="115000"/>
-                        </a:lnSpc>
-                        <a:spcBef>
-                          <a:spcPts val="0"/>
-                        </a:spcBef>
-                        <a:spcAft>
-                          <a:spcPts val="0"/>
-                        </a:spcAft>
-                        <a:buNone/>
-                      </a:pPr>
-                      <a:r>
-                        <a:rPr lang="en" sz="2000" b="1" i="1" dirty="0">
-                          <a:solidFill>
-                            <a:srgbClr val="990000"/>
-                          </a:solidFill>
-                        </a:rPr>
-                        <a:t>The link to your program is the final outcome of this whole project – your finished program.</a:t>
-                      </a:r>
-                      <a:endParaRPr sz="2000" b="1" i="1" dirty="0">
-                        <a:solidFill>
-                          <a:srgbClr val="990000"/>
-                        </a:solidFill>
-                      </a:endParaRPr>
-                    </a:p>
-                  </a:txBody>
-                  <a:tcPr marL="63500" marR="63500" marT="63500" marB="63500">
-                    <a:solidFill>
-                      <a:srgbClr val="EA9999"/>
-                    </a:solidFill>
-                  </a:tcPr>
-                </a:tc>
-                <a:extLst>
-                  <a:ext uri="{0D108BD9-81ED-4DB2-BD59-A6C34878D82A}">
-                    <a16:rowId xmlns:a16="http://schemas.microsoft.com/office/drawing/2014/main" val="10000"/>
-                  </a:ext>
-                </a:extLst>
-              </a:tr>
-            </a:tbl>
-          </a:graphicData>
-        </a:graphic>
-      </p:graphicFrame>
     </p:spTree>
     <p:extLst>
       <p:ext uri="{BB962C8B-B14F-4D97-AF65-F5344CB8AC3E}">
@@ -6314,10 +6484,10 @@
       </p:sp>
       <p:graphicFrame>
         <p:nvGraphicFramePr>
-          <p:cNvPr id="6" name="Table 4">
-            <a:extLst>
-              <a:ext uri="{FF2B5EF4-FFF2-40B4-BE49-F238E27FC236}">
-                <a16:creationId xmlns:a16="http://schemas.microsoft.com/office/drawing/2014/main" id="{A02ECB3F-5E1A-4602-8844-49609D54ADF8}"/>
+          <p:cNvPr id="7" name="Table 4">
+            <a:extLst>
+              <a:ext uri="{FF2B5EF4-FFF2-40B4-BE49-F238E27FC236}">
+                <a16:creationId xmlns:a16="http://schemas.microsoft.com/office/drawing/2014/main" id="{9308AF57-31EE-1F60-2E9E-981F5101E1E6}"/>
               </a:ext>
             </a:extLst>
           </p:cNvPr>
@@ -6327,14 +6497,14 @@
           <p:nvPr>
             <p:extLst>
               <p:ext uri="{D42A27DB-BD31-4B8C-83A1-F6EECF244321}">
-                <p14:modId xmlns:p14="http://schemas.microsoft.com/office/powerpoint/2010/main" val="2310723820"/>
+                <p14:modId xmlns:p14="http://schemas.microsoft.com/office/powerpoint/2010/main" val="1759883109"/>
               </p:ext>
             </p:extLst>
           </p:nvPr>
         </p:nvGraphicFramePr>
         <p:xfrm>
-          <a:off x="589280" y="1574800"/>
-          <a:ext cx="10515600" cy="1854200"/>
+          <a:off x="600891" y="1397675"/>
+          <a:ext cx="10509214" cy="5486400"/>
         </p:xfrm>
         <a:graphic>
           <a:graphicData uri="http://schemas.openxmlformats.org/drawingml/2006/table">
@@ -6343,7 +6513,7 @@
                 <a:tableStyleId>{5C22544A-7EE6-4342-B048-85BDC9FD1C3A}</a:tableStyleId>
               </a:tblPr>
               <a:tblGrid>
-                <a:gridCol w="4017753">
+                <a:gridCol w="4011367">
                   <a:extLst>
                     <a:ext uri="{9D8B030D-6E8A-4147-A177-3AD203B41FA5}">
                       <a16:colId xmlns:a16="http://schemas.microsoft.com/office/drawing/2014/main" val="2849256304"/>
@@ -6358,7 +6528,7 @@
                   </a:extLst>
                 </a:gridCol>
               </a:tblGrid>
-              <a:tr h="370840">
+              <a:tr h="358701">
                 <a:tc>
                   <a:txBody>
                     <a:bodyPr/>
@@ -6379,13 +6549,8 @@
                     <a:p>
                       <a:r>
                         <a:rPr lang="en-NZ" dirty="0"/>
-                        <a:t>Explain the implication and say how it is relevant to </a:t>
+                        <a:t>Describe the implication and give an example</a:t>
                       </a:r>
-                      <a:r>
-                        <a:rPr lang="en-NZ"/>
-                        <a:t>this project</a:t>
-                      </a:r>
-                      <a:endParaRPr lang="en-NZ" dirty="0"/>
                     </a:p>
                   </a:txBody>
                   <a:tcPr/>
@@ -6396,7 +6561,144 @@
                   </a:ext>
                 </a:extLst>
               </a:tr>
-              <a:tr h="370840">
+              <a:tr h="1415148">
+                <a:tc>
+                  <a:txBody>
+                    <a:bodyPr/>
+                    <a:lstStyle/>
+                    <a:p>
+                      <a:r>
+                        <a:rPr lang="en-NZ" dirty="0"/>
+                        <a:t>Useability </a:t>
+                      </a:r>
+                    </a:p>
+                  </a:txBody>
+                  <a:tcPr/>
+                </a:tc>
+                <a:tc>
+                  <a:txBody>
+                    <a:bodyPr/>
+                    <a:lstStyle/>
+                    <a:p>
+                      <a:r>
+                        <a:rPr lang="en-NZ" dirty="0"/>
+                        <a:t>The program needs to be usable, most people use a user interface however most basic python programs limit the user interface to a command console.  Because of this, instructions need to be given, and it needs to be easy to use.  For example, all of the menu functions have been named appropriately.</a:t>
+                      </a:r>
+                    </a:p>
+                  </a:txBody>
+                  <a:tcPr/>
+                </a:tc>
+                <a:extLst>
+                  <a:ext uri="{0D108BD9-81ED-4DB2-BD59-A6C34878D82A}">
+                    <a16:rowId xmlns:a16="http://schemas.microsoft.com/office/drawing/2014/main" val="2636529970"/>
+                  </a:ext>
+                </a:extLst>
+              </a:tr>
+              <a:tr h="884468">
+                <a:tc>
+                  <a:txBody>
+                    <a:bodyPr/>
+                    <a:lstStyle/>
+                    <a:p>
+                      <a:r>
+                        <a:rPr lang="en-NZ" dirty="0"/>
+                        <a:t>Practicality</a:t>
+                      </a:r>
+                    </a:p>
+                  </a:txBody>
+                  <a:tcPr/>
+                </a:tc>
+                <a:tc>
+                  <a:txBody>
+                    <a:bodyPr/>
+                    <a:lstStyle/>
+                    <a:p>
+                      <a:r>
+                        <a:rPr lang="en-NZ" dirty="0"/>
+                        <a:t>For the program to be practical, it needs to have clearness so that the user knows what to do.  For example, the functions need to actually exist and work well.</a:t>
+                      </a:r>
+                    </a:p>
+                  </a:txBody>
+                  <a:tcPr/>
+                </a:tc>
+                <a:extLst>
+                  <a:ext uri="{0D108BD9-81ED-4DB2-BD59-A6C34878D82A}">
+                    <a16:rowId xmlns:a16="http://schemas.microsoft.com/office/drawing/2014/main" val="845002142"/>
+                  </a:ext>
+                </a:extLst>
+              </a:tr>
+              <a:tr h="1415148">
+                <a:tc>
+                  <a:txBody>
+                    <a:bodyPr/>
+                    <a:lstStyle/>
+                    <a:p>
+                      <a:r>
+                        <a:rPr lang="en-NZ" dirty="0"/>
+                        <a:t>Accessibility</a:t>
+                      </a:r>
+                    </a:p>
+                  </a:txBody>
+                  <a:tcPr/>
+                </a:tc>
+                <a:tc>
+                  <a:txBody>
+                    <a:bodyPr/>
+                    <a:lstStyle/>
+                    <a:p>
+                      <a:r>
+                        <a:rPr lang="en-NZ" dirty="0"/>
+                        <a:t>The program needs to be easy to access and use by anyone.  For that to happen, it needs to be easy to follow and use, as much as command lines look daunting to most people.  For example, to navigate around the program, it needs to be easy, and be clear and concise.  </a:t>
+                      </a:r>
+                    </a:p>
+                  </a:txBody>
+                  <a:tcPr/>
+                </a:tc>
+                <a:extLst>
+                  <a:ext uri="{0D108BD9-81ED-4DB2-BD59-A6C34878D82A}">
+                    <a16:rowId xmlns:a16="http://schemas.microsoft.com/office/drawing/2014/main" val="1686164491"/>
+                  </a:ext>
+                </a:extLst>
+              </a:tr>
+              <a:tr h="884468">
+                <a:tc>
+                  <a:txBody>
+                    <a:bodyPr/>
+                    <a:lstStyle/>
+                    <a:p>
+                      <a:r>
+                        <a:rPr lang="en-NZ" dirty="0"/>
+                        <a:t>A bug free </a:t>
+                      </a:r>
+                      <a:r>
+                        <a:rPr lang="en-NZ" dirty="0" err="1"/>
+                        <a:t>expericence</a:t>
+                      </a:r>
+                      <a:endParaRPr lang="en-NZ" dirty="0"/>
+                    </a:p>
+                  </a:txBody>
+                  <a:tcPr/>
+                </a:tc>
+                <a:tc>
+                  <a:txBody>
+                    <a:bodyPr/>
+                    <a:lstStyle/>
+                    <a:p>
+                      <a:r>
+                        <a:rPr lang="en-NZ" dirty="0"/>
+                        <a:t>A bug free experience is important, meaning the program wont break down randomly.  For example, if the user enters the wrong answer, the program won’t break down.</a:t>
+                      </a:r>
+                    </a:p>
+                  </a:txBody>
+                  <a:tcPr/>
+                </a:tc>
+                <a:extLst>
+                  <a:ext uri="{0D108BD9-81ED-4DB2-BD59-A6C34878D82A}">
+                    <a16:rowId xmlns:a16="http://schemas.microsoft.com/office/drawing/2014/main" val="1038612699"/>
+                  </a:ext>
+                </a:extLst>
+              </a:tr>
+              <a:tr h="358701">
                 <a:tc>
                   <a:txBody>
                     <a:bodyPr/>
@@ -6419,88 +6721,7 @@
                 </a:tc>
                 <a:extLst>
                   <a:ext uri="{0D108BD9-81ED-4DB2-BD59-A6C34878D82A}">
-                    <a16:rowId xmlns:a16="http://schemas.microsoft.com/office/drawing/2014/main" val="2636529970"/>
-                  </a:ext>
-                </a:extLst>
-              </a:tr>
-              <a:tr h="370840">
-                <a:tc>
-                  <a:txBody>
-                    <a:bodyPr/>
-                    <a:lstStyle/>
-                    <a:p>
-                      <a:endParaRPr lang="en-NZ" dirty="0"/>
-                    </a:p>
-                  </a:txBody>
-                  <a:tcPr/>
-                </a:tc>
-                <a:tc>
-                  <a:txBody>
-                    <a:bodyPr/>
-                    <a:lstStyle/>
-                    <a:p>
-                      <a:endParaRPr lang="en-NZ" dirty="0"/>
-                    </a:p>
-                  </a:txBody>
-                  <a:tcPr/>
-                </a:tc>
-                <a:extLst>
-                  <a:ext uri="{0D108BD9-81ED-4DB2-BD59-A6C34878D82A}">
-                    <a16:rowId xmlns:a16="http://schemas.microsoft.com/office/drawing/2014/main" val="845002142"/>
-                  </a:ext>
-                </a:extLst>
-              </a:tr>
-              <a:tr h="370840">
-                <a:tc>
-                  <a:txBody>
-                    <a:bodyPr/>
-                    <a:lstStyle/>
-                    <a:p>
-                      <a:endParaRPr lang="en-NZ" dirty="0"/>
-                    </a:p>
-                  </a:txBody>
-                  <a:tcPr/>
-                </a:tc>
-                <a:tc>
-                  <a:txBody>
-                    <a:bodyPr/>
-                    <a:lstStyle/>
-                    <a:p>
-                      <a:endParaRPr lang="en-NZ" dirty="0"/>
-                    </a:p>
-                  </a:txBody>
-                  <a:tcPr/>
-                </a:tc>
-                <a:extLst>
-                  <a:ext uri="{0D108BD9-81ED-4DB2-BD59-A6C34878D82A}">
-                    <a16:rowId xmlns:a16="http://schemas.microsoft.com/office/drawing/2014/main" val="1686164491"/>
-                  </a:ext>
-                </a:extLst>
-              </a:tr>
-              <a:tr h="370840">
-                <a:tc>
-                  <a:txBody>
-                    <a:bodyPr/>
-                    <a:lstStyle/>
-                    <a:p>
-                      <a:endParaRPr lang="en-NZ" dirty="0"/>
-                    </a:p>
-                  </a:txBody>
-                  <a:tcPr/>
-                </a:tc>
-                <a:tc>
-                  <a:txBody>
-                    <a:bodyPr/>
-                    <a:lstStyle/>
-                    <a:p>
-                      <a:endParaRPr lang="en-NZ" dirty="0"/>
-                    </a:p>
-                  </a:txBody>
-                  <a:tcPr/>
-                </a:tc>
-                <a:extLst>
-                  <a:ext uri="{0D108BD9-81ED-4DB2-BD59-A6C34878D82A}">
-                    <a16:rowId xmlns:a16="http://schemas.microsoft.com/office/drawing/2014/main" val="1038612699"/>
+                    <a16:rowId xmlns:a16="http://schemas.microsoft.com/office/drawing/2014/main" val="410490508"/>
                   </a:ext>
                 </a:extLst>
               </a:tr>
@@ -6734,7 +6955,7 @@
           <a:p>
             <a:r>
               <a:rPr lang="en" sz="4000" dirty="0"/>
-              <a:t>[Component name] - Test Plan</a:t>
+              <a:t>Add entry- Test Plan</a:t>
             </a:r>
             <a:endParaRPr sz="4000" dirty="0"/>
           </a:p>
@@ -6747,20 +6968,20 @@
           <p:nvPr>
             <p:extLst>
               <p:ext uri="{D42A27DB-BD31-4B8C-83A1-F6EECF244321}">
-                <p14:modId xmlns:p14="http://schemas.microsoft.com/office/powerpoint/2010/main" val="2698883836"/>
+                <p14:modId xmlns:p14="http://schemas.microsoft.com/office/powerpoint/2010/main" val="1100592394"/>
               </p:ext>
             </p:extLst>
           </p:nvPr>
         </p:nvGraphicFramePr>
         <p:xfrm>
           <a:off x="509967" y="1690300"/>
-          <a:ext cx="11360800" cy="1219120"/>
+          <a:ext cx="11360800" cy="2194440"/>
         </p:xfrm>
         <a:graphic>
           <a:graphicData uri="http://schemas.openxmlformats.org/drawingml/2006/table">
             <a:tbl>
               <a:tblPr>
-                <a:noFill/>
+                <a:tableStyleId>{793D81CF-94F2-401A-BA57-92F5A7B2D0C5}</a:tableStyleId>
               </a:tblPr>
               <a:tblGrid>
                 <a:gridCol w="5680400">
@@ -6795,16 +7016,12 @@
                       </a:pPr>
                       <a:r>
                         <a:rPr lang="en" sz="2400" b="1" dirty="0"/>
-                        <a:t>Test Cases - input</a:t>
+                        <a:t>Test Cases – input</a:t>
                       </a:r>
                       <a:endParaRPr sz="2400" b="1" dirty="0"/>
                     </a:p>
                   </a:txBody>
-                  <a:tcPr marL="121900" marR="121900" marT="121900" marB="121900">
-                    <a:solidFill>
-                      <a:srgbClr val="CCCCCC"/>
-                    </a:solidFill>
-                  </a:tcPr>
+                  <a:tcPr marL="121900" marR="121900" marT="121900" marB="121900"/>
                 </a:tc>
                 <a:tc>
                   <a:txBody>
@@ -6827,11 +7044,7 @@
                       <a:endParaRPr sz="2400" b="1" dirty="0"/>
                     </a:p>
                   </a:txBody>
-                  <a:tcPr marL="121900" marR="121900" marT="121900" marB="121900">
-                    <a:solidFill>
-                      <a:srgbClr val="CCCCCC"/>
-                    </a:solidFill>
-                  </a:tcPr>
+                  <a:tcPr marL="121900" marR="121900" marT="121900" marB="121900"/>
                 </a:tc>
                 <a:extLst>
                   <a:ext uri="{0D108BD9-81ED-4DB2-BD59-A6C34878D82A}">
@@ -6854,6 +7067,10 @@
                         </a:spcAft>
                         <a:buNone/>
                       </a:pPr>
+                      <a:r>
+                        <a:rPr lang="en-US" sz="2400" dirty="0"/>
+                        <a:t>A number below 25 and above zero</a:t>
+                      </a:r>
                       <a:endParaRPr sz="2400" dirty="0"/>
                     </a:p>
                   </a:txBody>
@@ -6873,6 +7090,10 @@
                         </a:spcAft>
                         <a:buNone/>
                       </a:pPr>
+                      <a:r>
+                        <a:rPr lang="en-US" sz="2400" dirty="0"/>
+                        <a:t>A new item in the dictionary</a:t>
+                      </a:r>
                       <a:endParaRPr sz="2400" dirty="0"/>
                     </a:p>
                   </a:txBody>
@@ -6881,6 +7102,59 @@
                 <a:extLst>
                   <a:ext uri="{0D108BD9-81ED-4DB2-BD59-A6C34878D82A}">
                     <a16:rowId xmlns:a16="http://schemas.microsoft.com/office/drawing/2014/main" val="10001"/>
+                  </a:ext>
+                </a:extLst>
+              </a:tr>
+              <a:tr h="609560">
+                <a:tc>
+                  <a:txBody>
+                    <a:bodyPr/>
+                    <a:lstStyle/>
+                    <a:p>
+                      <a:pPr marL="0" lvl="0" indent="0" algn="l" rtl="0">
+                        <a:spcBef>
+                          <a:spcPts val="0"/>
+                        </a:spcBef>
+                        <a:spcAft>
+                          <a:spcPts val="0"/>
+                        </a:spcAft>
+                        <a:buNone/>
+                      </a:pPr>
+                      <a:r>
+                        <a:rPr lang="en-US" sz="2400" dirty="0"/>
+                        <a:t>A number above 25</a:t>
+                      </a:r>
+                      <a:endParaRPr sz="2400" dirty="0"/>
+                    </a:p>
+                  </a:txBody>
+                  <a:tcPr marL="121900" marR="121900" marT="121900" marB="121900"/>
+                </a:tc>
+                <a:tc>
+                  <a:txBody>
+                    <a:bodyPr/>
+                    <a:lstStyle/>
+                    <a:p>
+                      <a:pPr marL="0" lvl="0" indent="0" algn="l" rtl="0">
+                        <a:spcBef>
+                          <a:spcPts val="0"/>
+                        </a:spcBef>
+                        <a:spcAft>
+                          <a:spcPts val="0"/>
+                        </a:spcAft>
+                        <a:buNone/>
+                      </a:pPr>
+                      <a:r>
+                        <a:rPr lang="en-US" sz="2400" dirty="0"/>
+                        <a:t>The program to throw an error and ask the user to re-enter the number</a:t>
+                      </a:r>
+                      <a:endParaRPr sz="2400" dirty="0"/>
+                    </a:p>
+                  </a:txBody>
+                  <a:tcPr marL="121900" marR="121900" marT="121900" marB="121900"/>
+                </a:tc>
+                <a:extLst>
+                  <a:ext uri="{0D108BD9-81ED-4DB2-BD59-A6C34878D82A}">
+                    <a16:rowId xmlns:a16="http://schemas.microsoft.com/office/drawing/2014/main" val="3208206760"/>
                   </a:ext>
                 </a:extLst>
               </a:tr>
@@ -6939,6 +7213,36 @@
           </a:p>
         </p:txBody>
       </p:sp>
+      <p:pic>
+        <p:nvPicPr>
+          <p:cNvPr id="3" name="Picture 2">
+            <a:extLst>
+              <a:ext uri="{FF2B5EF4-FFF2-40B4-BE49-F238E27FC236}">
+                <a16:creationId xmlns:a16="http://schemas.microsoft.com/office/drawing/2014/main" id="{4C161FE2-E69F-F0A2-4C5A-D8220DA48696}"/>
+              </a:ext>
+            </a:extLst>
+          </p:cNvPr>
+          <p:cNvPicPr>
+            <a:picLocks noChangeAspect="1"/>
+          </p:cNvPicPr>
+          <p:nvPr/>
+        </p:nvPicPr>
+        <p:blipFill>
+          <a:blip r:embed="rId3"/>
+          <a:stretch>
+            <a:fillRect/>
+          </a:stretch>
+        </p:blipFill>
+        <p:spPr>
+          <a:xfrm>
+            <a:off x="5954935" y="4546674"/>
+            <a:ext cx="5131064" cy="622332"/>
+          </a:xfrm>
+          <a:prstGeom prst="rect">
+            <a:avLst/>
+          </a:prstGeom>
+        </p:spPr>
+      </p:pic>
     </p:spTree>
   </p:cSld>
   <p:clrMapOvr>
@@ -6994,7 +7298,7 @@
           <a:p>
             <a:r>
               <a:rPr lang="en-NZ" sz="4000" dirty="0"/>
-              <a:t>[Component name]: Trialling </a:t>
+              <a:t>Add item : Trialling </a:t>
             </a:r>
           </a:p>
         </p:txBody>
@@ -7046,6 +7350,73 @@
               <a:t>Trialling is not the same as testing. Trialling is about finding different ways of building the same component. Show evidence of  your trialling  here. Select one of your trials for further development and give reasons for your choice. </a:t>
             </a:r>
             <a:endParaRPr lang="en-NZ" dirty="0"/>
+          </a:p>
+        </p:txBody>
+      </p:sp>
+      <p:pic>
+        <p:nvPicPr>
+          <p:cNvPr id="5" name="Picture 4">
+            <a:extLst>
+              <a:ext uri="{FF2B5EF4-FFF2-40B4-BE49-F238E27FC236}">
+                <a16:creationId xmlns:a16="http://schemas.microsoft.com/office/drawing/2014/main" id="{639CA9B9-BCFB-E9B2-ACD5-99116C692056}"/>
+              </a:ext>
+            </a:extLst>
+          </p:cNvPr>
+          <p:cNvPicPr>
+            <a:picLocks noChangeAspect="1"/>
+          </p:cNvPicPr>
+          <p:nvPr/>
+        </p:nvPicPr>
+        <p:blipFill>
+          <a:blip r:embed="rId3"/>
+          <a:stretch>
+            <a:fillRect/>
+          </a:stretch>
+        </p:blipFill>
+        <p:spPr>
+          <a:xfrm>
+            <a:off x="613045" y="1491953"/>
+            <a:ext cx="5810549" cy="4248368"/>
+          </a:xfrm>
+          <a:prstGeom prst="rect">
+            <a:avLst/>
+          </a:prstGeom>
+        </p:spPr>
+      </p:pic>
+      <p:sp>
+        <p:nvSpPr>
+          <p:cNvPr id="7" name="TextBox 6">
+            <a:extLst>
+              <a:ext uri="{FF2B5EF4-FFF2-40B4-BE49-F238E27FC236}">
+                <a16:creationId xmlns:a16="http://schemas.microsoft.com/office/drawing/2014/main" id="{C6614AEA-D578-14A7-B507-59116EA81B84}"/>
+              </a:ext>
+            </a:extLst>
+          </p:cNvPr>
+          <p:cNvSpPr txBox="1"/>
+          <p:nvPr/>
+        </p:nvSpPr>
+        <p:spPr>
+          <a:xfrm>
+            <a:off x="6756741" y="1368532"/>
+            <a:ext cx="2620462" cy="369332"/>
+          </a:xfrm>
+          <a:prstGeom prst="rect">
+            <a:avLst/>
+          </a:prstGeom>
+          <a:noFill/>
+        </p:spPr>
+        <p:txBody>
+          <a:bodyPr wrap="square" rtlCol="0">
+            <a:spAutoFit/>
+          </a:bodyPr>
+          <a:lstStyle/>
+          <a:p>
+            <a:endParaRPr lang="en-US">
+              <a:solidFill>
+                <a:schemeClr val="bg1"/>
+              </a:solidFill>
+              <a:latin typeface="Bahnschrift" panose="020B0502040204020203" pitchFamily="34" charset="0"/>
+            </a:endParaRPr>
           </a:p>
         </p:txBody>
       </p:sp>
@@ -7277,7 +7648,7 @@
 </file>
 
 <file path=ppt/theme/theme1.xml><?xml version="1.0" encoding="utf-8"?>
-<a:theme xmlns:a="http://schemas.openxmlformats.org/drawingml/2006/main" name="Office Theme">
+<a:theme xmlns:a="http://schemas.openxmlformats.org/drawingml/2006/main" name="Bahnscrift Dark">
   <a:themeElements>
     <a:clrScheme name="Office">
       <a:dk1>
@@ -7565,7 +7936,7 @@
   <a:extraClrSchemeLst/>
   <a:extLst>
     <a:ext uri="{05A4C25C-085E-4340-85A3-A5531E510DB2}">
-      <thm15:themeFamily xmlns:thm15="http://schemas.microsoft.com/office/thememl/2012/main" name="Office Theme" id="{62F939B6-93AF-4DB8-9C6B-D6C7DFDC589F}" vid="{4A3C46E8-61CC-4603-A589-7422A47A8E4A}"/>
+      <thm15:themeFamily xmlns:thm15="http://schemas.microsoft.com/office/thememl/2012/main" name="Bahnscrift Dark" id="{85082B7A-33D0-4241-8D60-5C561CAEC806}" vid="{BAE8713A-722F-4FDE-9703-0950F6F79E93}"/>
     </a:ext>
   </a:extLst>
 </a:theme>
@@ -8014,9 +8385,27 @@
 </file>
 
 <file path=customXml/itemProps1.xml><?xml version="1.0" encoding="utf-8"?>
-<ds:datastoreItem xmlns:ds="http://schemas.openxmlformats.org/officeDocument/2006/customXml" ds:itemID="{F118AE1B-89AB-4E8D-A474-F3B1187AE7D6}"/>
+<ds:datastoreItem xmlns:ds="http://schemas.openxmlformats.org/officeDocument/2006/customXml" ds:itemID="{F118AE1B-89AB-4E8D-A474-F3B1187AE7D6}">
+  <ds:schemaRefs>
+    <ds:schemaRef ds:uri="http://schemas.microsoft.com/office/2006/metadata/contentType"/>
+    <ds:schemaRef ds:uri="http://schemas.microsoft.com/office/2006/metadata/properties/metaAttributes"/>
+    <ds:schemaRef ds:uri="http://www.w3.org/2001/XMLSchema"/>
+    <ds:schemaRef ds:uri="http://schemas.microsoft.com/office/2006/metadata/properties"/>
+    <ds:schemaRef ds:uri="205ad105-7c38-4030-89bf-bb8828f957ce"/>
+    <ds:schemaRef ds:uri="http://schemas.microsoft.com/office/2006/documentManagement/types"/>
+    <ds:schemaRef ds:uri="http://schemas.microsoft.com/office/infopath/2007/PartnerControls"/>
+    <ds:schemaRef ds:uri="http://schemas.openxmlformats.org/package/2006/metadata/core-properties"/>
+    <ds:schemaRef ds:uri="http://purl.org/dc/elements/1.1/"/>
+    <ds:schemaRef ds:uri="http://purl.org/dc/terms/"/>
+    <ds:schemaRef ds:uri="http://schemas.microsoft.com/internal/obd"/>
+  </ds:schemaRefs>
+</ds:datastoreItem>
 </file>
 
 <file path=customXml/itemProps2.xml><?xml version="1.0" encoding="utf-8"?>
-<ds:datastoreItem xmlns:ds="http://schemas.openxmlformats.org/officeDocument/2006/customXml" ds:itemID="{2025CDDF-CD31-423A-BEB8-DE00B73966BF}"/>
+<ds:datastoreItem xmlns:ds="http://schemas.openxmlformats.org/officeDocument/2006/customXml" ds:itemID="{2025CDDF-CD31-423A-BEB8-DE00B73966BF}">
+  <ds:schemaRefs>
+    <ds:schemaRef ds:uri="http://schemas.microsoft.com/sharepoint/v3/contenttype/forms"/>
+  </ds:schemaRefs>
+</ds:datastoreItem>
 </file>
--- a/2.7 and 2.8 Documentation Template.pptx
+++ b/2.7 and 2.8 Documentation Template.pptx
@@ -5,7 +5,7 @@
     <p:sldMasterId id="2147483661" r:id="rId3"/>
   </p:sldMasterIdLst>
   <p:notesMasterIdLst>
-    <p:notesMasterId r:id="rId16"/>
+    <p:notesMasterId r:id="rId19"/>
   </p:notesMasterIdLst>
   <p:sldIdLst>
     <p:sldId id="256" r:id="rId4"/>
@@ -15,11 +15,14 @@
     <p:sldId id="268" r:id="rId8"/>
     <p:sldId id="269" r:id="rId9"/>
     <p:sldId id="273" r:id="rId10"/>
-    <p:sldId id="274" r:id="rId11"/>
-    <p:sldId id="263" r:id="rId12"/>
-    <p:sldId id="270" r:id="rId13"/>
-    <p:sldId id="261" r:id="rId14"/>
-    <p:sldId id="266" r:id="rId15"/>
+    <p:sldId id="275" r:id="rId11"/>
+    <p:sldId id="276" r:id="rId12"/>
+    <p:sldId id="277" r:id="rId13"/>
+    <p:sldId id="274" r:id="rId14"/>
+    <p:sldId id="263" r:id="rId15"/>
+    <p:sldId id="270" r:id="rId16"/>
+    <p:sldId id="261" r:id="rId17"/>
+    <p:sldId id="266" r:id="rId18"/>
   </p:sldIdLst>
   <p:sldSz cx="12192000" cy="6858000"/>
   <p:notesSz cx="6858000" cy="9144000"/>
@@ -129,7 +132,7 @@
 <file path=ppt/revisionInfo.xml><?xml version="1.0" encoding="utf-8"?>
 <p1510:revInfo xmlns:a="http://schemas.openxmlformats.org/drawingml/2006/main" xmlns:r="http://schemas.openxmlformats.org/officeDocument/2006/relationships" xmlns:p1510="http://schemas.microsoft.com/office/powerpoint/2015/10/main">
   <p1510:revLst>
-    <p1510:client id="{378AF3DA-1D02-490C-9CEA-1409B58C5F7F}" v="4" dt="2023-05-02T22:29:21.673"/>
+    <p1510:client id="{378AF3DA-1D02-490C-9CEA-1409B58C5F7F}" v="9" dt="2023-05-09T22:10:24.467"/>
   </p1510:revLst>
 </p1510:revInfo>
 </file>
@@ -138,8 +141,8 @@
 <pc:chgInfo xmlns:a="http://schemas.openxmlformats.org/drawingml/2006/main" xmlns:r="http://schemas.openxmlformats.org/officeDocument/2006/relationships" xmlns:ac="http://schemas.microsoft.com/office/drawing/2013/main/command" xmlns:pc="http://schemas.microsoft.com/office/powerpoint/2013/main/command">
   <pc:docChgLst>
     <pc:chgData name="Josh Currie-Cook" userId="27abfd07-d9ae-4d78-87f7-24cebb775941" providerId="ADAL" clId="{378AF3DA-1D02-490C-9CEA-1409B58C5F7F}"/>
-    <pc:docChg chg="undo redo custSel modSld">
-      <pc:chgData name="Josh Currie-Cook" userId="27abfd07-d9ae-4d78-87f7-24cebb775941" providerId="ADAL" clId="{378AF3DA-1D02-490C-9CEA-1409B58C5F7F}" dt="2023-05-02T22:29:29.787" v="282" actId="2711"/>
+    <pc:docChg chg="undo redo custSel addSld modSld">
+      <pc:chgData name="Josh Currie-Cook" userId="27abfd07-d9ae-4d78-87f7-24cebb775941" providerId="ADAL" clId="{378AF3DA-1D02-490C-9CEA-1409B58C5F7F}" dt="2023-05-11T02:55:48.619" v="1611" actId="1076"/>
       <pc:docMkLst>
         <pc:docMk/>
       </pc:docMkLst>
@@ -198,6 +201,21 @@
         </pc:graphicFrameChg>
       </pc:sldChg>
       <pc:sldChg chg="addSp modSp mod">
+        <pc:chgData name="Josh Currie-Cook" userId="27abfd07-d9ae-4d78-87f7-24cebb775941" providerId="ADAL" clId="{378AF3DA-1D02-490C-9CEA-1409B58C5F7F}" dt="2023-05-11T02:55:48.619" v="1611" actId="1076"/>
+        <pc:sldMkLst>
+          <pc:docMk/>
+          <pc:sldMk cId="3760331451" sldId="260"/>
+        </pc:sldMkLst>
+        <pc:picChg chg="add mod">
+          <ac:chgData name="Josh Currie-Cook" userId="27abfd07-d9ae-4d78-87f7-24cebb775941" providerId="ADAL" clId="{378AF3DA-1D02-490C-9CEA-1409B58C5F7F}" dt="2023-05-11T02:55:48.619" v="1611" actId="1076"/>
+          <ac:picMkLst>
+            <pc:docMk/>
+            <pc:sldMk cId="3760331451" sldId="260"/>
+            <ac:picMk id="5" creationId="{2FD158C7-CC95-C277-53EB-B127B86B057F}"/>
+          </ac:picMkLst>
+        </pc:picChg>
+      </pc:sldChg>
+      <pc:sldChg chg="addSp modSp mod">
         <pc:chgData name="Josh Currie-Cook" userId="27abfd07-d9ae-4d78-87f7-24cebb775941" providerId="ADAL" clId="{378AF3DA-1D02-490C-9CEA-1409B58C5F7F}" dt="2023-05-02T22:24:09.796" v="255" actId="1076"/>
         <pc:sldMkLst>
           <pc:docMk/>
@@ -229,7 +247,7 @@
         </pc:picChg>
       </pc:sldChg>
       <pc:sldChg chg="addSp delSp modSp mod">
-        <pc:chgData name="Josh Currie-Cook" userId="27abfd07-d9ae-4d78-87f7-24cebb775941" providerId="ADAL" clId="{378AF3DA-1D02-490C-9CEA-1409B58C5F7F}" dt="2023-04-30T21:51:02.019" v="45" actId="14100"/>
+        <pc:chgData name="Josh Currie-Cook" userId="27abfd07-d9ae-4d78-87f7-24cebb775941" providerId="ADAL" clId="{378AF3DA-1D02-490C-9CEA-1409B58C5F7F}" dt="2023-05-11T02:54:01.903" v="1607" actId="20577"/>
         <pc:sldMkLst>
           <pc:docMk/>
           <pc:sldMk cId="975627948" sldId="272"/>
@@ -251,7 +269,7 @@
           </ac:graphicFrameMkLst>
         </pc:graphicFrameChg>
         <pc:graphicFrameChg chg="add mod modGraphic">
-          <ac:chgData name="Josh Currie-Cook" userId="27abfd07-d9ae-4d78-87f7-24cebb775941" providerId="ADAL" clId="{378AF3DA-1D02-490C-9CEA-1409B58C5F7F}" dt="2023-04-30T21:51:02.019" v="45" actId="14100"/>
+          <ac:chgData name="Josh Currie-Cook" userId="27abfd07-d9ae-4d78-87f7-24cebb775941" providerId="ADAL" clId="{378AF3DA-1D02-490C-9CEA-1409B58C5F7F}" dt="2023-05-11T02:54:01.903" v="1607" actId="20577"/>
           <ac:graphicFrameMkLst>
             <pc:docMk/>
             <pc:sldMk cId="975627948" sldId="272"/>
@@ -260,7 +278,7 @@
         </pc:graphicFrameChg>
       </pc:sldChg>
       <pc:sldChg chg="addSp delSp modSp mod">
-        <pc:chgData name="Josh Currie-Cook" userId="27abfd07-d9ae-4d78-87f7-24cebb775941" providerId="ADAL" clId="{378AF3DA-1D02-490C-9CEA-1409B58C5F7F}" dt="2023-05-02T22:29:29.787" v="282" actId="2711"/>
+        <pc:chgData name="Josh Currie-Cook" userId="27abfd07-d9ae-4d78-87f7-24cebb775941" providerId="ADAL" clId="{378AF3DA-1D02-490C-9CEA-1409B58C5F7F}" dt="2023-05-04T02:44:35.905" v="644" actId="11529"/>
         <pc:sldMkLst>
           <pc:docMk/>
           <pc:sldMk cId="270828811" sldId="273"/>
@@ -271,6 +289,14 @@
             <pc:docMk/>
             <pc:sldMk cId="270828811" sldId="273"/>
             <ac:spMk id="2" creationId="{1CC5D32F-7C18-4D00-8D54-2FB046F0A206}"/>
+          </ac:spMkLst>
+        </pc:spChg>
+        <pc:spChg chg="add mod">
+          <ac:chgData name="Josh Currie-Cook" userId="27abfd07-d9ae-4d78-87f7-24cebb775941" providerId="ADAL" clId="{378AF3DA-1D02-490C-9CEA-1409B58C5F7F}" dt="2023-05-04T02:43:48.605" v="640" actId="20577"/>
+          <ac:spMkLst>
+            <pc:docMk/>
+            <pc:sldMk cId="270828811" sldId="273"/>
+            <ac:spMk id="3" creationId="{0FC9CBD3-0EA5-DE0E-2A6A-CF0D4B0D6845}"/>
           </ac:spMkLst>
         </pc:spChg>
         <pc:spChg chg="add del mod">
@@ -295,6 +321,219 @@
             <pc:docMk/>
             <pc:sldMk cId="270828811" sldId="273"/>
             <ac:picMk id="5" creationId="{639CA9B9-BCFB-E9B2-ACD5-99116C692056}"/>
+          </ac:picMkLst>
+        </pc:picChg>
+        <pc:cxnChg chg="add">
+          <ac:chgData name="Josh Currie-Cook" userId="27abfd07-d9ae-4d78-87f7-24cebb775941" providerId="ADAL" clId="{378AF3DA-1D02-490C-9CEA-1409B58C5F7F}" dt="2023-05-04T02:44:07.165" v="641" actId="11529"/>
+          <ac:cxnSpMkLst>
+            <pc:docMk/>
+            <pc:sldMk cId="270828811" sldId="273"/>
+            <ac:cxnSpMk id="8" creationId="{5418F84B-9BA5-08AC-0FEC-BF62B7649542}"/>
+          </ac:cxnSpMkLst>
+        </pc:cxnChg>
+        <pc:cxnChg chg="add">
+          <ac:chgData name="Josh Currie-Cook" userId="27abfd07-d9ae-4d78-87f7-24cebb775941" providerId="ADAL" clId="{378AF3DA-1D02-490C-9CEA-1409B58C5F7F}" dt="2023-05-04T02:44:17.589" v="642" actId="11529"/>
+          <ac:cxnSpMkLst>
+            <pc:docMk/>
+            <pc:sldMk cId="270828811" sldId="273"/>
+            <ac:cxnSpMk id="10" creationId="{471BB71B-17CF-1150-204C-149EB08AD447}"/>
+          </ac:cxnSpMkLst>
+        </pc:cxnChg>
+        <pc:cxnChg chg="add">
+          <ac:chgData name="Josh Currie-Cook" userId="27abfd07-d9ae-4d78-87f7-24cebb775941" providerId="ADAL" clId="{378AF3DA-1D02-490C-9CEA-1409B58C5F7F}" dt="2023-05-04T02:44:28.277" v="643" actId="11529"/>
+          <ac:cxnSpMkLst>
+            <pc:docMk/>
+            <pc:sldMk cId="270828811" sldId="273"/>
+            <ac:cxnSpMk id="12" creationId="{E51445F4-7BBB-4B01-D59A-98B0C15F3516}"/>
+          </ac:cxnSpMkLst>
+        </pc:cxnChg>
+        <pc:cxnChg chg="add">
+          <ac:chgData name="Josh Currie-Cook" userId="27abfd07-d9ae-4d78-87f7-24cebb775941" providerId="ADAL" clId="{378AF3DA-1D02-490C-9CEA-1409B58C5F7F}" dt="2023-05-04T02:44:35.905" v="644" actId="11529"/>
+          <ac:cxnSpMkLst>
+            <pc:docMk/>
+            <pc:sldMk cId="270828811" sldId="273"/>
+            <ac:cxnSpMk id="14" creationId="{CB7D19B8-8758-6995-231D-660D42729895}"/>
+          </ac:cxnSpMkLst>
+        </pc:cxnChg>
+      </pc:sldChg>
+      <pc:sldChg chg="addSp modSp new mod">
+        <pc:chgData name="Josh Currie-Cook" userId="27abfd07-d9ae-4d78-87f7-24cebb775941" providerId="ADAL" clId="{378AF3DA-1D02-490C-9CEA-1409B58C5F7F}" dt="2023-05-09T22:16:04.243" v="1603" actId="11529"/>
+        <pc:sldMkLst>
+          <pc:docMk/>
+          <pc:sldMk cId="383645011" sldId="275"/>
+        </pc:sldMkLst>
+        <pc:spChg chg="mod">
+          <ac:chgData name="Josh Currie-Cook" userId="27abfd07-d9ae-4d78-87f7-24cebb775941" providerId="ADAL" clId="{378AF3DA-1D02-490C-9CEA-1409B58C5F7F}" dt="2023-05-04T02:50:44.103" v="665" actId="20577"/>
+          <ac:spMkLst>
+            <pc:docMk/>
+            <pc:sldMk cId="383645011" sldId="275"/>
+            <ac:spMk id="2" creationId="{83A0A1A3-DB75-1EAC-26D6-BABCBF0A4320}"/>
+          </ac:spMkLst>
+        </pc:spChg>
+        <pc:spChg chg="add mod">
+          <ac:chgData name="Josh Currie-Cook" userId="27abfd07-d9ae-4d78-87f7-24cebb775941" providerId="ADAL" clId="{378AF3DA-1D02-490C-9CEA-1409B58C5F7F}" dt="2023-05-04T03:08:09.783" v="831" actId="20577"/>
+          <ac:spMkLst>
+            <pc:docMk/>
+            <pc:sldMk cId="383645011" sldId="275"/>
+            <ac:spMk id="5" creationId="{2B84821F-7942-1077-A746-147C36FD9D5A}"/>
+          </ac:spMkLst>
+        </pc:spChg>
+        <pc:picChg chg="add mod">
+          <ac:chgData name="Josh Currie-Cook" userId="27abfd07-d9ae-4d78-87f7-24cebb775941" providerId="ADAL" clId="{378AF3DA-1D02-490C-9CEA-1409B58C5F7F}" dt="2023-05-09T22:06:42.889" v="1175"/>
+          <ac:picMkLst>
+            <pc:docMk/>
+            <pc:sldMk cId="383645011" sldId="275"/>
+            <ac:picMk id="3" creationId="{2C214981-36A2-A402-8BA8-A4D89C50EA5F}"/>
+          </ac:picMkLst>
+        </pc:picChg>
+        <pc:picChg chg="add mod">
+          <ac:chgData name="Josh Currie-Cook" userId="27abfd07-d9ae-4d78-87f7-24cebb775941" providerId="ADAL" clId="{378AF3DA-1D02-490C-9CEA-1409B58C5F7F}" dt="2023-05-04T02:51:02.928" v="667" actId="1076"/>
+          <ac:picMkLst>
+            <pc:docMk/>
+            <pc:sldMk cId="383645011" sldId="275"/>
+            <ac:picMk id="4" creationId="{7CE5E6DE-1128-15D6-0FD7-A15F9F98193D}"/>
+          </ac:picMkLst>
+        </pc:picChg>
+        <pc:picChg chg="add mod">
+          <ac:chgData name="Josh Currie-Cook" userId="27abfd07-d9ae-4d78-87f7-24cebb775941" providerId="ADAL" clId="{378AF3DA-1D02-490C-9CEA-1409B58C5F7F}" dt="2023-05-09T22:06:42.889" v="1175"/>
+          <ac:picMkLst>
+            <pc:docMk/>
+            <pc:sldMk cId="383645011" sldId="275"/>
+            <ac:picMk id="6" creationId="{9A8AEFFE-EEF3-0020-4DFF-869C2CB3066B}"/>
+          </ac:picMkLst>
+        </pc:picChg>
+        <pc:picChg chg="add mod">
+          <ac:chgData name="Josh Currie-Cook" userId="27abfd07-d9ae-4d78-87f7-24cebb775941" providerId="ADAL" clId="{378AF3DA-1D02-490C-9CEA-1409B58C5F7F}" dt="2023-05-09T22:07:06.778" v="1177" actId="1076"/>
+          <ac:picMkLst>
+            <pc:docMk/>
+            <pc:sldMk cId="383645011" sldId="275"/>
+            <ac:picMk id="8" creationId="{BE814A80-4056-3E16-FEAC-A47D0B48D482}"/>
+          </ac:picMkLst>
+        </pc:picChg>
+        <pc:cxnChg chg="add">
+          <ac:chgData name="Josh Currie-Cook" userId="27abfd07-d9ae-4d78-87f7-24cebb775941" providerId="ADAL" clId="{378AF3DA-1D02-490C-9CEA-1409B58C5F7F}" dt="2023-05-09T22:16:04.243" v="1603" actId="11529"/>
+          <ac:cxnSpMkLst>
+            <pc:docMk/>
+            <pc:sldMk cId="383645011" sldId="275"/>
+            <ac:cxnSpMk id="10" creationId="{7B9EC81C-2A76-B64E-F3F2-CF46D60976E4}"/>
+          </ac:cxnSpMkLst>
+        </pc:cxnChg>
+      </pc:sldChg>
+      <pc:sldChg chg="addSp modSp new mod">
+        <pc:chgData name="Josh Currie-Cook" userId="27abfd07-d9ae-4d78-87f7-24cebb775941" providerId="ADAL" clId="{378AF3DA-1D02-490C-9CEA-1409B58C5F7F}" dt="2023-05-09T22:06:35.078" v="1174" actId="1076"/>
+        <pc:sldMkLst>
+          <pc:docMk/>
+          <pc:sldMk cId="1576042982" sldId="276"/>
+        </pc:sldMkLst>
+        <pc:spChg chg="mod">
+          <ac:chgData name="Josh Currie-Cook" userId="27abfd07-d9ae-4d78-87f7-24cebb775941" providerId="ADAL" clId="{378AF3DA-1D02-490C-9CEA-1409B58C5F7F}" dt="2023-05-09T22:05:37.279" v="1164" actId="1076"/>
+          <ac:spMkLst>
+            <pc:docMk/>
+            <pc:sldMk cId="1576042982" sldId="276"/>
+            <ac:spMk id="2" creationId="{80722B2A-EB2B-9E93-700E-A89F2C9F922E}"/>
+          </ac:spMkLst>
+        </pc:spChg>
+        <pc:spChg chg="add mod">
+          <ac:chgData name="Josh Currie-Cook" userId="27abfd07-d9ae-4d78-87f7-24cebb775941" providerId="ADAL" clId="{378AF3DA-1D02-490C-9CEA-1409B58C5F7F}" dt="2023-05-09T22:05:30.202" v="1162" actId="1036"/>
+          <ac:spMkLst>
+            <pc:docMk/>
+            <pc:sldMk cId="1576042982" sldId="276"/>
+            <ac:spMk id="5" creationId="{D5188CAE-101F-E240-95DB-3F309E21D502}"/>
+          </ac:spMkLst>
+        </pc:spChg>
+        <pc:picChg chg="add mod">
+          <ac:chgData name="Josh Currie-Cook" userId="27abfd07-d9ae-4d78-87f7-24cebb775941" providerId="ADAL" clId="{378AF3DA-1D02-490C-9CEA-1409B58C5F7F}" dt="2023-05-09T22:05:39.829" v="1166" actId="1076"/>
+          <ac:picMkLst>
+            <pc:docMk/>
+            <pc:sldMk cId="1576042982" sldId="276"/>
+            <ac:picMk id="4" creationId="{26C0BACC-59BF-4E45-5428-CB73B8FE8DC9}"/>
+          </ac:picMkLst>
+        </pc:picChg>
+        <pc:picChg chg="add mod">
+          <ac:chgData name="Josh Currie-Cook" userId="27abfd07-d9ae-4d78-87f7-24cebb775941" providerId="ADAL" clId="{378AF3DA-1D02-490C-9CEA-1409B58C5F7F}" dt="2023-05-09T22:06:05.039" v="1168" actId="1076"/>
+          <ac:picMkLst>
+            <pc:docMk/>
+            <pc:sldMk cId="1576042982" sldId="276"/>
+            <ac:picMk id="7" creationId="{28630535-154C-5D96-BA8C-0B81555B9BFE}"/>
+          </ac:picMkLst>
+        </pc:picChg>
+        <pc:picChg chg="add mod">
+          <ac:chgData name="Josh Currie-Cook" userId="27abfd07-d9ae-4d78-87f7-24cebb775941" providerId="ADAL" clId="{378AF3DA-1D02-490C-9CEA-1409B58C5F7F}" dt="2023-05-09T22:06:33.420" v="1173" actId="1076"/>
+          <ac:picMkLst>
+            <pc:docMk/>
+            <pc:sldMk cId="1576042982" sldId="276"/>
+            <ac:picMk id="9" creationId="{987628FF-263F-FA10-063B-84AE33409490}"/>
+          </ac:picMkLst>
+        </pc:picChg>
+        <pc:picChg chg="add mod">
+          <ac:chgData name="Josh Currie-Cook" userId="27abfd07-d9ae-4d78-87f7-24cebb775941" providerId="ADAL" clId="{378AF3DA-1D02-490C-9CEA-1409B58C5F7F}" dt="2023-05-09T22:06:35.078" v="1174" actId="1076"/>
+          <ac:picMkLst>
+            <pc:docMk/>
+            <pc:sldMk cId="1576042982" sldId="276"/>
+            <ac:picMk id="11" creationId="{21BBF031-2E30-B3D9-83B5-BB3102808E55}"/>
+          </ac:picMkLst>
+        </pc:picChg>
+      </pc:sldChg>
+      <pc:sldChg chg="addSp modSp new mod">
+        <pc:chgData name="Josh Currie-Cook" userId="27abfd07-d9ae-4d78-87f7-24cebb775941" providerId="ADAL" clId="{378AF3DA-1D02-490C-9CEA-1409B58C5F7F}" dt="2023-05-09T22:15:33.856" v="1602" actId="1582"/>
+        <pc:sldMkLst>
+          <pc:docMk/>
+          <pc:sldMk cId="1389314050" sldId="277"/>
+        </pc:sldMkLst>
+        <pc:spChg chg="mod">
+          <ac:chgData name="Josh Currie-Cook" userId="27abfd07-d9ae-4d78-87f7-24cebb775941" providerId="ADAL" clId="{378AF3DA-1D02-490C-9CEA-1409B58C5F7F}" dt="2023-05-09T22:07:41.778" v="1230" actId="14100"/>
+          <ac:spMkLst>
+            <pc:docMk/>
+            <pc:sldMk cId="1389314050" sldId="277"/>
+            <ac:spMk id="2" creationId="{3709F128-CCC5-708A-CC08-745D55C57EC8}"/>
+          </ac:spMkLst>
+        </pc:spChg>
+        <pc:spChg chg="add mod">
+          <ac:chgData name="Josh Currie-Cook" userId="27abfd07-d9ae-4d78-87f7-24cebb775941" providerId="ADAL" clId="{378AF3DA-1D02-490C-9CEA-1409B58C5F7F}" dt="2023-05-09T22:14:47.366" v="1590" actId="14100"/>
+          <ac:spMkLst>
+            <pc:docMk/>
+            <pc:sldMk cId="1389314050" sldId="277"/>
+            <ac:spMk id="5" creationId="{A1D161D2-0229-6B48-778E-E304F4F95EB2}"/>
+          </ac:spMkLst>
+        </pc:spChg>
+        <pc:spChg chg="add mod">
+          <ac:chgData name="Josh Currie-Cook" userId="27abfd07-d9ae-4d78-87f7-24cebb775941" providerId="ADAL" clId="{378AF3DA-1D02-490C-9CEA-1409B58C5F7F}" dt="2023-05-09T22:15:33.856" v="1602" actId="1582"/>
+          <ac:spMkLst>
+            <pc:docMk/>
+            <pc:sldMk cId="1389314050" sldId="277"/>
+            <ac:spMk id="12" creationId="{CE1E62AB-65CF-36F4-4203-4BE2E41D5784}"/>
+          </ac:spMkLst>
+        </pc:spChg>
+        <pc:picChg chg="add mod">
+          <ac:chgData name="Josh Currie-Cook" userId="27abfd07-d9ae-4d78-87f7-24cebb775941" providerId="ADAL" clId="{378AF3DA-1D02-490C-9CEA-1409B58C5F7F}" dt="2023-05-09T22:10:19.237" v="1232" actId="1076"/>
+          <ac:picMkLst>
+            <pc:docMk/>
+            <pc:sldMk cId="1389314050" sldId="277"/>
+            <ac:picMk id="4" creationId="{3FEAF303-6F62-5E28-E242-E43CE08623DD}"/>
+          </ac:picMkLst>
+        </pc:picChg>
+        <pc:picChg chg="add mod">
+          <ac:chgData name="Josh Currie-Cook" userId="27abfd07-d9ae-4d78-87f7-24cebb775941" providerId="ADAL" clId="{378AF3DA-1D02-490C-9CEA-1409B58C5F7F}" dt="2023-05-09T22:14:50.886" v="1592" actId="1076"/>
+          <ac:picMkLst>
+            <pc:docMk/>
+            <pc:sldMk cId="1389314050" sldId="277"/>
+            <ac:picMk id="7" creationId="{2E92F0BD-4BE3-4D0A-F228-63518C3DB237}"/>
+          </ac:picMkLst>
+        </pc:picChg>
+        <pc:picChg chg="add mod">
+          <ac:chgData name="Josh Currie-Cook" userId="27abfd07-d9ae-4d78-87f7-24cebb775941" providerId="ADAL" clId="{378AF3DA-1D02-490C-9CEA-1409B58C5F7F}" dt="2023-05-09T22:15:00.206" v="1594" actId="1076"/>
+          <ac:picMkLst>
+            <pc:docMk/>
+            <pc:sldMk cId="1389314050" sldId="277"/>
+            <ac:picMk id="9" creationId="{C2EC1FEB-1E0C-952C-DE44-B3765FCA7975}"/>
+          </ac:picMkLst>
+        </pc:picChg>
+        <pc:picChg chg="add mod">
+          <ac:chgData name="Josh Currie-Cook" userId="27abfd07-d9ae-4d78-87f7-24cebb775941" providerId="ADAL" clId="{378AF3DA-1D02-490C-9CEA-1409B58C5F7F}" dt="2023-05-09T22:15:09.350" v="1596" actId="1076"/>
+          <ac:picMkLst>
+            <pc:docMk/>
+            <pc:sldMk cId="1389314050" sldId="277"/>
+            <ac:picMk id="11" creationId="{FE407FD0-8EFF-49A2-9DB5-5A641EAEE75C}"/>
           </ac:picMkLst>
         </pc:picChg>
       </pc:sldChg>
@@ -417,7 +656,7 @@
           <a:p>
             <a:fld id="{F37D28C0-BEB6-42B0-A203-EEE1023219C4}" type="datetimeFigureOut">
               <a:rPr lang="en-NZ" smtClean="0"/>
-              <a:t>3/05/2023</a:t>
+              <a:t>11/05/2023</a:t>
             </a:fld>
             <a:endParaRPr lang="en-NZ"/>
           </a:p>
@@ -1319,7 +1558,7 @@
           <a:p>
             <a:fld id="{D89B2B17-F4B1-4A14-AF99-5A366D45E74A}" type="slidenum">
               <a:rPr lang="en-NZ" smtClean="0"/>
-              <a:t>8</a:t>
+              <a:t>11</a:t>
             </a:fld>
             <a:endParaRPr lang="en-NZ"/>
           </a:p>
@@ -1427,7 +1666,7 @@
           <a:p>
             <a:fld id="{D89B2B17-F4B1-4A14-AF99-5A366D45E74A}" type="slidenum">
               <a:rPr lang="en-NZ" smtClean="0"/>
-              <a:t>9</a:t>
+              <a:t>12</a:t>
             </a:fld>
             <a:endParaRPr lang="en-NZ"/>
           </a:p>
@@ -1541,7 +1780,7 @@
           <a:p>
             <a:fld id="{D89B2B17-F4B1-4A14-AF99-5A366D45E74A}" type="slidenum">
               <a:rPr lang="en-NZ" smtClean="0"/>
-              <a:t>11</a:t>
+              <a:t>14</a:t>
             </a:fld>
             <a:endParaRPr lang="en-NZ"/>
           </a:p>
@@ -1650,7 +1889,7 @@
           <a:p>
             <a:fld id="{D89B2B17-F4B1-4A14-AF99-5A366D45E74A}" type="slidenum">
               <a:rPr lang="en-NZ" smtClean="0"/>
-              <a:t>12</a:t>
+              <a:t>15</a:t>
             </a:fld>
             <a:endParaRPr lang="en-NZ"/>
           </a:p>
@@ -1820,7 +2059,7 @@
           <a:p>
             <a:fld id="{9C4A4F43-1C06-40E6-8F87-8B286982E50E}" type="datetimeFigureOut">
               <a:rPr lang="en-NZ" smtClean="0"/>
-              <a:t>3/05/2023</a:t>
+              <a:t>11/05/2023</a:t>
             </a:fld>
             <a:endParaRPr lang="en-NZ" dirty="0"/>
           </a:p>
@@ -2020,7 +2259,7 @@
           <a:p>
             <a:fld id="{9C4A4F43-1C06-40E6-8F87-8B286982E50E}" type="datetimeFigureOut">
               <a:rPr lang="en-NZ" smtClean="0"/>
-              <a:t>3/05/2023</a:t>
+              <a:t>11/05/2023</a:t>
             </a:fld>
             <a:endParaRPr lang="en-NZ" dirty="0"/>
           </a:p>
@@ -2230,7 +2469,7 @@
           <a:p>
             <a:fld id="{9C4A4F43-1C06-40E6-8F87-8B286982E50E}" type="datetimeFigureOut">
               <a:rPr lang="en-NZ" smtClean="0"/>
-              <a:t>3/05/2023</a:t>
+              <a:t>11/05/2023</a:t>
             </a:fld>
             <a:endParaRPr lang="en-NZ" dirty="0"/>
           </a:p>
@@ -2797,7 +3036,7 @@
           <a:p>
             <a:fld id="{9C4A4F43-1C06-40E6-8F87-8B286982E50E}" type="datetimeFigureOut">
               <a:rPr lang="en-NZ" smtClean="0"/>
-              <a:t>3/05/2023</a:t>
+              <a:t>11/05/2023</a:t>
             </a:fld>
             <a:endParaRPr lang="en-NZ" dirty="0"/>
           </a:p>
@@ -3073,7 +3312,7 @@
           <a:p>
             <a:fld id="{9C4A4F43-1C06-40E6-8F87-8B286982E50E}" type="datetimeFigureOut">
               <a:rPr lang="en-NZ" smtClean="0"/>
-              <a:t>3/05/2023</a:t>
+              <a:t>11/05/2023</a:t>
             </a:fld>
             <a:endParaRPr lang="en-NZ" dirty="0"/>
           </a:p>
@@ -3341,7 +3580,7 @@
           <a:p>
             <a:fld id="{9C4A4F43-1C06-40E6-8F87-8B286982E50E}" type="datetimeFigureOut">
               <a:rPr lang="en-NZ" smtClean="0"/>
-              <a:t>3/05/2023</a:t>
+              <a:t>11/05/2023</a:t>
             </a:fld>
             <a:endParaRPr lang="en-NZ" dirty="0"/>
           </a:p>
@@ -3756,7 +3995,7 @@
           <a:p>
             <a:fld id="{9C4A4F43-1C06-40E6-8F87-8B286982E50E}" type="datetimeFigureOut">
               <a:rPr lang="en-NZ" smtClean="0"/>
-              <a:t>3/05/2023</a:t>
+              <a:t>11/05/2023</a:t>
             </a:fld>
             <a:endParaRPr lang="en-NZ" dirty="0"/>
           </a:p>
@@ -3898,7 +4137,7 @@
           <a:p>
             <a:fld id="{9C4A4F43-1C06-40E6-8F87-8B286982E50E}" type="datetimeFigureOut">
               <a:rPr lang="en-NZ" smtClean="0"/>
-              <a:t>3/05/2023</a:t>
+              <a:t>11/05/2023</a:t>
             </a:fld>
             <a:endParaRPr lang="en-NZ" dirty="0"/>
           </a:p>
@@ -4011,7 +4250,7 @@
           <a:p>
             <a:fld id="{9C4A4F43-1C06-40E6-8F87-8B286982E50E}" type="datetimeFigureOut">
               <a:rPr lang="en-NZ" smtClean="0"/>
-              <a:t>3/05/2023</a:t>
+              <a:t>11/05/2023</a:t>
             </a:fld>
             <a:endParaRPr lang="en-NZ" dirty="0"/>
           </a:p>
@@ -4324,7 +4563,7 @@
           <a:p>
             <a:fld id="{9C4A4F43-1C06-40E6-8F87-8B286982E50E}" type="datetimeFigureOut">
               <a:rPr lang="en-NZ" smtClean="0"/>
-              <a:t>3/05/2023</a:t>
+              <a:t>11/05/2023</a:t>
             </a:fld>
             <a:endParaRPr lang="en-NZ" dirty="0"/>
           </a:p>
@@ -4617,7 +4856,7 @@
           <a:p>
             <a:fld id="{9C4A4F43-1C06-40E6-8F87-8B286982E50E}" type="datetimeFigureOut">
               <a:rPr lang="en-NZ" smtClean="0"/>
-              <a:t>3/05/2023</a:t>
+              <a:t>11/05/2023</a:t>
             </a:fld>
             <a:endParaRPr lang="en-NZ" dirty="0"/>
           </a:p>
@@ -4863,7 +5102,7 @@
           <a:p>
             <a:fld id="{9C4A4F43-1C06-40E6-8F87-8B286982E50E}" type="datetimeFigureOut">
               <a:rPr lang="en-NZ" smtClean="0"/>
-              <a:t>3/05/2023</a:t>
+              <a:t>11/05/2023</a:t>
             </a:fld>
             <a:endParaRPr lang="en-NZ" dirty="0"/>
           </a:p>
@@ -5389,6 +5628,515 @@
           <p:cNvPr id="2" name="Title 1">
             <a:extLst>
               <a:ext uri="{FF2B5EF4-FFF2-40B4-BE49-F238E27FC236}">
+                <a16:creationId xmlns:a16="http://schemas.microsoft.com/office/drawing/2014/main" id="{3709F128-CCC5-708A-CC08-745D55C57EC8}"/>
+              </a:ext>
+            </a:extLst>
+          </p:cNvPr>
+          <p:cNvSpPr>
+            <a:spLocks noGrp="1"/>
+          </p:cNvSpPr>
+          <p:nvPr>
+            <p:ph type="title"/>
+          </p:nvPr>
+        </p:nvSpPr>
+        <p:spPr>
+          <a:xfrm>
+            <a:off x="0" y="1"/>
+            <a:ext cx="5566180" cy="810072"/>
+          </a:xfrm>
+        </p:spPr>
+        <p:txBody>
+          <a:bodyPr/>
+          <a:lstStyle/>
+          <a:p>
+            <a:r>
+              <a:rPr lang="en-US" dirty="0"/>
+              <a:t>Add item - </a:t>
+            </a:r>
+            <a:r>
+              <a:rPr lang="en-US" dirty="0" err="1"/>
+              <a:t>Trialling</a:t>
+            </a:r>
+            <a:endParaRPr lang="en-US" dirty="0"/>
+          </a:p>
+        </p:txBody>
+      </p:sp>
+      <p:pic>
+        <p:nvPicPr>
+          <p:cNvPr id="4" name="Picture 3">
+            <a:extLst>
+              <a:ext uri="{FF2B5EF4-FFF2-40B4-BE49-F238E27FC236}">
+                <a16:creationId xmlns:a16="http://schemas.microsoft.com/office/drawing/2014/main" id="{3FEAF303-6F62-5E28-E242-E43CE08623DD}"/>
+              </a:ext>
+            </a:extLst>
+          </p:cNvPr>
+          <p:cNvPicPr>
+            <a:picLocks noChangeAspect="1"/>
+          </p:cNvPicPr>
+          <p:nvPr/>
+        </p:nvPicPr>
+        <p:blipFill>
+          <a:blip r:embed="rId2"/>
+          <a:stretch>
+            <a:fillRect/>
+          </a:stretch>
+        </p:blipFill>
+        <p:spPr>
+          <a:xfrm>
+            <a:off x="388269" y="974708"/>
+            <a:ext cx="7328277" cy="5632739"/>
+          </a:xfrm>
+          <a:prstGeom prst="rect">
+            <a:avLst/>
+          </a:prstGeom>
+        </p:spPr>
+      </p:pic>
+      <p:sp>
+        <p:nvSpPr>
+          <p:cNvPr id="5" name="TextBox 4">
+            <a:extLst>
+              <a:ext uri="{FF2B5EF4-FFF2-40B4-BE49-F238E27FC236}">
+                <a16:creationId xmlns:a16="http://schemas.microsoft.com/office/drawing/2014/main" id="{A1D161D2-0229-6B48-778E-E304F4F95EB2}"/>
+              </a:ext>
+            </a:extLst>
+          </p:cNvPr>
+          <p:cNvSpPr txBox="1"/>
+          <p:nvPr/>
+        </p:nvSpPr>
+        <p:spPr>
+          <a:xfrm>
+            <a:off x="7800016" y="0"/>
+            <a:ext cx="4391984" cy="2031325"/>
+          </a:xfrm>
+          <a:prstGeom prst="rect">
+            <a:avLst/>
+          </a:prstGeom>
+          <a:noFill/>
+        </p:spPr>
+        <p:txBody>
+          <a:bodyPr wrap="square" rtlCol="0">
+            <a:spAutoFit/>
+          </a:bodyPr>
+          <a:lstStyle/>
+          <a:p>
+            <a:r>
+              <a:rPr lang="en-US" dirty="0">
+                <a:solidFill>
+                  <a:schemeClr val="bg1"/>
+                </a:solidFill>
+              </a:rPr>
+              <a:t>In version 3 of the program, I added a ‘while true’ loop to each individual ability.  The outcome was exactly as intended, with the program spitting out an error to the user saying the number cannot be greater than 25, and repeating the command just </a:t>
+            </a:r>
+            <a:r>
+              <a:rPr lang="en-US" dirty="0" err="1">
+                <a:solidFill>
+                  <a:schemeClr val="bg1"/>
+                </a:solidFill>
+              </a:rPr>
+              <a:t>prompeted</a:t>
+            </a:r>
+            <a:r>
+              <a:rPr lang="en-US" dirty="0">
+                <a:solidFill>
+                  <a:schemeClr val="bg1"/>
+                </a:solidFill>
+              </a:rPr>
+              <a:t> instead of going to the next one</a:t>
+            </a:r>
+          </a:p>
+        </p:txBody>
+      </p:sp>
+      <p:pic>
+        <p:nvPicPr>
+          <p:cNvPr id="7" name="Picture 6">
+            <a:extLst>
+              <a:ext uri="{FF2B5EF4-FFF2-40B4-BE49-F238E27FC236}">
+                <a16:creationId xmlns:a16="http://schemas.microsoft.com/office/drawing/2014/main" id="{2E92F0BD-4BE3-4D0A-F228-63518C3DB237}"/>
+              </a:ext>
+            </a:extLst>
+          </p:cNvPr>
+          <p:cNvPicPr>
+            <a:picLocks noChangeAspect="1"/>
+          </p:cNvPicPr>
+          <p:nvPr/>
+        </p:nvPicPr>
+        <p:blipFill>
+          <a:blip r:embed="rId3"/>
+          <a:stretch>
+            <a:fillRect/>
+          </a:stretch>
+        </p:blipFill>
+        <p:spPr>
+          <a:xfrm>
+            <a:off x="7930203" y="2083528"/>
+            <a:ext cx="3695890" cy="1549480"/>
+          </a:xfrm>
+          <a:prstGeom prst="rect">
+            <a:avLst/>
+          </a:prstGeom>
+        </p:spPr>
+      </p:pic>
+      <p:pic>
+        <p:nvPicPr>
+          <p:cNvPr id="9" name="Picture 8">
+            <a:extLst>
+              <a:ext uri="{FF2B5EF4-FFF2-40B4-BE49-F238E27FC236}">
+                <a16:creationId xmlns:a16="http://schemas.microsoft.com/office/drawing/2014/main" id="{C2EC1FEB-1E0C-952C-DE44-B3765FCA7975}"/>
+              </a:ext>
+            </a:extLst>
+          </p:cNvPr>
+          <p:cNvPicPr>
+            <a:picLocks noChangeAspect="1"/>
+          </p:cNvPicPr>
+          <p:nvPr/>
+        </p:nvPicPr>
+        <p:blipFill>
+          <a:blip r:embed="rId4"/>
+          <a:stretch>
+            <a:fillRect/>
+          </a:stretch>
+        </p:blipFill>
+        <p:spPr>
+          <a:xfrm>
+            <a:off x="7949083" y="3791077"/>
+            <a:ext cx="3854648" cy="1282766"/>
+          </a:xfrm>
+          <a:prstGeom prst="rect">
+            <a:avLst/>
+          </a:prstGeom>
+        </p:spPr>
+      </p:pic>
+      <p:pic>
+        <p:nvPicPr>
+          <p:cNvPr id="11" name="Picture 10">
+            <a:extLst>
+              <a:ext uri="{FF2B5EF4-FFF2-40B4-BE49-F238E27FC236}">
+                <a16:creationId xmlns:a16="http://schemas.microsoft.com/office/drawing/2014/main" id="{FE407FD0-8EFF-49A2-9DB5-5A641EAEE75C}"/>
+              </a:ext>
+            </a:extLst>
+          </p:cNvPr>
+          <p:cNvPicPr>
+            <a:picLocks noChangeAspect="1"/>
+          </p:cNvPicPr>
+          <p:nvPr/>
+        </p:nvPicPr>
+        <p:blipFill>
+          <a:blip r:embed="rId5"/>
+          <a:stretch>
+            <a:fillRect/>
+          </a:stretch>
+        </p:blipFill>
+        <p:spPr>
+          <a:xfrm>
+            <a:off x="7949083" y="5149021"/>
+            <a:ext cx="3803845" cy="1543129"/>
+          </a:xfrm>
+          <a:prstGeom prst="rect">
+            <a:avLst/>
+          </a:prstGeom>
+        </p:spPr>
+      </p:pic>
+      <p:sp>
+        <p:nvSpPr>
+          <p:cNvPr id="12" name="Oval 11">
+            <a:extLst>
+              <a:ext uri="{FF2B5EF4-FFF2-40B4-BE49-F238E27FC236}">
+                <a16:creationId xmlns:a16="http://schemas.microsoft.com/office/drawing/2014/main" id="{CE1E62AB-65CF-36F4-4203-4BE2E41D5784}"/>
+              </a:ext>
+            </a:extLst>
+          </p:cNvPr>
+          <p:cNvSpPr/>
+          <p:nvPr/>
+        </p:nvSpPr>
+        <p:spPr>
+          <a:xfrm>
+            <a:off x="9303560" y="5517085"/>
+            <a:ext cx="718019" cy="319119"/>
+          </a:xfrm>
+          <a:prstGeom prst="ellipse">
+            <a:avLst/>
+          </a:prstGeom>
+          <a:noFill/>
+          <a:ln w="38100">
+            <a:solidFill>
+              <a:srgbClr val="FF0000"/>
+            </a:solidFill>
+          </a:ln>
+        </p:spPr>
+        <p:style>
+          <a:lnRef idx="2">
+            <a:schemeClr val="accent1">
+              <a:shade val="15000"/>
+            </a:schemeClr>
+          </a:lnRef>
+          <a:fillRef idx="1">
+            <a:schemeClr val="accent1"/>
+          </a:fillRef>
+          <a:effectRef idx="0">
+            <a:schemeClr val="accent1"/>
+          </a:effectRef>
+          <a:fontRef idx="minor">
+            <a:schemeClr val="lt1"/>
+          </a:fontRef>
+        </p:style>
+        <p:txBody>
+          <a:bodyPr rtlCol="0" anchor="ctr"/>
+          <a:lstStyle/>
+          <a:p>
+            <a:pPr algn="ctr"/>
+            <a:endParaRPr lang="en-US"/>
+          </a:p>
+        </p:txBody>
+      </p:sp>
+    </p:spTree>
+    <p:extLst>
+      <p:ext uri="{BB962C8B-B14F-4D97-AF65-F5344CB8AC3E}">
+        <p14:creationId xmlns:p14="http://schemas.microsoft.com/office/powerpoint/2010/main" val="1389314050"/>
+      </p:ext>
+    </p:extLst>
+  </p:cSld>
+  <p:clrMapOvr>
+    <a:masterClrMapping/>
+  </p:clrMapOvr>
+</p:sld>
+</file>
+
+<file path=ppt/slides/slide11.xml><?xml version="1.0" encoding="utf-8"?>
+<p:sld xmlns:a="http://schemas.openxmlformats.org/drawingml/2006/main" xmlns:r="http://schemas.openxmlformats.org/officeDocument/2006/relationships" xmlns:p="http://schemas.openxmlformats.org/presentationml/2006/main">
+  <p:cSld>
+    <p:spTree>
+      <p:nvGrpSpPr>
+        <p:cNvPr id="1" name=""/>
+        <p:cNvGrpSpPr/>
+        <p:nvPr/>
+      </p:nvGrpSpPr>
+      <p:grpSpPr>
+        <a:xfrm>
+          <a:off x="0" y="0"/>
+          <a:ext cx="0" cy="0"/>
+          <a:chOff x="0" y="0"/>
+          <a:chExt cx="0" cy="0"/>
+        </a:xfrm>
+      </p:grpSpPr>
+      <p:sp>
+        <p:nvSpPr>
+          <p:cNvPr id="2" name="Title 1">
+            <a:extLst>
+              <a:ext uri="{FF2B5EF4-FFF2-40B4-BE49-F238E27FC236}">
+                <a16:creationId xmlns:a16="http://schemas.microsoft.com/office/drawing/2014/main" id="{1CC5D32F-7C18-4D00-8D54-2FB046F0A206}"/>
+              </a:ext>
+            </a:extLst>
+          </p:cNvPr>
+          <p:cNvSpPr>
+            <a:spLocks noGrp="1"/>
+          </p:cNvSpPr>
+          <p:nvPr>
+            <p:ph type="title"/>
+          </p:nvPr>
+        </p:nvSpPr>
+        <p:spPr>
+          <a:xfrm>
+            <a:off x="838200" y="518160"/>
+            <a:ext cx="10515600" cy="562928"/>
+          </a:xfrm>
+        </p:spPr>
+        <p:txBody>
+          <a:bodyPr>
+            <a:normAutofit fontScale="90000"/>
+          </a:bodyPr>
+          <a:lstStyle/>
+          <a:p>
+            <a:r>
+              <a:rPr lang="en-NZ" dirty="0"/>
+              <a:t>[Component name]: Testing </a:t>
+            </a:r>
+          </a:p>
+        </p:txBody>
+      </p:sp>
+      <p:sp>
+        <p:nvSpPr>
+          <p:cNvPr id="4" name="TextBox 3">
+            <a:extLst>
+              <a:ext uri="{FF2B5EF4-FFF2-40B4-BE49-F238E27FC236}">
+                <a16:creationId xmlns:a16="http://schemas.microsoft.com/office/drawing/2014/main" id="{8CD07A82-A944-4A9B-9A52-515DAC30878A}"/>
+              </a:ext>
+            </a:extLst>
+          </p:cNvPr>
+          <p:cNvSpPr txBox="1"/>
+          <p:nvPr/>
+        </p:nvSpPr>
+        <p:spPr>
+          <a:xfrm>
+            <a:off x="749300" y="1081088"/>
+            <a:ext cx="10693400" cy="646331"/>
+          </a:xfrm>
+          <a:prstGeom prst="rect">
+            <a:avLst/>
+          </a:prstGeom>
+          <a:noFill/>
+        </p:spPr>
+        <p:txBody>
+          <a:bodyPr wrap="square">
+            <a:spAutoFit/>
+          </a:bodyPr>
+          <a:lstStyle/>
+          <a:p>
+            <a:r>
+              <a:rPr lang="en-NZ" i="1" dirty="0"/>
+              <a:t>You must show the results of testing. For each component, include a screenshot proving it works.  You can also include notes about each test. </a:t>
+            </a:r>
+          </a:p>
+        </p:txBody>
+      </p:sp>
+    </p:spTree>
+    <p:extLst>
+      <p:ext uri="{BB962C8B-B14F-4D97-AF65-F5344CB8AC3E}">
+        <p14:creationId xmlns:p14="http://schemas.microsoft.com/office/powerpoint/2010/main" val="89592267"/>
+      </p:ext>
+    </p:extLst>
+  </p:cSld>
+  <p:clrMapOvr>
+    <a:masterClrMapping/>
+  </p:clrMapOvr>
+</p:sld>
+</file>
+
+<file path=ppt/slides/slide12.xml><?xml version="1.0" encoding="utf-8"?>
+<p:sld xmlns:a="http://schemas.openxmlformats.org/drawingml/2006/main" xmlns:r="http://schemas.openxmlformats.org/officeDocument/2006/relationships" xmlns:p="http://schemas.openxmlformats.org/presentationml/2006/main">
+  <p:cSld>
+    <p:spTree>
+      <p:nvGrpSpPr>
+        <p:cNvPr id="1" name=""/>
+        <p:cNvGrpSpPr/>
+        <p:nvPr/>
+      </p:nvGrpSpPr>
+      <p:grpSpPr>
+        <a:xfrm>
+          <a:off x="0" y="0"/>
+          <a:ext cx="0" cy="0"/>
+          <a:chOff x="0" y="0"/>
+          <a:chExt cx="0" cy="0"/>
+        </a:xfrm>
+      </p:grpSpPr>
+      <p:sp>
+        <p:nvSpPr>
+          <p:cNvPr id="2" name="Title 1">
+            <a:extLst>
+              <a:ext uri="{FF2B5EF4-FFF2-40B4-BE49-F238E27FC236}">
+                <a16:creationId xmlns:a16="http://schemas.microsoft.com/office/drawing/2014/main" id="{183CAE4A-E189-4CAA-B3F5-7E97BC5188E3}"/>
+              </a:ext>
+            </a:extLst>
+          </p:cNvPr>
+          <p:cNvSpPr>
+            <a:spLocks noGrp="1"/>
+          </p:cNvSpPr>
+          <p:nvPr>
+            <p:ph type="title"/>
+          </p:nvPr>
+        </p:nvSpPr>
+        <p:spPr>
+          <a:xfrm>
+            <a:off x="838199" y="406400"/>
+            <a:ext cx="10515600" cy="583248"/>
+          </a:xfrm>
+        </p:spPr>
+        <p:txBody>
+          <a:bodyPr>
+            <a:normAutofit fontScale="90000"/>
+          </a:bodyPr>
+          <a:lstStyle/>
+          <a:p>
+            <a:r>
+              <a:rPr lang="en-NZ" sz="4000" dirty="0"/>
+              <a:t>Assembled Outcome Testing:</a:t>
+            </a:r>
+          </a:p>
+        </p:txBody>
+      </p:sp>
+      <p:sp>
+        <p:nvSpPr>
+          <p:cNvPr id="3" name="Rectangle 2">
+            <a:extLst>
+              <a:ext uri="{FF2B5EF4-FFF2-40B4-BE49-F238E27FC236}">
+                <a16:creationId xmlns:a16="http://schemas.microsoft.com/office/drawing/2014/main" id="{DB8F61FF-932E-477F-82DD-3F6BB93999C0}"/>
+              </a:ext>
+            </a:extLst>
+          </p:cNvPr>
+          <p:cNvSpPr/>
+          <p:nvPr/>
+        </p:nvSpPr>
+        <p:spPr>
+          <a:xfrm>
+            <a:off x="838199" y="1089283"/>
+            <a:ext cx="8767813" cy="702372"/>
+          </a:xfrm>
+          <a:prstGeom prst="rect">
+            <a:avLst/>
+          </a:prstGeom>
+        </p:spPr>
+        <p:txBody>
+          <a:bodyPr wrap="square">
+            <a:spAutoFit/>
+          </a:bodyPr>
+          <a:lstStyle/>
+          <a:p>
+            <a:pPr>
+              <a:lnSpc>
+                <a:spcPct val="115000"/>
+              </a:lnSpc>
+              <a:spcAft>
+                <a:spcPts val="0"/>
+              </a:spcAft>
+            </a:pPr>
+            <a:r>
+              <a:rPr lang="en-NZ" i="1" dirty="0">
+                <a:latin typeface="Arial" panose="020B0604020202020204" pitchFamily="34" charset="0"/>
+                <a:ea typeface="Arial" panose="020B0604020202020204" pitchFamily="34" charset="0"/>
+              </a:rPr>
+              <a:t>Show testing for your assembled outcome below.  This should include a test plan followed by screenshot proof.  </a:t>
+            </a:r>
+            <a:endParaRPr lang="en-NZ" dirty="0">
+              <a:latin typeface="Arial" panose="020B0604020202020204" pitchFamily="34" charset="0"/>
+              <a:ea typeface="Arial" panose="020B0604020202020204" pitchFamily="34" charset="0"/>
+            </a:endParaRPr>
+          </a:p>
+        </p:txBody>
+      </p:sp>
+    </p:spTree>
+    <p:extLst>
+      <p:ext uri="{BB962C8B-B14F-4D97-AF65-F5344CB8AC3E}">
+        <p14:creationId xmlns:p14="http://schemas.microsoft.com/office/powerpoint/2010/main" val="1084233196"/>
+      </p:ext>
+    </p:extLst>
+  </p:cSld>
+  <p:clrMapOvr>
+    <a:masterClrMapping/>
+  </p:clrMapOvr>
+</p:sld>
+</file>
+
+<file path=ppt/slides/slide13.xml><?xml version="1.0" encoding="utf-8"?>
+<p:sld xmlns:a="http://schemas.openxmlformats.org/drawingml/2006/main" xmlns:r="http://schemas.openxmlformats.org/officeDocument/2006/relationships" xmlns:p="http://schemas.openxmlformats.org/presentationml/2006/main">
+  <p:cSld>
+    <p:spTree>
+      <p:nvGrpSpPr>
+        <p:cNvPr id="1" name=""/>
+        <p:cNvGrpSpPr/>
+        <p:nvPr/>
+      </p:nvGrpSpPr>
+      <p:grpSpPr>
+        <a:xfrm>
+          <a:off x="0" y="0"/>
+          <a:ext cx="0" cy="0"/>
+          <a:chOff x="0" y="0"/>
+          <a:chExt cx="0" cy="0"/>
+        </a:xfrm>
+      </p:grpSpPr>
+      <p:sp>
+        <p:nvSpPr>
+          <p:cNvPr id="2" name="Title 1">
+            <a:extLst>
+              <a:ext uri="{FF2B5EF4-FFF2-40B4-BE49-F238E27FC236}">
                 <a16:creationId xmlns:a16="http://schemas.microsoft.com/office/drawing/2014/main" id="{0D168B5A-EFF4-4803-8DA6-5994B306EBAF}"/>
               </a:ext>
             </a:extLst>
@@ -5639,7 +6387,7 @@
 </p:sld>
 </file>
 
-<file path=ppt/slides/slide11.xml><?xml version="1.0" encoding="utf-8"?>
+<file path=ppt/slides/slide14.xml><?xml version="1.0" encoding="utf-8"?>
 <p:sld xmlns:a="http://schemas.openxmlformats.org/drawingml/2006/main" xmlns:r="http://schemas.openxmlformats.org/officeDocument/2006/relationships" xmlns:p="http://schemas.openxmlformats.org/presentationml/2006/main">
   <p:cSld>
     <p:spTree>
@@ -5753,7 +6501,7 @@
 </p:sld>
 </file>
 
-<file path=ppt/slides/slide12.xml><?xml version="1.0" encoding="utf-8"?>
+<file path=ppt/slides/slide15.xml><?xml version="1.0" encoding="utf-8"?>
 <p:sld xmlns:a="http://schemas.openxmlformats.org/drawingml/2006/main" xmlns:r="http://schemas.openxmlformats.org/officeDocument/2006/relationships" xmlns:p="http://schemas.openxmlformats.org/presentationml/2006/main">
   <p:cSld>
     <p:spTree>
@@ -6497,7 +7245,7 @@
           <p:nvPr>
             <p:extLst>
               <p:ext uri="{D42A27DB-BD31-4B8C-83A1-F6EECF244321}">
-                <p14:modId xmlns:p14="http://schemas.microsoft.com/office/powerpoint/2010/main" val="1759883109"/>
+                <p14:modId xmlns:p14="http://schemas.microsoft.com/office/powerpoint/2010/main" val="2555594651"/>
               </p:ext>
             </p:extLst>
           </p:nvPr>
@@ -6528,7 +7276,7 @@
                   </a:extLst>
                 </a:gridCol>
               </a:tblGrid>
-              <a:tr h="358701">
+              <a:tr h="354218">
                 <a:tc>
                   <a:txBody>
                     <a:bodyPr/>
@@ -6561,7 +7309,7 @@
                   </a:ext>
                 </a:extLst>
               </a:tr>
-              <a:tr h="1415148">
+              <a:tr h="1416873">
                 <a:tc>
                   <a:txBody>
                     <a:bodyPr/>
@@ -6594,7 +7342,7 @@
                   </a:ext>
                 </a:extLst>
               </a:tr>
-              <a:tr h="884468">
+              <a:tr h="885545">
                 <a:tc>
                   <a:txBody>
                     <a:bodyPr/>
@@ -6627,7 +7375,7 @@
                   </a:ext>
                 </a:extLst>
               </a:tr>
-              <a:tr h="1415148">
+              <a:tr h="1416873">
                 <a:tc>
                   <a:txBody>
                     <a:bodyPr/>
@@ -6660,7 +7408,7 @@
                   </a:ext>
                 </a:extLst>
               </a:tr>
-              <a:tr h="884468">
+              <a:tr h="885545">
                 <a:tc>
                   <a:txBody>
                     <a:bodyPr/>
@@ -6698,7 +7446,7 @@
                   </a:ext>
                 </a:extLst>
               </a:tr>
-              <a:tr h="358701">
+              <a:tr h="354218">
                 <a:tc>
                   <a:txBody>
                     <a:bodyPr/>
@@ -6840,6 +7588,36 @@
           </a:p>
         </p:txBody>
       </p:sp>
+      <p:pic>
+        <p:nvPicPr>
+          <p:cNvPr id="5" name="Picture 4">
+            <a:extLst>
+              <a:ext uri="{FF2B5EF4-FFF2-40B4-BE49-F238E27FC236}">
+                <a16:creationId xmlns:a16="http://schemas.microsoft.com/office/drawing/2014/main" id="{2FD158C7-CC95-C277-53EB-B127B86B057F}"/>
+              </a:ext>
+            </a:extLst>
+          </p:cNvPr>
+          <p:cNvPicPr>
+            <a:picLocks noChangeAspect="1"/>
+          </p:cNvPicPr>
+          <p:nvPr/>
+        </p:nvPicPr>
+        <p:blipFill>
+          <a:blip r:embed="rId3"/>
+          <a:stretch>
+            <a:fillRect/>
+          </a:stretch>
+        </p:blipFill>
+        <p:spPr>
+          <a:xfrm>
+            <a:off x="0" y="1180853"/>
+            <a:ext cx="10582442" cy="3169361"/>
+          </a:xfrm>
+          <a:prstGeom prst="rect">
+            <a:avLst/>
+          </a:prstGeom>
+        </p:spPr>
+      </p:pic>
     </p:spTree>
     <p:extLst>
       <p:ext uri="{BB962C8B-B14F-4D97-AF65-F5344CB8AC3E}">
@@ -7420,6 +8198,235 @@
           </a:p>
         </p:txBody>
       </p:sp>
+      <p:sp>
+        <p:nvSpPr>
+          <p:cNvPr id="3" name="TextBox 2">
+            <a:extLst>
+              <a:ext uri="{FF2B5EF4-FFF2-40B4-BE49-F238E27FC236}">
+                <a16:creationId xmlns:a16="http://schemas.microsoft.com/office/drawing/2014/main" id="{0FC9CBD3-0EA5-DE0E-2A6A-CF0D4B0D6845}"/>
+              </a:ext>
+            </a:extLst>
+          </p:cNvPr>
+          <p:cNvSpPr txBox="1"/>
+          <p:nvPr/>
+        </p:nvSpPr>
+        <p:spPr>
+          <a:xfrm>
+            <a:off x="7043493" y="553865"/>
+            <a:ext cx="4807131" cy="1754326"/>
+          </a:xfrm>
+          <a:prstGeom prst="rect">
+            <a:avLst/>
+          </a:prstGeom>
+          <a:noFill/>
+        </p:spPr>
+        <p:txBody>
+          <a:bodyPr wrap="square" rtlCol="0">
+            <a:spAutoFit/>
+          </a:bodyPr>
+          <a:lstStyle/>
+          <a:p>
+            <a:r>
+              <a:rPr lang="en-US" dirty="0">
+                <a:solidFill>
+                  <a:schemeClr val="bg1"/>
+                </a:solidFill>
+              </a:rPr>
+              <a:t>What I wanted the code to do is throw an error </a:t>
+            </a:r>
+            <a:r>
+              <a:rPr lang="en-US" dirty="0" err="1">
+                <a:solidFill>
+                  <a:schemeClr val="bg1"/>
+                </a:solidFill>
+              </a:rPr>
+              <a:t>everytime</a:t>
+            </a:r>
+            <a:r>
+              <a:rPr lang="en-US" dirty="0">
+                <a:solidFill>
+                  <a:schemeClr val="bg1"/>
+                </a:solidFill>
+              </a:rPr>
+              <a:t> the user entered a number bigger than 25.  I started off by using the &gt;&gt; </a:t>
+            </a:r>
+            <a:r>
+              <a:rPr lang="en-US" dirty="0" err="1">
+                <a:solidFill>
+                  <a:schemeClr val="bg1"/>
+                </a:solidFill>
+              </a:rPr>
+              <a:t>operater</a:t>
+            </a:r>
+            <a:r>
+              <a:rPr lang="en-US" dirty="0">
+                <a:solidFill>
+                  <a:schemeClr val="bg1"/>
+                </a:solidFill>
+              </a:rPr>
+              <a:t> because I thought that’s how you were supposed to phrase it.  To my surprise, the program threw up no errors, no matter how big I made the numbers</a:t>
+            </a:r>
+          </a:p>
+        </p:txBody>
+      </p:sp>
+      <p:cxnSp>
+        <p:nvCxnSpPr>
+          <p:cNvPr id="8" name="Straight Arrow Connector 7">
+            <a:extLst>
+              <a:ext uri="{FF2B5EF4-FFF2-40B4-BE49-F238E27FC236}">
+                <a16:creationId xmlns:a16="http://schemas.microsoft.com/office/drawing/2014/main" id="{5418F84B-9BA5-08AC-0FEC-BF62B7649542}"/>
+              </a:ext>
+            </a:extLst>
+          </p:cNvPr>
+          <p:cNvCxnSpPr>
+            <a:stCxn id="3" idx="2"/>
+          </p:cNvCxnSpPr>
+          <p:nvPr/>
+        </p:nvCxnSpPr>
+        <p:spPr>
+          <a:xfrm flipH="1">
+            <a:off x="1959429" y="2308191"/>
+            <a:ext cx="7487630" cy="962748"/>
+          </a:xfrm>
+          <a:prstGeom prst="straightConnector1">
+            <a:avLst/>
+          </a:prstGeom>
+          <a:ln>
+            <a:tailEnd type="triangle"/>
+          </a:ln>
+        </p:spPr>
+        <p:style>
+          <a:lnRef idx="1">
+            <a:schemeClr val="accent1"/>
+          </a:lnRef>
+          <a:fillRef idx="0">
+            <a:schemeClr val="accent1"/>
+          </a:fillRef>
+          <a:effectRef idx="0">
+            <a:schemeClr val="accent1"/>
+          </a:effectRef>
+          <a:fontRef idx="minor">
+            <a:schemeClr val="tx1"/>
+          </a:fontRef>
+        </p:style>
+      </p:cxnSp>
+      <p:cxnSp>
+        <p:nvCxnSpPr>
+          <p:cNvPr id="10" name="Straight Arrow Connector 9">
+            <a:extLst>
+              <a:ext uri="{FF2B5EF4-FFF2-40B4-BE49-F238E27FC236}">
+                <a16:creationId xmlns:a16="http://schemas.microsoft.com/office/drawing/2014/main" id="{471BB71B-17CF-1150-204C-149EB08AD447}"/>
+              </a:ext>
+            </a:extLst>
+          </p:cNvPr>
+          <p:cNvCxnSpPr/>
+          <p:nvPr/>
+        </p:nvCxnSpPr>
+        <p:spPr>
+          <a:xfrm flipH="1">
+            <a:off x="1813125" y="2199529"/>
+            <a:ext cx="5266944" cy="463235"/>
+          </a:xfrm>
+          <a:prstGeom prst="straightConnector1">
+            <a:avLst/>
+          </a:prstGeom>
+          <a:ln>
+            <a:tailEnd type="triangle"/>
+          </a:ln>
+        </p:spPr>
+        <p:style>
+          <a:lnRef idx="1">
+            <a:schemeClr val="accent1"/>
+          </a:lnRef>
+          <a:fillRef idx="0">
+            <a:schemeClr val="accent1"/>
+          </a:fillRef>
+          <a:effectRef idx="0">
+            <a:schemeClr val="accent1"/>
+          </a:effectRef>
+          <a:fontRef idx="minor">
+            <a:schemeClr val="tx1"/>
+          </a:fontRef>
+        </p:style>
+      </p:cxnSp>
+      <p:cxnSp>
+        <p:nvCxnSpPr>
+          <p:cNvPr id="12" name="Straight Arrow Connector 11">
+            <a:extLst>
+              <a:ext uri="{FF2B5EF4-FFF2-40B4-BE49-F238E27FC236}">
+                <a16:creationId xmlns:a16="http://schemas.microsoft.com/office/drawing/2014/main" id="{E51445F4-7BBB-4B01-D59A-98B0C15F3516}"/>
+              </a:ext>
+            </a:extLst>
+          </p:cNvPr>
+          <p:cNvCxnSpPr/>
+          <p:nvPr/>
+        </p:nvCxnSpPr>
+        <p:spPr>
+          <a:xfrm flipH="1">
+            <a:off x="1959429" y="1384861"/>
+            <a:ext cx="5037037" cy="707576"/>
+          </a:xfrm>
+          <a:prstGeom prst="straightConnector1">
+            <a:avLst/>
+          </a:prstGeom>
+          <a:ln>
+            <a:tailEnd type="triangle"/>
+          </a:ln>
+        </p:spPr>
+        <p:style>
+          <a:lnRef idx="1">
+            <a:schemeClr val="accent1"/>
+          </a:lnRef>
+          <a:fillRef idx="0">
+            <a:schemeClr val="accent1"/>
+          </a:fillRef>
+          <a:effectRef idx="0">
+            <a:schemeClr val="accent1"/>
+          </a:effectRef>
+          <a:fontRef idx="minor">
+            <a:schemeClr val="tx1"/>
+          </a:fontRef>
+        </p:style>
+      </p:cxnSp>
+      <p:cxnSp>
+        <p:nvCxnSpPr>
+          <p:cNvPr id="14" name="Straight Arrow Connector 13">
+            <a:extLst>
+              <a:ext uri="{FF2B5EF4-FFF2-40B4-BE49-F238E27FC236}">
+                <a16:creationId xmlns:a16="http://schemas.microsoft.com/office/drawing/2014/main" id="{CB7D19B8-8758-6995-231D-660D42729895}"/>
+              </a:ext>
+            </a:extLst>
+          </p:cNvPr>
+          <p:cNvCxnSpPr/>
+          <p:nvPr/>
+        </p:nvCxnSpPr>
+        <p:spPr>
+          <a:xfrm flipH="1">
+            <a:off x="1959429" y="2447010"/>
+            <a:ext cx="6594130" cy="1285594"/>
+          </a:xfrm>
+          <a:prstGeom prst="straightConnector1">
+            <a:avLst/>
+          </a:prstGeom>
+          <a:ln>
+            <a:tailEnd type="triangle"/>
+          </a:ln>
+        </p:spPr>
+        <p:style>
+          <a:lnRef idx="1">
+            <a:schemeClr val="accent1"/>
+          </a:lnRef>
+          <a:fillRef idx="0">
+            <a:schemeClr val="accent1"/>
+          </a:fillRef>
+          <a:effectRef idx="0">
+            <a:schemeClr val="accent1"/>
+          </a:effectRef>
+          <a:fontRef idx="minor">
+            <a:schemeClr val="tx1"/>
+          </a:fontRef>
+        </p:style>
+      </p:cxnSp>
     </p:spTree>
     <p:extLst>
       <p:ext uri="{BB962C8B-B14F-4D97-AF65-F5344CB8AC3E}">
@@ -7455,7 +8462,7 @@
           <p:cNvPr id="2" name="Title 1">
             <a:extLst>
               <a:ext uri="{FF2B5EF4-FFF2-40B4-BE49-F238E27FC236}">
-                <a16:creationId xmlns:a16="http://schemas.microsoft.com/office/drawing/2014/main" id="{1CC5D32F-7C18-4D00-8D54-2FB046F0A206}"/>
+                <a16:creationId xmlns:a16="http://schemas.microsoft.com/office/drawing/2014/main" id="{83A0A1A3-DB75-1EAC-26D6-BABCBF0A4320}"/>
               </a:ext>
             </a:extLst>
           </p:cNvPr>
@@ -7466,31 +8473,59 @@
             <p:ph type="title"/>
           </p:nvPr>
         </p:nvSpPr>
+        <p:spPr/>
+        <p:txBody>
+          <a:bodyPr/>
+          <a:lstStyle/>
+          <a:p>
+            <a:r>
+              <a:rPr lang="en-US" dirty="0"/>
+              <a:t>Add item - </a:t>
+            </a:r>
+            <a:r>
+              <a:rPr lang="en-US" dirty="0" err="1"/>
+              <a:t>Trialling</a:t>
+            </a:r>
+            <a:endParaRPr lang="en-US" dirty="0"/>
+          </a:p>
+        </p:txBody>
+      </p:sp>
+      <p:pic>
+        <p:nvPicPr>
+          <p:cNvPr id="4" name="Picture 3">
+            <a:extLst>
+              <a:ext uri="{FF2B5EF4-FFF2-40B4-BE49-F238E27FC236}">
+                <a16:creationId xmlns:a16="http://schemas.microsoft.com/office/drawing/2014/main" id="{7CE5E6DE-1128-15D6-0FD7-A15F9F98193D}"/>
+              </a:ext>
+            </a:extLst>
+          </p:cNvPr>
+          <p:cNvPicPr>
+            <a:picLocks noChangeAspect="1"/>
+          </p:cNvPicPr>
+          <p:nvPr/>
+        </p:nvPicPr>
+        <p:blipFill>
+          <a:blip r:embed="rId2"/>
+          <a:stretch>
+            <a:fillRect/>
+          </a:stretch>
+        </p:blipFill>
         <p:spPr>
           <a:xfrm>
-            <a:off x="838200" y="518160"/>
-            <a:ext cx="10515600" cy="562928"/>
+            <a:off x="513602" y="1834604"/>
+            <a:ext cx="5772447" cy="4254719"/>
           </a:xfrm>
+          <a:prstGeom prst="rect">
+            <a:avLst/>
+          </a:prstGeom>
         </p:spPr>
-        <p:txBody>
-          <a:bodyPr>
-            <a:normAutofit fontScale="90000"/>
-          </a:bodyPr>
-          <a:lstStyle/>
-          <a:p>
-            <a:r>
-              <a:rPr lang="en-NZ" dirty="0"/>
-              <a:t>[Component name]: Testing </a:t>
-            </a:r>
-          </a:p>
-        </p:txBody>
-      </p:sp>
-      <p:sp>
-        <p:nvSpPr>
-          <p:cNvPr id="4" name="TextBox 3">
-            <a:extLst>
-              <a:ext uri="{FF2B5EF4-FFF2-40B4-BE49-F238E27FC236}">
-                <a16:creationId xmlns:a16="http://schemas.microsoft.com/office/drawing/2014/main" id="{8CD07A82-A944-4A9B-9A52-515DAC30878A}"/>
+      </p:pic>
+      <p:sp>
+        <p:nvSpPr>
+          <p:cNvPr id="5" name="TextBox 4">
+            <a:extLst>
+              <a:ext uri="{FF2B5EF4-FFF2-40B4-BE49-F238E27FC236}">
+                <a16:creationId xmlns:a16="http://schemas.microsoft.com/office/drawing/2014/main" id="{2B84821F-7942-1077-A746-147C36FD9D5A}"/>
               </a:ext>
             </a:extLst>
           </p:cNvPr>
@@ -7499,8 +8534,8 @@
         </p:nvSpPr>
         <p:spPr>
           <a:xfrm>
-            <a:off x="749300" y="1081088"/>
-            <a:ext cx="10693400" cy="646331"/>
+            <a:off x="7252498" y="611342"/>
+            <a:ext cx="4659250" cy="923330"/>
           </a:xfrm>
           <a:prstGeom prst="rect">
             <a:avLst/>
@@ -7508,22 +8543,163 @@
           <a:noFill/>
         </p:spPr>
         <p:txBody>
-          <a:bodyPr wrap="square">
+          <a:bodyPr wrap="square" rtlCol="0">
             <a:spAutoFit/>
           </a:bodyPr>
           <a:lstStyle/>
           <a:p>
             <a:r>
-              <a:rPr lang="en-NZ" i="1" dirty="0"/>
-              <a:t>You must show the results of testing. For each component, include a screenshot proving it works.  You can also include notes about each test. </a:t>
-            </a:r>
-          </a:p>
-        </p:txBody>
-      </p:sp>
+              <a:rPr lang="en-US" dirty="0">
+                <a:solidFill>
+                  <a:schemeClr val="bg1"/>
+                </a:solidFill>
+              </a:rPr>
+              <a:t>I added an above-equal sign and that fixed the problem, however it was not letting the user go back and edit </a:t>
+            </a:r>
+            <a:r>
+              <a:rPr lang="en-US">
+                <a:solidFill>
+                  <a:schemeClr val="bg1"/>
+                </a:solidFill>
+              </a:rPr>
+              <a:t>their wrong number</a:t>
+            </a:r>
+          </a:p>
+        </p:txBody>
+      </p:sp>
+      <p:pic>
+        <p:nvPicPr>
+          <p:cNvPr id="3" name="Picture 2">
+            <a:extLst>
+              <a:ext uri="{FF2B5EF4-FFF2-40B4-BE49-F238E27FC236}">
+                <a16:creationId xmlns:a16="http://schemas.microsoft.com/office/drawing/2014/main" id="{2C214981-36A2-A402-8BA8-A4D89C50EA5F}"/>
+              </a:ext>
+            </a:extLst>
+          </p:cNvPr>
+          <p:cNvPicPr>
+            <a:picLocks noChangeAspect="1"/>
+          </p:cNvPicPr>
+          <p:nvPr/>
+        </p:nvPicPr>
+        <p:blipFill>
+          <a:blip r:embed="rId3"/>
+          <a:stretch>
+            <a:fillRect/>
+          </a:stretch>
+        </p:blipFill>
+        <p:spPr>
+          <a:xfrm>
+            <a:off x="7633922" y="3727046"/>
+            <a:ext cx="3797495" cy="1244664"/>
+          </a:xfrm>
+          <a:prstGeom prst="rect">
+            <a:avLst/>
+          </a:prstGeom>
+        </p:spPr>
+      </p:pic>
+      <p:pic>
+        <p:nvPicPr>
+          <p:cNvPr id="6" name="Picture 5">
+            <a:extLst>
+              <a:ext uri="{FF2B5EF4-FFF2-40B4-BE49-F238E27FC236}">
+                <a16:creationId xmlns:a16="http://schemas.microsoft.com/office/drawing/2014/main" id="{9A8AEFFE-EEF3-0020-4DFF-869C2CB3066B}"/>
+              </a:ext>
+            </a:extLst>
+          </p:cNvPr>
+          <p:cNvPicPr>
+            <a:picLocks noChangeAspect="1"/>
+          </p:cNvPicPr>
+          <p:nvPr/>
+        </p:nvPicPr>
+        <p:blipFill>
+          <a:blip r:embed="rId4"/>
+          <a:stretch>
+            <a:fillRect/>
+          </a:stretch>
+        </p:blipFill>
+        <p:spPr>
+          <a:xfrm>
+            <a:off x="7681549" y="5144008"/>
+            <a:ext cx="3702240" cy="1543129"/>
+          </a:xfrm>
+          <a:prstGeom prst="rect">
+            <a:avLst/>
+          </a:prstGeom>
+        </p:spPr>
+      </p:pic>
+      <p:pic>
+        <p:nvPicPr>
+          <p:cNvPr id="8" name="Picture 7">
+            <a:extLst>
+              <a:ext uri="{FF2B5EF4-FFF2-40B4-BE49-F238E27FC236}">
+                <a16:creationId xmlns:a16="http://schemas.microsoft.com/office/drawing/2014/main" id="{BE814A80-4056-3E16-FEAC-A47D0B48D482}"/>
+              </a:ext>
+            </a:extLst>
+          </p:cNvPr>
+          <p:cNvPicPr>
+            <a:picLocks noChangeAspect="1"/>
+          </p:cNvPicPr>
+          <p:nvPr/>
+        </p:nvPicPr>
+        <p:blipFill>
+          <a:blip r:embed="rId5"/>
+          <a:stretch>
+            <a:fillRect/>
+          </a:stretch>
+        </p:blipFill>
+        <p:spPr>
+          <a:xfrm>
+            <a:off x="7368142" y="1862986"/>
+            <a:ext cx="3727642" cy="1574881"/>
+          </a:xfrm>
+          <a:prstGeom prst="rect">
+            <a:avLst/>
+          </a:prstGeom>
+        </p:spPr>
+      </p:pic>
+      <p:cxnSp>
+        <p:nvCxnSpPr>
+          <p:cNvPr id="10" name="Straight Arrow Connector 9">
+            <a:extLst>
+              <a:ext uri="{FF2B5EF4-FFF2-40B4-BE49-F238E27FC236}">
+                <a16:creationId xmlns:a16="http://schemas.microsoft.com/office/drawing/2014/main" id="{7B9EC81C-2A76-B64E-F3F2-CF46D60976E4}"/>
+              </a:ext>
+            </a:extLst>
+          </p:cNvPr>
+          <p:cNvCxnSpPr/>
+          <p:nvPr/>
+        </p:nvCxnSpPr>
+        <p:spPr>
+          <a:xfrm flipH="1">
+            <a:off x="2048042" y="1331495"/>
+            <a:ext cx="5204456" cy="1165726"/>
+          </a:xfrm>
+          <a:prstGeom prst="straightConnector1">
+            <a:avLst/>
+          </a:prstGeom>
+          <a:ln>
+            <a:tailEnd type="triangle"/>
+          </a:ln>
+        </p:spPr>
+        <p:style>
+          <a:lnRef idx="1">
+            <a:schemeClr val="accent1"/>
+          </a:lnRef>
+          <a:fillRef idx="0">
+            <a:schemeClr val="accent1"/>
+          </a:fillRef>
+          <a:effectRef idx="0">
+            <a:schemeClr val="accent1"/>
+          </a:effectRef>
+          <a:fontRef idx="minor">
+            <a:schemeClr val="tx1"/>
+          </a:fontRef>
+        </p:style>
+      </p:cxnSp>
     </p:spTree>
     <p:extLst>
       <p:ext uri="{BB962C8B-B14F-4D97-AF65-F5344CB8AC3E}">
-        <p14:creationId xmlns:p14="http://schemas.microsoft.com/office/powerpoint/2010/main" val="89592267"/>
+        <p14:creationId xmlns:p14="http://schemas.microsoft.com/office/powerpoint/2010/main" val="383645011"/>
       </p:ext>
     </p:extLst>
   </p:cSld>
@@ -7555,7 +8731,7 @@
           <p:cNvPr id="2" name="Title 1">
             <a:extLst>
               <a:ext uri="{FF2B5EF4-FFF2-40B4-BE49-F238E27FC236}">
-                <a16:creationId xmlns:a16="http://schemas.microsoft.com/office/drawing/2014/main" id="{183CAE4A-E189-4CAA-B3F5-7E97BC5188E3}"/>
+                <a16:creationId xmlns:a16="http://schemas.microsoft.com/office/drawing/2014/main" id="{80722B2A-EB2B-9E93-700E-A89F2C9F922E}"/>
               </a:ext>
             </a:extLst>
           </p:cNvPr>
@@ -7568,76 +8744,222 @@
         </p:nvSpPr>
         <p:spPr>
           <a:xfrm>
-            <a:off x="838199" y="406400"/>
-            <a:ext cx="10515600" cy="583248"/>
+            <a:off x="46538" y="21454"/>
+            <a:ext cx="5310987" cy="1070913"/>
           </a:xfrm>
         </p:spPr>
         <p:txBody>
-          <a:bodyPr>
-            <a:normAutofit fontScale="90000"/>
-          </a:bodyPr>
+          <a:bodyPr/>
           <a:lstStyle/>
           <a:p>
             <a:r>
-              <a:rPr lang="en-NZ" sz="4000" dirty="0"/>
-              <a:t>Assembled Outcome Testing:</a:t>
-            </a:r>
-          </a:p>
-        </p:txBody>
-      </p:sp>
-      <p:sp>
-        <p:nvSpPr>
-          <p:cNvPr id="3" name="Rectangle 2">
-            <a:extLst>
-              <a:ext uri="{FF2B5EF4-FFF2-40B4-BE49-F238E27FC236}">
-                <a16:creationId xmlns:a16="http://schemas.microsoft.com/office/drawing/2014/main" id="{DB8F61FF-932E-477F-82DD-3F6BB93999C0}"/>
-              </a:ext>
-            </a:extLst>
-          </p:cNvPr>
-          <p:cNvSpPr/>
+              <a:rPr lang="en-US" dirty="0"/>
+              <a:t>Add item - </a:t>
+            </a:r>
+            <a:r>
+              <a:rPr lang="en-US" dirty="0" err="1"/>
+              <a:t>Trialling</a:t>
+            </a:r>
+            <a:endParaRPr lang="en-US" dirty="0"/>
+          </a:p>
+        </p:txBody>
+      </p:sp>
+      <p:pic>
+        <p:nvPicPr>
+          <p:cNvPr id="4" name="Picture 3">
+            <a:extLst>
+              <a:ext uri="{FF2B5EF4-FFF2-40B4-BE49-F238E27FC236}">
+                <a16:creationId xmlns:a16="http://schemas.microsoft.com/office/drawing/2014/main" id="{26C0BACC-59BF-4E45-5428-CB73B8FE8DC9}"/>
+              </a:ext>
+            </a:extLst>
+          </p:cNvPr>
+          <p:cNvPicPr>
+            <a:picLocks noChangeAspect="1"/>
+          </p:cNvPicPr>
           <p:nvPr/>
-        </p:nvSpPr>
+        </p:nvPicPr>
+        <p:blipFill>
+          <a:blip r:embed="rId2"/>
+          <a:stretch>
+            <a:fillRect/>
+          </a:stretch>
+        </p:blipFill>
         <p:spPr>
           <a:xfrm>
-            <a:off x="838199" y="1089283"/>
-            <a:ext cx="8767813" cy="702372"/>
+            <a:off x="46538" y="1152142"/>
+            <a:ext cx="6864703" cy="4978656"/>
           </a:xfrm>
           <a:prstGeom prst="rect">
             <a:avLst/>
           </a:prstGeom>
         </p:spPr>
-        <p:txBody>
-          <a:bodyPr wrap="square">
+      </p:pic>
+      <p:sp>
+        <p:nvSpPr>
+          <p:cNvPr id="5" name="TextBox 4">
+            <a:extLst>
+              <a:ext uri="{FF2B5EF4-FFF2-40B4-BE49-F238E27FC236}">
+                <a16:creationId xmlns:a16="http://schemas.microsoft.com/office/drawing/2014/main" id="{D5188CAE-101F-E240-95DB-3F309E21D502}"/>
+              </a:ext>
+            </a:extLst>
+          </p:cNvPr>
+          <p:cNvSpPr txBox="1"/>
+          <p:nvPr/>
+        </p:nvSpPr>
+        <p:spPr>
+          <a:xfrm>
+            <a:off x="7335930" y="55228"/>
+            <a:ext cx="4856070" cy="1754326"/>
+          </a:xfrm>
+          <a:prstGeom prst="rect">
+            <a:avLst/>
+          </a:prstGeom>
+          <a:noFill/>
+        </p:spPr>
+        <p:txBody>
+          <a:bodyPr wrap="square" rtlCol="0">
             <a:spAutoFit/>
           </a:bodyPr>
           <a:lstStyle/>
           <a:p>
-            <a:pPr>
-              <a:lnSpc>
-                <a:spcPct val="115000"/>
-              </a:lnSpc>
-              <a:spcAft>
-                <a:spcPts val="0"/>
-              </a:spcAft>
-            </a:pPr>
-            <a:r>
-              <a:rPr lang="en-NZ" i="1" dirty="0">
-                <a:latin typeface="Arial" panose="020B0604020202020204" pitchFamily="34" charset="0"/>
-                <a:ea typeface="Arial" panose="020B0604020202020204" pitchFamily="34" charset="0"/>
+            <a:r>
+              <a:rPr lang="en-US" dirty="0">
+                <a:solidFill>
+                  <a:schemeClr val="bg1"/>
+                </a:solidFill>
               </a:rPr>
-              <a:t>Show testing for your assembled outcome below.  This should include a test plan followed by screenshot proof.  </a:t>
-            </a:r>
-            <a:endParaRPr lang="en-NZ" dirty="0">
-              <a:latin typeface="Arial" panose="020B0604020202020204" pitchFamily="34" charset="0"/>
-              <a:ea typeface="Arial" panose="020B0604020202020204" pitchFamily="34" charset="0"/>
-            </a:endParaRPr>
-          </a:p>
-        </p:txBody>
-      </p:sp>
+              <a:t>I also </a:t>
+            </a:r>
+            <a:r>
+              <a:rPr lang="en-US" dirty="0" err="1">
+                <a:solidFill>
+                  <a:schemeClr val="bg1"/>
+                </a:solidFill>
+              </a:rPr>
+              <a:t>trialled</a:t>
+            </a:r>
+            <a:r>
+              <a:rPr lang="en-US" dirty="0">
+                <a:solidFill>
+                  <a:schemeClr val="bg1"/>
+                </a:solidFill>
+              </a:rPr>
+              <a:t> using an </a:t>
+            </a:r>
+            <a:r>
+              <a:rPr lang="en-US" dirty="0">
+                <a:solidFill>
+                  <a:schemeClr val="bg1"/>
+                </a:solidFill>
+                <a:latin typeface="Consolas" panose="020B0609020204030204" pitchFamily="49" charset="0"/>
+              </a:rPr>
+              <a:t>else: </a:t>
+            </a:r>
+            <a:r>
+              <a:rPr lang="en-US" dirty="0">
+                <a:solidFill>
+                  <a:schemeClr val="bg1"/>
+                </a:solidFill>
+              </a:rPr>
+              <a:t>command to try and make sure it would go back to the previous command, however the same result occurred, and if I entered a number above 25 for ‘strength,’ it would say I had the wrong number and carry on to ‘speed’</a:t>
+            </a:r>
+          </a:p>
+        </p:txBody>
+      </p:sp>
+      <p:pic>
+        <p:nvPicPr>
+          <p:cNvPr id="7" name="Picture 6">
+            <a:extLst>
+              <a:ext uri="{FF2B5EF4-FFF2-40B4-BE49-F238E27FC236}">
+                <a16:creationId xmlns:a16="http://schemas.microsoft.com/office/drawing/2014/main" id="{28630535-154C-5D96-BA8C-0B81555B9BFE}"/>
+              </a:ext>
+            </a:extLst>
+          </p:cNvPr>
+          <p:cNvPicPr>
+            <a:picLocks noChangeAspect="1"/>
+          </p:cNvPicPr>
+          <p:nvPr/>
+        </p:nvPicPr>
+        <p:blipFill>
+          <a:blip r:embed="rId3"/>
+          <a:stretch>
+            <a:fillRect/>
+          </a:stretch>
+        </p:blipFill>
+        <p:spPr>
+          <a:xfrm>
+            <a:off x="7614872" y="1895130"/>
+            <a:ext cx="3835597" cy="1746340"/>
+          </a:xfrm>
+          <a:prstGeom prst="rect">
+            <a:avLst/>
+          </a:prstGeom>
+        </p:spPr>
+      </p:pic>
+      <p:pic>
+        <p:nvPicPr>
+          <p:cNvPr id="9" name="Picture 8">
+            <a:extLst>
+              <a:ext uri="{FF2B5EF4-FFF2-40B4-BE49-F238E27FC236}">
+                <a16:creationId xmlns:a16="http://schemas.microsoft.com/office/drawing/2014/main" id="{987628FF-263F-FA10-063B-84AE33409490}"/>
+              </a:ext>
+            </a:extLst>
+          </p:cNvPr>
+          <p:cNvPicPr>
+            <a:picLocks noChangeAspect="1"/>
+          </p:cNvPicPr>
+          <p:nvPr/>
+        </p:nvPicPr>
+        <p:blipFill>
+          <a:blip r:embed="rId4"/>
+          <a:stretch>
+            <a:fillRect/>
+          </a:stretch>
+        </p:blipFill>
+        <p:spPr>
+          <a:xfrm>
+            <a:off x="7633922" y="3727046"/>
+            <a:ext cx="3797495" cy="1244664"/>
+          </a:xfrm>
+          <a:prstGeom prst="rect">
+            <a:avLst/>
+          </a:prstGeom>
+        </p:spPr>
+      </p:pic>
+      <p:pic>
+        <p:nvPicPr>
+          <p:cNvPr id="11" name="Picture 10">
+            <a:extLst>
+              <a:ext uri="{FF2B5EF4-FFF2-40B4-BE49-F238E27FC236}">
+                <a16:creationId xmlns:a16="http://schemas.microsoft.com/office/drawing/2014/main" id="{21BBF031-2E30-B3D9-83B5-BB3102808E55}"/>
+              </a:ext>
+            </a:extLst>
+          </p:cNvPr>
+          <p:cNvPicPr>
+            <a:picLocks noChangeAspect="1"/>
+          </p:cNvPicPr>
+          <p:nvPr/>
+        </p:nvPicPr>
+        <p:blipFill>
+          <a:blip r:embed="rId5"/>
+          <a:stretch>
+            <a:fillRect/>
+          </a:stretch>
+        </p:blipFill>
+        <p:spPr>
+          <a:xfrm>
+            <a:off x="7681549" y="5144008"/>
+            <a:ext cx="3702240" cy="1543129"/>
+          </a:xfrm>
+          <a:prstGeom prst="rect">
+            <a:avLst/>
+          </a:prstGeom>
+        </p:spPr>
+      </p:pic>
     </p:spTree>
     <p:extLst>
       <p:ext uri="{BB962C8B-B14F-4D97-AF65-F5344CB8AC3E}">
-        <p14:creationId xmlns:p14="http://schemas.microsoft.com/office/powerpoint/2010/main" val="1084233196"/>
+        <p14:creationId xmlns:p14="http://schemas.microsoft.com/office/powerpoint/2010/main" val="1576042982"/>
       </p:ext>
     </p:extLst>
   </p:cSld>
@@ -8238,6 +9560,15 @@
 </file>
 
 <file path=customXml/item1.xml><?xml version="1.0" encoding="utf-8"?>
+<?mso-contentType ?>
+<FormTemplates xmlns="http://schemas.microsoft.com/sharepoint/v3/contenttype/forms">
+  <Display>DocumentLibraryForm</Display>
+  <Edit>DocumentLibraryForm</Edit>
+  <New>DocumentLibraryForm</New>
+</FormTemplates>
+</file>
+
+<file path=customXml/item2.xml><?xml version="1.0" encoding="utf-8"?>
 <ct:contentTypeSchema xmlns:ct="http://schemas.microsoft.com/office/2006/metadata/contentType" xmlns:ma="http://schemas.microsoft.com/office/2006/metadata/properties/metaAttributes" ct:_="" ma:_="" ma:contentTypeName="Document" ma:contentTypeID="0x010100B37AA4149E3FCE42B2F0D36F55263BE7" ma:contentTypeVersion="3" ma:contentTypeDescription="Create a new document." ma:contentTypeScope="" ma:versionID="f7f1c092f231b6630c24ec1f654af881">
   <xsd:schema xmlns:xsd="http://www.w3.org/2001/XMLSchema" xmlns:xs="http://www.w3.org/2001/XMLSchema" xmlns:p="http://schemas.microsoft.com/office/2006/metadata/properties" xmlns:ns2="205ad105-7c38-4030-89bf-bb8828f957ce" targetNamespace="http://schemas.microsoft.com/office/2006/metadata/properties" ma:root="true" ma:fieldsID="4b98ef4347ca2c9d6ddeb86b863b8840" ns2:_="">
     <xsd:import namespace="205ad105-7c38-4030-89bf-bb8828f957ce"/>
@@ -8375,16 +9706,15 @@
 </ct:contentTypeSchema>
 </file>
 
-<file path=customXml/item2.xml><?xml version="1.0" encoding="utf-8"?>
-<?mso-contentType ?>
-<FormTemplates xmlns="http://schemas.microsoft.com/sharepoint/v3/contenttype/forms">
-  <Display>DocumentLibraryForm</Display>
-  <Edit>DocumentLibraryForm</Edit>
-  <New>DocumentLibraryForm</New>
-</FormTemplates>
+<file path=customXml/itemProps1.xml><?xml version="1.0" encoding="utf-8"?>
+<ds:datastoreItem xmlns:ds="http://schemas.openxmlformats.org/officeDocument/2006/customXml" ds:itemID="{2025CDDF-CD31-423A-BEB8-DE00B73966BF}">
+  <ds:schemaRefs>
+    <ds:schemaRef ds:uri="http://schemas.microsoft.com/sharepoint/v3/contenttype/forms"/>
+  </ds:schemaRefs>
+</ds:datastoreItem>
 </file>
 
-<file path=customXml/itemProps1.xml><?xml version="1.0" encoding="utf-8"?>
+<file path=customXml/itemProps2.xml><?xml version="1.0" encoding="utf-8"?>
 <ds:datastoreItem xmlns:ds="http://schemas.openxmlformats.org/officeDocument/2006/customXml" ds:itemID="{F118AE1B-89AB-4E8D-A474-F3B1187AE7D6}">
   <ds:schemaRefs>
     <ds:schemaRef ds:uri="http://schemas.microsoft.com/office/2006/metadata/contentType"/>
@@ -8400,12 +9730,4 @@
     <ds:schemaRef ds:uri="http://schemas.microsoft.com/internal/obd"/>
   </ds:schemaRefs>
 </ds:datastoreItem>
-</file>
-
-<file path=customXml/itemProps2.xml><?xml version="1.0" encoding="utf-8"?>
-<ds:datastoreItem xmlns:ds="http://schemas.openxmlformats.org/officeDocument/2006/customXml" ds:itemID="{2025CDDF-CD31-423A-BEB8-DE00B73966BF}">
-  <ds:schemaRefs>
-    <ds:schemaRef ds:uri="http://schemas.microsoft.com/sharepoint/v3/contenttype/forms"/>
-  </ds:schemaRefs>
-</ds:datastoreItem>
 </file>
--- a/2.7 and 2.8 Documentation Template.pptx
+++ b/2.7 and 2.8 Documentation Template.pptx
@@ -5,7 +5,7 @@
     <p:sldMasterId id="2147483661" r:id="rId3"/>
   </p:sldMasterIdLst>
   <p:notesMasterIdLst>
-    <p:notesMasterId r:id="rId19"/>
+    <p:notesMasterId r:id="rId23"/>
   </p:notesMasterIdLst>
   <p:sldIdLst>
     <p:sldId id="256" r:id="rId4"/>
@@ -18,11 +18,15 @@
     <p:sldId id="275" r:id="rId11"/>
     <p:sldId id="276" r:id="rId12"/>
     <p:sldId id="277" r:id="rId13"/>
-    <p:sldId id="274" r:id="rId14"/>
-    <p:sldId id="263" r:id="rId15"/>
-    <p:sldId id="270" r:id="rId16"/>
-    <p:sldId id="261" r:id="rId17"/>
-    <p:sldId id="266" r:id="rId18"/>
+    <p:sldId id="281" r:id="rId14"/>
+    <p:sldId id="278" r:id="rId15"/>
+    <p:sldId id="279" r:id="rId16"/>
+    <p:sldId id="280" r:id="rId17"/>
+    <p:sldId id="274" r:id="rId18"/>
+    <p:sldId id="263" r:id="rId19"/>
+    <p:sldId id="270" r:id="rId20"/>
+    <p:sldId id="261" r:id="rId21"/>
+    <p:sldId id="266" r:id="rId22"/>
   </p:sldIdLst>
   <p:sldSz cx="12192000" cy="6858000"/>
   <p:notesSz cx="6858000" cy="9144000"/>
@@ -132,7 +136,7 @@
 <file path=ppt/revisionInfo.xml><?xml version="1.0" encoding="utf-8"?>
 <p1510:revInfo xmlns:a="http://schemas.openxmlformats.org/drawingml/2006/main" xmlns:r="http://schemas.openxmlformats.org/officeDocument/2006/relationships" xmlns:p1510="http://schemas.microsoft.com/office/powerpoint/2015/10/main">
   <p1510:revLst>
-    <p1510:client id="{378AF3DA-1D02-490C-9CEA-1409B58C5F7F}" v="9" dt="2023-05-09T22:10:24.467"/>
+    <p1510:client id="{378AF3DA-1D02-490C-9CEA-1409B58C5F7F}" v="15" dt="2023-05-15T08:52:26.241"/>
   </p1510:revLst>
 </p1510:revInfo>
 </file>
@@ -142,7 +146,7 @@
   <pc:docChgLst>
     <pc:chgData name="Josh Currie-Cook" userId="27abfd07-d9ae-4d78-87f7-24cebb775941" providerId="ADAL" clId="{378AF3DA-1D02-490C-9CEA-1409B58C5F7F}"/>
     <pc:docChg chg="undo redo custSel addSld modSld">
-      <pc:chgData name="Josh Currie-Cook" userId="27abfd07-d9ae-4d78-87f7-24cebb775941" providerId="ADAL" clId="{378AF3DA-1D02-490C-9CEA-1409B58C5F7F}" dt="2023-05-11T02:55:48.619" v="1611" actId="1076"/>
+      <pc:chgData name="Josh Currie-Cook" userId="27abfd07-d9ae-4d78-87f7-24cebb775941" providerId="ADAL" clId="{378AF3DA-1D02-490C-9CEA-1409B58C5F7F}" dt="2023-05-15T08:52:59.039" v="2396" actId="20577"/>
       <pc:docMkLst>
         <pc:docMk/>
       </pc:docMkLst>
@@ -215,8 +219,8 @@
           </ac:picMkLst>
         </pc:picChg>
       </pc:sldChg>
-      <pc:sldChg chg="addSp modSp mod">
-        <pc:chgData name="Josh Currie-Cook" userId="27abfd07-d9ae-4d78-87f7-24cebb775941" providerId="ADAL" clId="{378AF3DA-1D02-490C-9CEA-1409B58C5F7F}" dt="2023-05-02T22:24:09.796" v="255" actId="1076"/>
+      <pc:sldChg chg="addSp delSp modSp mod">
+        <pc:chgData name="Josh Currie-Cook" userId="27abfd07-d9ae-4d78-87f7-24cebb775941" providerId="ADAL" clId="{378AF3DA-1D02-490C-9CEA-1409B58C5F7F}" dt="2023-05-14T21:55:39.065" v="1614" actId="1076"/>
         <pc:sldMkLst>
           <pc:docMk/>
           <pc:sldMk cId="0" sldId="269"/>
@@ -237,12 +241,20 @@
             <ac:graphicFrameMk id="92" creationId="{00000000-0000-0000-0000-000000000000}"/>
           </ac:graphicFrameMkLst>
         </pc:graphicFrameChg>
-        <pc:picChg chg="add mod">
-          <ac:chgData name="Josh Currie-Cook" userId="27abfd07-d9ae-4d78-87f7-24cebb775941" providerId="ADAL" clId="{378AF3DA-1D02-490C-9CEA-1409B58C5F7F}" dt="2023-05-02T22:24:09.796" v="255" actId="1076"/>
+        <pc:picChg chg="add del mod">
+          <ac:chgData name="Josh Currie-Cook" userId="27abfd07-d9ae-4d78-87f7-24cebb775941" providerId="ADAL" clId="{378AF3DA-1D02-490C-9CEA-1409B58C5F7F}" dt="2023-05-14T21:55:17.479" v="1612" actId="478"/>
           <ac:picMkLst>
             <pc:docMk/>
             <pc:sldMk cId="0" sldId="269"/>
             <ac:picMk id="3" creationId="{4C161FE2-E69F-F0A2-4C5A-D8220DA48696}"/>
+          </ac:picMkLst>
+        </pc:picChg>
+        <pc:picChg chg="add mod">
+          <ac:chgData name="Josh Currie-Cook" userId="27abfd07-d9ae-4d78-87f7-24cebb775941" providerId="ADAL" clId="{378AF3DA-1D02-490C-9CEA-1409B58C5F7F}" dt="2023-05-14T21:55:39.065" v="1614" actId="1076"/>
+          <ac:picMkLst>
+            <pc:docMk/>
+            <pc:sldMk cId="0" sldId="269"/>
+            <ac:picMk id="5" creationId="{977757EA-71F8-B4EB-0C77-D7B21B23E0E5}"/>
           </ac:picMkLst>
         </pc:picChg>
       </pc:sldChg>
@@ -537,6 +549,154 @@
           </ac:picMkLst>
         </pc:picChg>
       </pc:sldChg>
+      <pc:sldChg chg="addSp delSp modSp new mod">
+        <pc:chgData name="Josh Currie-Cook" userId="27abfd07-d9ae-4d78-87f7-24cebb775941" providerId="ADAL" clId="{378AF3DA-1D02-490C-9CEA-1409B58C5F7F}" dt="2023-05-15T08:43:09.972" v="2330" actId="20577"/>
+        <pc:sldMkLst>
+          <pc:docMk/>
+          <pc:sldMk cId="596412860" sldId="278"/>
+        </pc:sldMkLst>
+        <pc:spChg chg="mod">
+          <ac:chgData name="Josh Currie-Cook" userId="27abfd07-d9ae-4d78-87f7-24cebb775941" providerId="ADAL" clId="{378AF3DA-1D02-490C-9CEA-1409B58C5F7F}" dt="2023-05-14T21:56:13.411" v="1651" actId="313"/>
+          <ac:spMkLst>
+            <pc:docMk/>
+            <pc:sldMk cId="596412860" sldId="278"/>
+            <ac:spMk id="2" creationId="{53E13340-61F5-79FD-FC3D-995EF1A3CEF9}"/>
+          </ac:spMkLst>
+        </pc:spChg>
+        <pc:spChg chg="add mod">
+          <ac:chgData name="Josh Currie-Cook" userId="27abfd07-d9ae-4d78-87f7-24cebb775941" providerId="ADAL" clId="{378AF3DA-1D02-490C-9CEA-1409B58C5F7F}" dt="2023-05-14T21:56:04.450" v="1648"/>
+          <ac:spMkLst>
+            <pc:docMk/>
+            <pc:sldMk cId="596412860" sldId="278"/>
+            <ac:spMk id="3" creationId="{DEB70570-61F8-F77F-395A-6404B61FF339}"/>
+          </ac:spMkLst>
+        </pc:spChg>
+        <pc:spChg chg="add mod">
+          <ac:chgData name="Josh Currie-Cook" userId="27abfd07-d9ae-4d78-87f7-24cebb775941" providerId="ADAL" clId="{378AF3DA-1D02-490C-9CEA-1409B58C5F7F}" dt="2023-05-14T22:02:44.802" v="1946" actId="20577"/>
+          <ac:spMkLst>
+            <pc:docMk/>
+            <pc:sldMk cId="596412860" sldId="278"/>
+            <ac:spMk id="6" creationId="{388F7835-42DD-C9E1-C2D4-419DA71ECBFC}"/>
+          </ac:spMkLst>
+        </pc:spChg>
+        <pc:spChg chg="add mod">
+          <ac:chgData name="Josh Currie-Cook" userId="27abfd07-d9ae-4d78-87f7-24cebb775941" providerId="ADAL" clId="{378AF3DA-1D02-490C-9CEA-1409B58C5F7F}" dt="2023-05-15T08:43:09.972" v="2330" actId="20577"/>
+          <ac:spMkLst>
+            <pc:docMk/>
+            <pc:sldMk cId="596412860" sldId="278"/>
+            <ac:spMk id="7" creationId="{0BD9715C-BA88-CF3F-7AFC-BA2F8395B55C}"/>
+          </ac:spMkLst>
+        </pc:spChg>
+        <pc:picChg chg="add mod">
+          <ac:chgData name="Josh Currie-Cook" userId="27abfd07-d9ae-4d78-87f7-24cebb775941" providerId="ADAL" clId="{378AF3DA-1D02-490C-9CEA-1409B58C5F7F}" dt="2023-05-15T08:29:47.723" v="1951" actId="1076"/>
+          <ac:picMkLst>
+            <pc:docMk/>
+            <pc:sldMk cId="596412860" sldId="278"/>
+            <ac:picMk id="4" creationId="{E7ABD597-3188-9B5B-4ECE-42B8C2A7F1D3}"/>
+          </ac:picMkLst>
+        </pc:picChg>
+        <pc:picChg chg="add del mod">
+          <ac:chgData name="Josh Currie-Cook" userId="27abfd07-d9ae-4d78-87f7-24cebb775941" providerId="ADAL" clId="{378AF3DA-1D02-490C-9CEA-1409B58C5F7F}" dt="2023-05-15T08:29:44.577" v="1949" actId="478"/>
+          <ac:picMkLst>
+            <pc:docMk/>
+            <pc:sldMk cId="596412860" sldId="278"/>
+            <ac:picMk id="5" creationId="{094FD785-0DC5-302E-9C3F-7A8A397048D4}"/>
+          </ac:picMkLst>
+        </pc:picChg>
+      </pc:sldChg>
+      <pc:sldChg chg="addSp modSp add mod">
+        <pc:chgData name="Josh Currie-Cook" userId="27abfd07-d9ae-4d78-87f7-24cebb775941" providerId="ADAL" clId="{378AF3DA-1D02-490C-9CEA-1409B58C5F7F}" dt="2023-05-15T08:52:32.458" v="2369" actId="207"/>
+        <pc:sldMkLst>
+          <pc:docMk/>
+          <pc:sldMk cId="2780961270" sldId="279"/>
+        </pc:sldMkLst>
+        <pc:spChg chg="add mod">
+          <ac:chgData name="Josh Currie-Cook" userId="27abfd07-d9ae-4d78-87f7-24cebb775941" providerId="ADAL" clId="{378AF3DA-1D02-490C-9CEA-1409B58C5F7F}" dt="2023-05-15T08:52:13.924" v="2355" actId="20577"/>
+          <ac:spMkLst>
+            <pc:docMk/>
+            <pc:sldMk cId="2780961270" sldId="279"/>
+            <ac:spMk id="13" creationId="{C58C8D91-AAB1-E10B-C8EA-ACE99C834195}"/>
+          </ac:spMkLst>
+        </pc:spChg>
+        <pc:spChg chg="add mod">
+          <ac:chgData name="Josh Currie-Cook" userId="27abfd07-d9ae-4d78-87f7-24cebb775941" providerId="ADAL" clId="{378AF3DA-1D02-490C-9CEA-1409B58C5F7F}" dt="2023-05-15T08:52:32.458" v="2369" actId="207"/>
+          <ac:spMkLst>
+            <pc:docMk/>
+            <pc:sldMk cId="2780961270" sldId="279"/>
+            <ac:spMk id="17" creationId="{01110934-9E90-2E6D-C14C-002CFDF8D1EF}"/>
+          </ac:spMkLst>
+        </pc:spChg>
+        <pc:picChg chg="add mod">
+          <ac:chgData name="Josh Currie-Cook" userId="27abfd07-d9ae-4d78-87f7-24cebb775941" providerId="ADAL" clId="{378AF3DA-1D02-490C-9CEA-1409B58C5F7F}" dt="2023-05-15T08:48:05.866" v="2339" actId="1076"/>
+          <ac:picMkLst>
+            <pc:docMk/>
+            <pc:sldMk cId="2780961270" sldId="279"/>
+            <ac:picMk id="4" creationId="{6ADED244-6B3C-C34B-FF23-20803719299D}"/>
+          </ac:picMkLst>
+        </pc:picChg>
+        <pc:picChg chg="add mod">
+          <ac:chgData name="Josh Currie-Cook" userId="27abfd07-d9ae-4d78-87f7-24cebb775941" providerId="ADAL" clId="{378AF3DA-1D02-490C-9CEA-1409B58C5F7F}" dt="2023-05-15T08:48:01.015" v="2337" actId="1076"/>
+          <ac:picMkLst>
+            <pc:docMk/>
+            <pc:sldMk cId="2780961270" sldId="279"/>
+            <ac:picMk id="6" creationId="{EDBB601B-087B-E6DB-AB97-5ABE11CB51EF}"/>
+          </ac:picMkLst>
+        </pc:picChg>
+        <pc:picChg chg="add mod">
+          <ac:chgData name="Josh Currie-Cook" userId="27abfd07-d9ae-4d78-87f7-24cebb775941" providerId="ADAL" clId="{378AF3DA-1D02-490C-9CEA-1409B58C5F7F}" dt="2023-05-15T08:48:03.274" v="2338" actId="1076"/>
+          <ac:picMkLst>
+            <pc:docMk/>
+            <pc:sldMk cId="2780961270" sldId="279"/>
+            <ac:picMk id="8" creationId="{CF7AC376-C48C-E9E2-819D-0A34293672D1}"/>
+          </ac:picMkLst>
+        </pc:picChg>
+        <pc:picChg chg="add mod">
+          <ac:chgData name="Josh Currie-Cook" userId="27abfd07-d9ae-4d78-87f7-24cebb775941" providerId="ADAL" clId="{378AF3DA-1D02-490C-9CEA-1409B58C5F7F}" dt="2023-05-15T08:51:57.585" v="2341" actId="1076"/>
+          <ac:picMkLst>
+            <pc:docMk/>
+            <pc:sldMk cId="2780961270" sldId="279"/>
+            <ac:picMk id="10" creationId="{8861CDC8-83D9-DA57-CE9D-D03AFBC509AA}"/>
+          </ac:picMkLst>
+        </pc:picChg>
+        <pc:cxnChg chg="add">
+          <ac:chgData name="Josh Currie-Cook" userId="27abfd07-d9ae-4d78-87f7-24cebb775941" providerId="ADAL" clId="{378AF3DA-1D02-490C-9CEA-1409B58C5F7F}" dt="2023-05-15T08:52:02.617" v="2342" actId="11529"/>
+          <ac:cxnSpMkLst>
+            <pc:docMk/>
+            <pc:sldMk cId="2780961270" sldId="279"/>
+            <ac:cxnSpMk id="12" creationId="{EB87B160-CE9F-6E34-15C7-B071715F7BCF}"/>
+          </ac:cxnSpMkLst>
+        </pc:cxnChg>
+        <pc:cxnChg chg="add mod">
+          <ac:chgData name="Josh Currie-Cook" userId="27abfd07-d9ae-4d78-87f7-24cebb775941" providerId="ADAL" clId="{378AF3DA-1D02-490C-9CEA-1409B58C5F7F}" dt="2023-05-15T08:52:22.358" v="2357" actId="14100"/>
+          <ac:cxnSpMkLst>
+            <pc:docMk/>
+            <pc:sldMk cId="2780961270" sldId="279"/>
+            <ac:cxnSpMk id="15" creationId="{C2FBB91A-312D-6807-9973-989CCF69F4D7}"/>
+          </ac:cxnSpMkLst>
+        </pc:cxnChg>
+      </pc:sldChg>
+      <pc:sldChg chg="modSp add mod">
+        <pc:chgData name="Josh Currie-Cook" userId="27abfd07-d9ae-4d78-87f7-24cebb775941" providerId="ADAL" clId="{378AF3DA-1D02-490C-9CEA-1409B58C5F7F}" dt="2023-05-15T08:52:59.039" v="2396" actId="20577"/>
+        <pc:sldMkLst>
+          <pc:docMk/>
+          <pc:sldMk cId="298997319" sldId="280"/>
+        </pc:sldMkLst>
+        <pc:spChg chg="mod">
+          <ac:chgData name="Josh Currie-Cook" userId="27abfd07-d9ae-4d78-87f7-24cebb775941" providerId="ADAL" clId="{378AF3DA-1D02-490C-9CEA-1409B58C5F7F}" dt="2023-05-15T08:52:59.039" v="2396" actId="20577"/>
+          <ac:spMkLst>
+            <pc:docMk/>
+            <pc:sldMk cId="298997319" sldId="280"/>
+            <ac:spMk id="2" creationId="{53E13340-61F5-79FD-FC3D-995EF1A3CEF9}"/>
+          </ac:spMkLst>
+        </pc:spChg>
+      </pc:sldChg>
+      <pc:sldChg chg="new">
+        <pc:chgData name="Josh Currie-Cook" userId="27abfd07-d9ae-4d78-87f7-24cebb775941" providerId="ADAL" clId="{378AF3DA-1D02-490C-9CEA-1409B58C5F7F}" dt="2023-05-15T08:29:30.769" v="1947" actId="680"/>
+        <pc:sldMkLst>
+          <pc:docMk/>
+          <pc:sldMk cId="2739850203" sldId="281"/>
+        </pc:sldMkLst>
+      </pc:sldChg>
     </pc:docChg>
   </pc:docChgLst>
   <pc:docChgLst>
@@ -656,7 +816,7 @@
           <a:p>
             <a:fld id="{F37D28C0-BEB6-42B0-A203-EEE1023219C4}" type="datetimeFigureOut">
               <a:rPr lang="en-NZ" smtClean="0"/>
-              <a:t>11/05/2023</a:t>
+              <a:t>15/05/2023</a:t>
             </a:fld>
             <a:endParaRPr lang="en-NZ"/>
           </a:p>
@@ -1558,7 +1718,7 @@
           <a:p>
             <a:fld id="{D89B2B17-F4B1-4A14-AF99-5A366D45E74A}" type="slidenum">
               <a:rPr lang="en-NZ" smtClean="0"/>
-              <a:t>11</a:t>
+              <a:t>15</a:t>
             </a:fld>
             <a:endParaRPr lang="en-NZ"/>
           </a:p>
@@ -1666,7 +1826,7 @@
           <a:p>
             <a:fld id="{D89B2B17-F4B1-4A14-AF99-5A366D45E74A}" type="slidenum">
               <a:rPr lang="en-NZ" smtClean="0"/>
-              <a:t>12</a:t>
+              <a:t>16</a:t>
             </a:fld>
             <a:endParaRPr lang="en-NZ"/>
           </a:p>
@@ -1780,7 +1940,7 @@
           <a:p>
             <a:fld id="{D89B2B17-F4B1-4A14-AF99-5A366D45E74A}" type="slidenum">
               <a:rPr lang="en-NZ" smtClean="0"/>
-              <a:t>14</a:t>
+              <a:t>18</a:t>
             </a:fld>
             <a:endParaRPr lang="en-NZ"/>
           </a:p>
@@ -1889,7 +2049,7 @@
           <a:p>
             <a:fld id="{D89B2B17-F4B1-4A14-AF99-5A366D45E74A}" type="slidenum">
               <a:rPr lang="en-NZ" smtClean="0"/>
-              <a:t>15</a:t>
+              <a:t>19</a:t>
             </a:fld>
             <a:endParaRPr lang="en-NZ"/>
           </a:p>
@@ -2059,7 +2219,7 @@
           <a:p>
             <a:fld id="{9C4A4F43-1C06-40E6-8F87-8B286982E50E}" type="datetimeFigureOut">
               <a:rPr lang="en-NZ" smtClean="0"/>
-              <a:t>11/05/2023</a:t>
+              <a:t>15/05/2023</a:t>
             </a:fld>
             <a:endParaRPr lang="en-NZ" dirty="0"/>
           </a:p>
@@ -2259,7 +2419,7 @@
           <a:p>
             <a:fld id="{9C4A4F43-1C06-40E6-8F87-8B286982E50E}" type="datetimeFigureOut">
               <a:rPr lang="en-NZ" smtClean="0"/>
-              <a:t>11/05/2023</a:t>
+              <a:t>15/05/2023</a:t>
             </a:fld>
             <a:endParaRPr lang="en-NZ" dirty="0"/>
           </a:p>
@@ -2469,7 +2629,7 @@
           <a:p>
             <a:fld id="{9C4A4F43-1C06-40E6-8F87-8B286982E50E}" type="datetimeFigureOut">
               <a:rPr lang="en-NZ" smtClean="0"/>
-              <a:t>11/05/2023</a:t>
+              <a:t>15/05/2023</a:t>
             </a:fld>
             <a:endParaRPr lang="en-NZ" dirty="0"/>
           </a:p>
@@ -3036,7 +3196,7 @@
           <a:p>
             <a:fld id="{9C4A4F43-1C06-40E6-8F87-8B286982E50E}" type="datetimeFigureOut">
               <a:rPr lang="en-NZ" smtClean="0"/>
-              <a:t>11/05/2023</a:t>
+              <a:t>15/05/2023</a:t>
             </a:fld>
             <a:endParaRPr lang="en-NZ" dirty="0"/>
           </a:p>
@@ -3312,7 +3472,7 @@
           <a:p>
             <a:fld id="{9C4A4F43-1C06-40E6-8F87-8B286982E50E}" type="datetimeFigureOut">
               <a:rPr lang="en-NZ" smtClean="0"/>
-              <a:t>11/05/2023</a:t>
+              <a:t>15/05/2023</a:t>
             </a:fld>
             <a:endParaRPr lang="en-NZ" dirty="0"/>
           </a:p>
@@ -3580,7 +3740,7 @@
           <a:p>
             <a:fld id="{9C4A4F43-1C06-40E6-8F87-8B286982E50E}" type="datetimeFigureOut">
               <a:rPr lang="en-NZ" smtClean="0"/>
-              <a:t>11/05/2023</a:t>
+              <a:t>15/05/2023</a:t>
             </a:fld>
             <a:endParaRPr lang="en-NZ" dirty="0"/>
           </a:p>
@@ -3995,7 +4155,7 @@
           <a:p>
             <a:fld id="{9C4A4F43-1C06-40E6-8F87-8B286982E50E}" type="datetimeFigureOut">
               <a:rPr lang="en-NZ" smtClean="0"/>
-              <a:t>11/05/2023</a:t>
+              <a:t>15/05/2023</a:t>
             </a:fld>
             <a:endParaRPr lang="en-NZ" dirty="0"/>
           </a:p>
@@ -4137,7 +4297,7 @@
           <a:p>
             <a:fld id="{9C4A4F43-1C06-40E6-8F87-8B286982E50E}" type="datetimeFigureOut">
               <a:rPr lang="en-NZ" smtClean="0"/>
-              <a:t>11/05/2023</a:t>
+              <a:t>15/05/2023</a:t>
             </a:fld>
             <a:endParaRPr lang="en-NZ" dirty="0"/>
           </a:p>
@@ -4250,7 +4410,7 @@
           <a:p>
             <a:fld id="{9C4A4F43-1C06-40E6-8F87-8B286982E50E}" type="datetimeFigureOut">
               <a:rPr lang="en-NZ" smtClean="0"/>
-              <a:t>11/05/2023</a:t>
+              <a:t>15/05/2023</a:t>
             </a:fld>
             <a:endParaRPr lang="en-NZ" dirty="0"/>
           </a:p>
@@ -4563,7 +4723,7 @@
           <a:p>
             <a:fld id="{9C4A4F43-1C06-40E6-8F87-8B286982E50E}" type="datetimeFigureOut">
               <a:rPr lang="en-NZ" smtClean="0"/>
-              <a:t>11/05/2023</a:t>
+              <a:t>15/05/2023</a:t>
             </a:fld>
             <a:endParaRPr lang="en-NZ" dirty="0"/>
           </a:p>
@@ -4856,7 +5016,7 @@
           <a:p>
             <a:fld id="{9C4A4F43-1C06-40E6-8F87-8B286982E50E}" type="datetimeFigureOut">
               <a:rPr lang="en-NZ" smtClean="0"/>
-              <a:t>11/05/2023</a:t>
+              <a:t>15/05/2023</a:t>
             </a:fld>
             <a:endParaRPr lang="en-NZ" dirty="0"/>
           </a:p>
@@ -5102,7 +5262,7 @@
           <a:p>
             <a:fld id="{9C4A4F43-1C06-40E6-8F87-8B286982E50E}" type="datetimeFigureOut">
               <a:rPr lang="en-NZ" smtClean="0"/>
-              <a:t>11/05/2023</a:t>
+              <a:t>15/05/2023</a:t>
             </a:fld>
             <a:endParaRPr lang="en-NZ" dirty="0"/>
           </a:p>
@@ -5923,7 +6083,7 @@
           <p:cNvPr id="2" name="Title 1">
             <a:extLst>
               <a:ext uri="{FF2B5EF4-FFF2-40B4-BE49-F238E27FC236}">
-                <a16:creationId xmlns:a16="http://schemas.microsoft.com/office/drawing/2014/main" id="{1CC5D32F-7C18-4D00-8D54-2FB046F0A206}"/>
+                <a16:creationId xmlns:a16="http://schemas.microsoft.com/office/drawing/2014/main" id="{15ADC8F3-BCB2-C6B5-9FA0-83E88E35F732}"/>
               </a:ext>
             </a:extLst>
           </p:cNvPr>
@@ -5934,64 +6094,19 @@
             <p:ph type="title"/>
           </p:nvPr>
         </p:nvSpPr>
-        <p:spPr>
-          <a:xfrm>
-            <a:off x="838200" y="518160"/>
-            <a:ext cx="10515600" cy="562928"/>
-          </a:xfrm>
-        </p:spPr>
-        <p:txBody>
-          <a:bodyPr>
-            <a:normAutofit fontScale="90000"/>
-          </a:bodyPr>
+        <p:spPr/>
+        <p:txBody>
+          <a:bodyPr/>
           <a:lstStyle/>
           <a:p>
-            <a:r>
-              <a:rPr lang="en-NZ" dirty="0"/>
-              <a:t>[Component name]: Testing </a:t>
-            </a:r>
-          </a:p>
-        </p:txBody>
-      </p:sp>
-      <p:sp>
-        <p:nvSpPr>
-          <p:cNvPr id="4" name="TextBox 3">
-            <a:extLst>
-              <a:ext uri="{FF2B5EF4-FFF2-40B4-BE49-F238E27FC236}">
-                <a16:creationId xmlns:a16="http://schemas.microsoft.com/office/drawing/2014/main" id="{8CD07A82-A944-4A9B-9A52-515DAC30878A}"/>
-              </a:ext>
-            </a:extLst>
-          </p:cNvPr>
-          <p:cNvSpPr txBox="1"/>
-          <p:nvPr/>
-        </p:nvSpPr>
-        <p:spPr>
-          <a:xfrm>
-            <a:off x="749300" y="1081088"/>
-            <a:ext cx="10693400" cy="646331"/>
-          </a:xfrm>
-          <a:prstGeom prst="rect">
-            <a:avLst/>
-          </a:prstGeom>
-          <a:noFill/>
-        </p:spPr>
-        <p:txBody>
-          <a:bodyPr wrap="square">
-            <a:spAutoFit/>
-          </a:bodyPr>
-          <a:lstStyle/>
-          <a:p>
-            <a:r>
-              <a:rPr lang="en-NZ" i="1" dirty="0"/>
-              <a:t>You must show the results of testing. For each component, include a screenshot proving it works.  You can also include notes about each test. </a:t>
-            </a:r>
+            <a:endParaRPr lang="en-US"/>
           </a:p>
         </p:txBody>
       </p:sp>
     </p:spTree>
     <p:extLst>
       <p:ext uri="{BB962C8B-B14F-4D97-AF65-F5344CB8AC3E}">
-        <p14:creationId xmlns:p14="http://schemas.microsoft.com/office/powerpoint/2010/main" val="89592267"/>
+        <p14:creationId xmlns:p14="http://schemas.microsoft.com/office/powerpoint/2010/main" val="2739850203"/>
       </p:ext>
     </p:extLst>
   </p:cSld>
@@ -6023,6 +6138,740 @@
           <p:cNvPr id="2" name="Title 1">
             <a:extLst>
               <a:ext uri="{FF2B5EF4-FFF2-40B4-BE49-F238E27FC236}">
+                <a16:creationId xmlns:a16="http://schemas.microsoft.com/office/drawing/2014/main" id="{53E13340-61F5-79FD-FC3D-995EF1A3CEF9}"/>
+              </a:ext>
+            </a:extLst>
+          </p:cNvPr>
+          <p:cNvSpPr>
+            <a:spLocks noGrp="1"/>
+          </p:cNvSpPr>
+          <p:nvPr>
+            <p:ph type="title"/>
+          </p:nvPr>
+        </p:nvSpPr>
+        <p:spPr>
+          <a:xfrm>
+            <a:off x="0" y="0"/>
+            <a:ext cx="6983663" cy="834189"/>
+          </a:xfrm>
+        </p:spPr>
+        <p:txBody>
+          <a:bodyPr/>
+          <a:lstStyle/>
+          <a:p>
+            <a:r>
+              <a:rPr lang="en-US" dirty="0"/>
+              <a:t>Search for item - Trialing</a:t>
+            </a:r>
+          </a:p>
+        </p:txBody>
+      </p:sp>
+      <p:sp>
+        <p:nvSpPr>
+          <p:cNvPr id="6" name="TextBox 5">
+            <a:extLst>
+              <a:ext uri="{FF2B5EF4-FFF2-40B4-BE49-F238E27FC236}">
+                <a16:creationId xmlns:a16="http://schemas.microsoft.com/office/drawing/2014/main" id="{388F7835-42DD-C9E1-C2D4-419DA71ECBFC}"/>
+              </a:ext>
+            </a:extLst>
+          </p:cNvPr>
+          <p:cNvSpPr txBox="1"/>
+          <p:nvPr/>
+        </p:nvSpPr>
+        <p:spPr>
+          <a:xfrm>
+            <a:off x="7321337" y="417094"/>
+            <a:ext cx="4062636" cy="1754326"/>
+          </a:xfrm>
+          <a:prstGeom prst="rect">
+            <a:avLst/>
+          </a:prstGeom>
+          <a:noFill/>
+        </p:spPr>
+        <p:txBody>
+          <a:bodyPr wrap="square" rtlCol="0">
+            <a:spAutoFit/>
+          </a:bodyPr>
+          <a:lstStyle/>
+          <a:p>
+            <a:r>
+              <a:rPr lang="en-US" dirty="0">
+                <a:solidFill>
+                  <a:schemeClr val="bg1"/>
+                </a:solidFill>
+              </a:rPr>
+              <a:t>To start off with, for searching for an item, I got the </a:t>
+            </a:r>
+            <a:r>
+              <a:rPr lang="en-US" dirty="0" err="1">
+                <a:solidFill>
+                  <a:schemeClr val="bg1"/>
+                </a:solidFill>
+              </a:rPr>
+              <a:t>searchcard</a:t>
+            </a:r>
+            <a:r>
+              <a:rPr lang="en-US" dirty="0">
+                <a:solidFill>
+                  <a:schemeClr val="bg1"/>
+                </a:solidFill>
+              </a:rPr>
+              <a:t> variable to define the user’s input for the search query.  I then got an </a:t>
+            </a:r>
+            <a:r>
+              <a:rPr lang="en-US" dirty="0">
+                <a:solidFill>
+                  <a:schemeClr val="bg1"/>
+                </a:solidFill>
+                <a:latin typeface="Consolas" panose="020B0609020204030204" pitchFamily="49" charset="0"/>
+              </a:rPr>
+              <a:t>if</a:t>
+            </a:r>
+            <a:r>
+              <a:rPr lang="en-US" dirty="0">
+                <a:solidFill>
+                  <a:schemeClr val="bg1"/>
+                </a:solidFill>
+              </a:rPr>
+              <a:t> loop to confirm if the item the user searched was in the dictionary</a:t>
+            </a:r>
+          </a:p>
+        </p:txBody>
+      </p:sp>
+      <p:pic>
+        <p:nvPicPr>
+          <p:cNvPr id="4" name="Picture 3">
+            <a:extLst>
+              <a:ext uri="{FF2B5EF4-FFF2-40B4-BE49-F238E27FC236}">
+                <a16:creationId xmlns:a16="http://schemas.microsoft.com/office/drawing/2014/main" id="{E7ABD597-3188-9B5B-4ECE-42B8C2A7F1D3}"/>
+              </a:ext>
+            </a:extLst>
+          </p:cNvPr>
+          <p:cNvPicPr>
+            <a:picLocks noChangeAspect="1"/>
+          </p:cNvPicPr>
+          <p:nvPr/>
+        </p:nvPicPr>
+        <p:blipFill>
+          <a:blip r:embed="rId2"/>
+          <a:stretch>
+            <a:fillRect/>
+          </a:stretch>
+        </p:blipFill>
+        <p:spPr>
+          <a:xfrm>
+            <a:off x="163412" y="1073900"/>
+            <a:ext cx="6820251" cy="5385077"/>
+          </a:xfrm>
+          <a:prstGeom prst="rect">
+            <a:avLst/>
+          </a:prstGeom>
+        </p:spPr>
+      </p:pic>
+      <p:sp>
+        <p:nvSpPr>
+          <p:cNvPr id="7" name="TextBox 6">
+            <a:extLst>
+              <a:ext uri="{FF2B5EF4-FFF2-40B4-BE49-F238E27FC236}">
+                <a16:creationId xmlns:a16="http://schemas.microsoft.com/office/drawing/2014/main" id="{0BD9715C-BA88-CF3F-7AFC-BA2F8395B55C}"/>
+              </a:ext>
+            </a:extLst>
+          </p:cNvPr>
+          <p:cNvSpPr txBox="1"/>
+          <p:nvPr/>
+        </p:nvSpPr>
+        <p:spPr>
+          <a:xfrm>
+            <a:off x="7372137" y="4125494"/>
+            <a:ext cx="4062636" cy="2308324"/>
+          </a:xfrm>
+          <a:prstGeom prst="rect">
+            <a:avLst/>
+          </a:prstGeom>
+          <a:noFill/>
+        </p:spPr>
+        <p:txBody>
+          <a:bodyPr wrap="square" rtlCol="0">
+            <a:spAutoFit/>
+          </a:bodyPr>
+          <a:lstStyle/>
+          <a:p>
+            <a:r>
+              <a:rPr lang="en-US" dirty="0">
+                <a:solidFill>
+                  <a:schemeClr val="bg1"/>
+                </a:solidFill>
+              </a:rPr>
+              <a:t>For the </a:t>
+            </a:r>
+            <a:r>
+              <a:rPr lang="en-US" dirty="0" err="1">
+                <a:solidFill>
+                  <a:schemeClr val="bg1"/>
+                </a:solidFill>
+              </a:rPr>
+              <a:t>editcard</a:t>
+            </a:r>
+            <a:r>
+              <a:rPr lang="en-US" dirty="0">
+                <a:solidFill>
+                  <a:schemeClr val="bg1"/>
+                </a:solidFill>
+              </a:rPr>
+              <a:t> section, I got the user’s input of the now determined ‘correct card’ to delete the dictionary entry, and for the user to enter the speed, stealth and strength again to effectively delete the dictionary entry and create a new one with the same name however the user appended abilities.</a:t>
+            </a:r>
+          </a:p>
+        </p:txBody>
+      </p:sp>
+    </p:spTree>
+    <p:extLst>
+      <p:ext uri="{BB962C8B-B14F-4D97-AF65-F5344CB8AC3E}">
+        <p14:creationId xmlns:p14="http://schemas.microsoft.com/office/powerpoint/2010/main" val="596412860"/>
+      </p:ext>
+    </p:extLst>
+  </p:cSld>
+  <p:clrMapOvr>
+    <a:masterClrMapping/>
+  </p:clrMapOvr>
+</p:sld>
+</file>
+
+<file path=ppt/slides/slide13.xml><?xml version="1.0" encoding="utf-8"?>
+<p:sld xmlns:a="http://schemas.openxmlformats.org/drawingml/2006/main" xmlns:r="http://schemas.openxmlformats.org/officeDocument/2006/relationships" xmlns:p="http://schemas.openxmlformats.org/presentationml/2006/main">
+  <p:cSld>
+    <p:spTree>
+      <p:nvGrpSpPr>
+        <p:cNvPr id="1" name=""/>
+        <p:cNvGrpSpPr/>
+        <p:nvPr/>
+      </p:nvGrpSpPr>
+      <p:grpSpPr>
+        <a:xfrm>
+          <a:off x="0" y="0"/>
+          <a:ext cx="0" cy="0"/>
+          <a:chOff x="0" y="0"/>
+          <a:chExt cx="0" cy="0"/>
+        </a:xfrm>
+      </p:grpSpPr>
+      <p:sp>
+        <p:nvSpPr>
+          <p:cNvPr id="2" name="Title 1">
+            <a:extLst>
+              <a:ext uri="{FF2B5EF4-FFF2-40B4-BE49-F238E27FC236}">
+                <a16:creationId xmlns:a16="http://schemas.microsoft.com/office/drawing/2014/main" id="{53E13340-61F5-79FD-FC3D-995EF1A3CEF9}"/>
+              </a:ext>
+            </a:extLst>
+          </p:cNvPr>
+          <p:cNvSpPr>
+            <a:spLocks noGrp="1"/>
+          </p:cNvSpPr>
+          <p:nvPr>
+            <p:ph type="title"/>
+          </p:nvPr>
+        </p:nvSpPr>
+        <p:spPr>
+          <a:xfrm>
+            <a:off x="0" y="0"/>
+            <a:ext cx="6983663" cy="834189"/>
+          </a:xfrm>
+        </p:spPr>
+        <p:txBody>
+          <a:bodyPr/>
+          <a:lstStyle/>
+          <a:p>
+            <a:r>
+              <a:rPr lang="en-US" dirty="0"/>
+              <a:t>Search for item - </a:t>
+            </a:r>
+            <a:r>
+              <a:rPr lang="en-US" dirty="0" err="1"/>
+              <a:t>Trialling</a:t>
+            </a:r>
+            <a:endParaRPr lang="en-US" dirty="0"/>
+          </a:p>
+        </p:txBody>
+      </p:sp>
+      <p:pic>
+        <p:nvPicPr>
+          <p:cNvPr id="4" name="Picture 3">
+            <a:extLst>
+              <a:ext uri="{FF2B5EF4-FFF2-40B4-BE49-F238E27FC236}">
+                <a16:creationId xmlns:a16="http://schemas.microsoft.com/office/drawing/2014/main" id="{6ADED244-6B3C-C34B-FF23-20803719299D}"/>
+              </a:ext>
+            </a:extLst>
+          </p:cNvPr>
+          <p:cNvPicPr>
+            <a:picLocks noChangeAspect="1"/>
+          </p:cNvPicPr>
+          <p:nvPr/>
+        </p:nvPicPr>
+        <p:blipFill>
+          <a:blip r:embed="rId2"/>
+          <a:stretch>
+            <a:fillRect/>
+          </a:stretch>
+        </p:blipFill>
+        <p:spPr>
+          <a:xfrm>
+            <a:off x="239306" y="1147799"/>
+            <a:ext cx="3822896" cy="1835244"/>
+          </a:xfrm>
+          <a:prstGeom prst="rect">
+            <a:avLst/>
+          </a:prstGeom>
+        </p:spPr>
+      </p:pic>
+      <p:pic>
+        <p:nvPicPr>
+          <p:cNvPr id="6" name="Picture 5">
+            <a:extLst>
+              <a:ext uri="{FF2B5EF4-FFF2-40B4-BE49-F238E27FC236}">
+                <a16:creationId xmlns:a16="http://schemas.microsoft.com/office/drawing/2014/main" id="{EDBB601B-087B-E6DB-AB97-5ABE11CB51EF}"/>
+              </a:ext>
+            </a:extLst>
+          </p:cNvPr>
+          <p:cNvPicPr>
+            <a:picLocks noChangeAspect="1"/>
+          </p:cNvPicPr>
+          <p:nvPr/>
+        </p:nvPicPr>
+        <p:blipFill>
+          <a:blip r:embed="rId3"/>
+          <a:stretch>
+            <a:fillRect/>
+          </a:stretch>
+        </p:blipFill>
+        <p:spPr>
+          <a:xfrm>
+            <a:off x="4198079" y="1243266"/>
+            <a:ext cx="3930852" cy="1390721"/>
+          </a:xfrm>
+          <a:prstGeom prst="rect">
+            <a:avLst/>
+          </a:prstGeom>
+        </p:spPr>
+      </p:pic>
+      <p:pic>
+        <p:nvPicPr>
+          <p:cNvPr id="8" name="Picture 7">
+            <a:extLst>
+              <a:ext uri="{FF2B5EF4-FFF2-40B4-BE49-F238E27FC236}">
+                <a16:creationId xmlns:a16="http://schemas.microsoft.com/office/drawing/2014/main" id="{CF7AC376-C48C-E9E2-819D-0A34293672D1}"/>
+              </a:ext>
+            </a:extLst>
+          </p:cNvPr>
+          <p:cNvPicPr>
+            <a:picLocks noChangeAspect="1"/>
+          </p:cNvPicPr>
+          <p:nvPr/>
+        </p:nvPicPr>
+        <p:blipFill>
+          <a:blip r:embed="rId4"/>
+          <a:stretch>
+            <a:fillRect/>
+          </a:stretch>
+        </p:blipFill>
+        <p:spPr>
+          <a:xfrm>
+            <a:off x="8201946" y="1300418"/>
+            <a:ext cx="3867349" cy="1276416"/>
+          </a:xfrm>
+          <a:prstGeom prst="rect">
+            <a:avLst/>
+          </a:prstGeom>
+        </p:spPr>
+      </p:pic>
+      <p:pic>
+        <p:nvPicPr>
+          <p:cNvPr id="10" name="Picture 9">
+            <a:extLst>
+              <a:ext uri="{FF2B5EF4-FFF2-40B4-BE49-F238E27FC236}">
+                <a16:creationId xmlns:a16="http://schemas.microsoft.com/office/drawing/2014/main" id="{8861CDC8-83D9-DA57-CE9D-D03AFBC509AA}"/>
+              </a:ext>
+            </a:extLst>
+          </p:cNvPr>
+          <p:cNvPicPr>
+            <a:picLocks noChangeAspect="1"/>
+          </p:cNvPicPr>
+          <p:nvPr/>
+        </p:nvPicPr>
+        <p:blipFill>
+          <a:blip r:embed="rId5"/>
+          <a:stretch>
+            <a:fillRect/>
+          </a:stretch>
+        </p:blipFill>
+        <p:spPr>
+          <a:xfrm>
+            <a:off x="1805277" y="4798948"/>
+            <a:ext cx="5721644" cy="463574"/>
+          </a:xfrm>
+          <a:prstGeom prst="rect">
+            <a:avLst/>
+          </a:prstGeom>
+        </p:spPr>
+      </p:pic>
+      <p:cxnSp>
+        <p:nvCxnSpPr>
+          <p:cNvPr id="12" name="Straight Arrow Connector 11">
+            <a:extLst>
+              <a:ext uri="{FF2B5EF4-FFF2-40B4-BE49-F238E27FC236}">
+                <a16:creationId xmlns:a16="http://schemas.microsoft.com/office/drawing/2014/main" id="{EB87B160-CE9F-6E34-15C7-B071715F7BCF}"/>
+              </a:ext>
+            </a:extLst>
+          </p:cNvPr>
+          <p:cNvCxnSpPr/>
+          <p:nvPr/>
+        </p:nvCxnSpPr>
+        <p:spPr>
+          <a:xfrm flipH="1">
+            <a:off x="5799383" y="3982856"/>
+            <a:ext cx="1343983" cy="957359"/>
+          </a:xfrm>
+          <a:prstGeom prst="straightConnector1">
+            <a:avLst/>
+          </a:prstGeom>
+          <a:ln>
+            <a:tailEnd type="triangle"/>
+          </a:ln>
+        </p:spPr>
+        <p:style>
+          <a:lnRef idx="1">
+            <a:schemeClr val="accent1"/>
+          </a:lnRef>
+          <a:fillRef idx="0">
+            <a:schemeClr val="accent1"/>
+          </a:fillRef>
+          <a:effectRef idx="0">
+            <a:schemeClr val="accent1"/>
+          </a:effectRef>
+          <a:fontRef idx="minor">
+            <a:schemeClr val="tx1"/>
+          </a:fontRef>
+        </p:style>
+      </p:cxnSp>
+      <p:sp>
+        <p:nvSpPr>
+          <p:cNvPr id="13" name="TextBox 12">
+            <a:extLst>
+              <a:ext uri="{FF2B5EF4-FFF2-40B4-BE49-F238E27FC236}">
+                <a16:creationId xmlns:a16="http://schemas.microsoft.com/office/drawing/2014/main" id="{C58C8D91-AAB1-E10B-C8EA-ACE99C834195}"/>
+              </a:ext>
+            </a:extLst>
+          </p:cNvPr>
+          <p:cNvSpPr txBox="1"/>
+          <p:nvPr/>
+        </p:nvSpPr>
+        <p:spPr>
+          <a:xfrm>
+            <a:off x="7416800" y="3237788"/>
+            <a:ext cx="2711116" cy="369332"/>
+          </a:xfrm>
+          <a:prstGeom prst="rect">
+            <a:avLst/>
+          </a:prstGeom>
+          <a:noFill/>
+        </p:spPr>
+        <p:txBody>
+          <a:bodyPr wrap="square" rtlCol="0">
+            <a:spAutoFit/>
+          </a:bodyPr>
+          <a:lstStyle/>
+          <a:p>
+            <a:r>
+              <a:rPr lang="en-US" dirty="0">
+                <a:solidFill>
+                  <a:schemeClr val="bg1"/>
+                </a:solidFill>
+              </a:rPr>
+              <a:t>Before edit</a:t>
+            </a:r>
+          </a:p>
+        </p:txBody>
+      </p:sp>
+      <p:cxnSp>
+        <p:nvCxnSpPr>
+          <p:cNvPr id="15" name="Straight Arrow Connector 14">
+            <a:extLst>
+              <a:ext uri="{FF2B5EF4-FFF2-40B4-BE49-F238E27FC236}">
+                <a16:creationId xmlns:a16="http://schemas.microsoft.com/office/drawing/2014/main" id="{C2FBB91A-312D-6807-9973-989CCF69F4D7}"/>
+              </a:ext>
+            </a:extLst>
+          </p:cNvPr>
+          <p:cNvCxnSpPr>
+            <a:cxnSpLocks/>
+          </p:cNvCxnSpPr>
+          <p:nvPr/>
+        </p:nvCxnSpPr>
+        <p:spPr>
+          <a:xfrm flipH="1" flipV="1">
+            <a:off x="6849979" y="5170905"/>
+            <a:ext cx="1534695" cy="197853"/>
+          </a:xfrm>
+          <a:prstGeom prst="straightConnector1">
+            <a:avLst/>
+          </a:prstGeom>
+          <a:ln>
+            <a:tailEnd type="triangle"/>
+          </a:ln>
+        </p:spPr>
+        <p:style>
+          <a:lnRef idx="1">
+            <a:schemeClr val="accent1"/>
+          </a:lnRef>
+          <a:fillRef idx="0">
+            <a:schemeClr val="accent1"/>
+          </a:fillRef>
+          <a:effectRef idx="0">
+            <a:schemeClr val="accent1"/>
+          </a:effectRef>
+          <a:fontRef idx="minor">
+            <a:schemeClr val="tx1"/>
+          </a:fontRef>
+        </p:style>
+      </p:cxnSp>
+      <p:sp>
+        <p:nvSpPr>
+          <p:cNvPr id="17" name="TextBox 16">
+            <a:extLst>
+              <a:ext uri="{FF2B5EF4-FFF2-40B4-BE49-F238E27FC236}">
+                <a16:creationId xmlns:a16="http://schemas.microsoft.com/office/drawing/2014/main" id="{01110934-9E90-2E6D-C14C-002CFDF8D1EF}"/>
+              </a:ext>
+            </a:extLst>
+          </p:cNvPr>
+          <p:cNvSpPr txBox="1"/>
+          <p:nvPr/>
+        </p:nvSpPr>
+        <p:spPr>
+          <a:xfrm>
+            <a:off x="8593221" y="5262522"/>
+            <a:ext cx="1534695" cy="369332"/>
+          </a:xfrm>
+          <a:prstGeom prst="rect">
+            <a:avLst/>
+          </a:prstGeom>
+          <a:noFill/>
+        </p:spPr>
+        <p:txBody>
+          <a:bodyPr wrap="square" rtlCol="0">
+            <a:spAutoFit/>
+          </a:bodyPr>
+          <a:lstStyle/>
+          <a:p>
+            <a:r>
+              <a:rPr lang="en-US" dirty="0">
+                <a:solidFill>
+                  <a:schemeClr val="bg1"/>
+                </a:solidFill>
+              </a:rPr>
+              <a:t>After edit</a:t>
+            </a:r>
+          </a:p>
+        </p:txBody>
+      </p:sp>
+    </p:spTree>
+    <p:extLst>
+      <p:ext uri="{BB962C8B-B14F-4D97-AF65-F5344CB8AC3E}">
+        <p14:creationId xmlns:p14="http://schemas.microsoft.com/office/powerpoint/2010/main" val="2780961270"/>
+      </p:ext>
+    </p:extLst>
+  </p:cSld>
+  <p:clrMapOvr>
+    <a:masterClrMapping/>
+  </p:clrMapOvr>
+</p:sld>
+</file>
+
+<file path=ppt/slides/slide14.xml><?xml version="1.0" encoding="utf-8"?>
+<p:sld xmlns:a="http://schemas.openxmlformats.org/drawingml/2006/main" xmlns:r="http://schemas.openxmlformats.org/officeDocument/2006/relationships" xmlns:p="http://schemas.openxmlformats.org/presentationml/2006/main">
+  <p:cSld>
+    <p:spTree>
+      <p:nvGrpSpPr>
+        <p:cNvPr id="1" name=""/>
+        <p:cNvGrpSpPr/>
+        <p:nvPr/>
+      </p:nvGrpSpPr>
+      <p:grpSpPr>
+        <a:xfrm>
+          <a:off x="0" y="0"/>
+          <a:ext cx="0" cy="0"/>
+          <a:chOff x="0" y="0"/>
+          <a:chExt cx="0" cy="0"/>
+        </a:xfrm>
+      </p:grpSpPr>
+      <p:sp>
+        <p:nvSpPr>
+          <p:cNvPr id="2" name="Title 1">
+            <a:extLst>
+              <a:ext uri="{FF2B5EF4-FFF2-40B4-BE49-F238E27FC236}">
+                <a16:creationId xmlns:a16="http://schemas.microsoft.com/office/drawing/2014/main" id="{53E13340-61F5-79FD-FC3D-995EF1A3CEF9}"/>
+              </a:ext>
+            </a:extLst>
+          </p:cNvPr>
+          <p:cNvSpPr>
+            <a:spLocks noGrp="1"/>
+          </p:cNvSpPr>
+          <p:nvPr>
+            <p:ph type="title"/>
+          </p:nvPr>
+        </p:nvSpPr>
+        <p:spPr>
+          <a:xfrm>
+            <a:off x="0" y="0"/>
+            <a:ext cx="6983663" cy="834189"/>
+          </a:xfrm>
+        </p:spPr>
+        <p:txBody>
+          <a:bodyPr/>
+          <a:lstStyle/>
+          <a:p>
+            <a:r>
+              <a:rPr lang="en-US" dirty="0"/>
+              <a:t>Search </a:t>
+            </a:r>
+            <a:r>
+              <a:rPr lang="en-US"/>
+              <a:t>for item - Trialling</a:t>
+            </a:r>
+            <a:endParaRPr lang="en-US" dirty="0"/>
+          </a:p>
+        </p:txBody>
+      </p:sp>
+    </p:spTree>
+    <p:extLst>
+      <p:ext uri="{BB962C8B-B14F-4D97-AF65-F5344CB8AC3E}">
+        <p14:creationId xmlns:p14="http://schemas.microsoft.com/office/powerpoint/2010/main" val="298997319"/>
+      </p:ext>
+    </p:extLst>
+  </p:cSld>
+  <p:clrMapOvr>
+    <a:masterClrMapping/>
+  </p:clrMapOvr>
+</p:sld>
+</file>
+
+<file path=ppt/slides/slide15.xml><?xml version="1.0" encoding="utf-8"?>
+<p:sld xmlns:a="http://schemas.openxmlformats.org/drawingml/2006/main" xmlns:r="http://schemas.openxmlformats.org/officeDocument/2006/relationships" xmlns:p="http://schemas.openxmlformats.org/presentationml/2006/main">
+  <p:cSld>
+    <p:spTree>
+      <p:nvGrpSpPr>
+        <p:cNvPr id="1" name=""/>
+        <p:cNvGrpSpPr/>
+        <p:nvPr/>
+      </p:nvGrpSpPr>
+      <p:grpSpPr>
+        <a:xfrm>
+          <a:off x="0" y="0"/>
+          <a:ext cx="0" cy="0"/>
+          <a:chOff x="0" y="0"/>
+          <a:chExt cx="0" cy="0"/>
+        </a:xfrm>
+      </p:grpSpPr>
+      <p:sp>
+        <p:nvSpPr>
+          <p:cNvPr id="2" name="Title 1">
+            <a:extLst>
+              <a:ext uri="{FF2B5EF4-FFF2-40B4-BE49-F238E27FC236}">
+                <a16:creationId xmlns:a16="http://schemas.microsoft.com/office/drawing/2014/main" id="{1CC5D32F-7C18-4D00-8D54-2FB046F0A206}"/>
+              </a:ext>
+            </a:extLst>
+          </p:cNvPr>
+          <p:cNvSpPr>
+            <a:spLocks noGrp="1"/>
+          </p:cNvSpPr>
+          <p:nvPr>
+            <p:ph type="title"/>
+          </p:nvPr>
+        </p:nvSpPr>
+        <p:spPr>
+          <a:xfrm>
+            <a:off x="838200" y="518160"/>
+            <a:ext cx="10515600" cy="562928"/>
+          </a:xfrm>
+        </p:spPr>
+        <p:txBody>
+          <a:bodyPr>
+            <a:normAutofit fontScale="90000"/>
+          </a:bodyPr>
+          <a:lstStyle/>
+          <a:p>
+            <a:r>
+              <a:rPr lang="en-NZ" dirty="0"/>
+              <a:t>[Component name]: Testing </a:t>
+            </a:r>
+          </a:p>
+        </p:txBody>
+      </p:sp>
+      <p:sp>
+        <p:nvSpPr>
+          <p:cNvPr id="4" name="TextBox 3">
+            <a:extLst>
+              <a:ext uri="{FF2B5EF4-FFF2-40B4-BE49-F238E27FC236}">
+                <a16:creationId xmlns:a16="http://schemas.microsoft.com/office/drawing/2014/main" id="{8CD07A82-A944-4A9B-9A52-515DAC30878A}"/>
+              </a:ext>
+            </a:extLst>
+          </p:cNvPr>
+          <p:cNvSpPr txBox="1"/>
+          <p:nvPr/>
+        </p:nvSpPr>
+        <p:spPr>
+          <a:xfrm>
+            <a:off x="749300" y="1081088"/>
+            <a:ext cx="10693400" cy="646331"/>
+          </a:xfrm>
+          <a:prstGeom prst="rect">
+            <a:avLst/>
+          </a:prstGeom>
+          <a:noFill/>
+        </p:spPr>
+        <p:txBody>
+          <a:bodyPr wrap="square">
+            <a:spAutoFit/>
+          </a:bodyPr>
+          <a:lstStyle/>
+          <a:p>
+            <a:r>
+              <a:rPr lang="en-NZ" i="1" dirty="0"/>
+              <a:t>You must show the results of testing. For each component, include a screenshot proving it works.  You can also include notes about each test. </a:t>
+            </a:r>
+          </a:p>
+        </p:txBody>
+      </p:sp>
+    </p:spTree>
+    <p:extLst>
+      <p:ext uri="{BB962C8B-B14F-4D97-AF65-F5344CB8AC3E}">
+        <p14:creationId xmlns:p14="http://schemas.microsoft.com/office/powerpoint/2010/main" val="89592267"/>
+      </p:ext>
+    </p:extLst>
+  </p:cSld>
+  <p:clrMapOvr>
+    <a:masterClrMapping/>
+  </p:clrMapOvr>
+</p:sld>
+</file>
+
+<file path=ppt/slides/slide16.xml><?xml version="1.0" encoding="utf-8"?>
+<p:sld xmlns:a="http://schemas.openxmlformats.org/drawingml/2006/main" xmlns:r="http://schemas.openxmlformats.org/officeDocument/2006/relationships" xmlns:p="http://schemas.openxmlformats.org/presentationml/2006/main">
+  <p:cSld>
+    <p:spTree>
+      <p:nvGrpSpPr>
+        <p:cNvPr id="1" name=""/>
+        <p:cNvGrpSpPr/>
+        <p:nvPr/>
+      </p:nvGrpSpPr>
+      <p:grpSpPr>
+        <a:xfrm>
+          <a:off x="0" y="0"/>
+          <a:ext cx="0" cy="0"/>
+          <a:chOff x="0" y="0"/>
+          <a:chExt cx="0" cy="0"/>
+        </a:xfrm>
+      </p:grpSpPr>
+      <p:sp>
+        <p:nvSpPr>
+          <p:cNvPr id="2" name="Title 1">
+            <a:extLst>
+              <a:ext uri="{FF2B5EF4-FFF2-40B4-BE49-F238E27FC236}">
                 <a16:creationId xmlns:a16="http://schemas.microsoft.com/office/drawing/2014/main" id="{183CAE4A-E189-4CAA-B3F5-7E97BC5188E3}"/>
               </a:ext>
             </a:extLst>
@@ -6115,7 +6964,7 @@
 </p:sld>
 </file>
 
-<file path=ppt/slides/slide13.xml><?xml version="1.0" encoding="utf-8"?>
+<file path=ppt/slides/slide17.xml><?xml version="1.0" encoding="utf-8"?>
 <p:sld xmlns:a="http://schemas.openxmlformats.org/drawingml/2006/main" xmlns:r="http://schemas.openxmlformats.org/officeDocument/2006/relationships" xmlns:p="http://schemas.openxmlformats.org/presentationml/2006/main">
   <p:cSld>
     <p:spTree>
@@ -6387,7 +7236,7 @@
 </p:sld>
 </file>
 
-<file path=ppt/slides/slide14.xml><?xml version="1.0" encoding="utf-8"?>
+<file path=ppt/slides/slide18.xml><?xml version="1.0" encoding="utf-8"?>
 <p:sld xmlns:a="http://schemas.openxmlformats.org/drawingml/2006/main" xmlns:r="http://schemas.openxmlformats.org/officeDocument/2006/relationships" xmlns:p="http://schemas.openxmlformats.org/presentationml/2006/main">
   <p:cSld>
     <p:spTree>
@@ -6501,7 +7350,7 @@
 </p:sld>
 </file>
 
-<file path=ppt/slides/slide15.xml><?xml version="1.0" encoding="utf-8"?>
+<file path=ppt/slides/slide19.xml><?xml version="1.0" encoding="utf-8"?>
 <p:sld xmlns:a="http://schemas.openxmlformats.org/drawingml/2006/main" xmlns:r="http://schemas.openxmlformats.org/officeDocument/2006/relationships" xmlns:p="http://schemas.openxmlformats.org/presentationml/2006/main">
   <p:cSld>
     <p:spTree>
@@ -7993,10 +8842,10 @@
       </p:sp>
       <p:pic>
         <p:nvPicPr>
-          <p:cNvPr id="3" name="Picture 2">
-            <a:extLst>
-              <a:ext uri="{FF2B5EF4-FFF2-40B4-BE49-F238E27FC236}">
-                <a16:creationId xmlns:a16="http://schemas.microsoft.com/office/drawing/2014/main" id="{4C161FE2-E69F-F0A2-4C5A-D8220DA48696}"/>
+          <p:cNvPr id="5" name="Picture 4">
+            <a:extLst>
+              <a:ext uri="{FF2B5EF4-FFF2-40B4-BE49-F238E27FC236}">
+                <a16:creationId xmlns:a16="http://schemas.microsoft.com/office/drawing/2014/main" id="{977757EA-71F8-B4EB-0C77-D7B21B23E0E5}"/>
               </a:ext>
             </a:extLst>
           </p:cNvPr>
@@ -8013,8 +8862,8 @@
         </p:blipFill>
         <p:spPr>
           <a:xfrm>
-            <a:off x="5954935" y="4546674"/>
-            <a:ext cx="5131064" cy="622332"/>
+            <a:off x="5313314" y="4417228"/>
+            <a:ext cx="5137414" cy="1231963"/>
           </a:xfrm>
           <a:prstGeom prst="rect">
             <a:avLst/>
@@ -9560,15 +10409,6 @@
 </file>
 
 <file path=customXml/item1.xml><?xml version="1.0" encoding="utf-8"?>
-<?mso-contentType ?>
-<FormTemplates xmlns="http://schemas.microsoft.com/sharepoint/v3/contenttype/forms">
-  <Display>DocumentLibraryForm</Display>
-  <Edit>DocumentLibraryForm</Edit>
-  <New>DocumentLibraryForm</New>
-</FormTemplates>
-</file>
-
-<file path=customXml/item2.xml><?xml version="1.0" encoding="utf-8"?>
 <ct:contentTypeSchema xmlns:ct="http://schemas.microsoft.com/office/2006/metadata/contentType" xmlns:ma="http://schemas.microsoft.com/office/2006/metadata/properties/metaAttributes" ct:_="" ma:_="" ma:contentTypeName="Document" ma:contentTypeID="0x010100B37AA4149E3FCE42B2F0D36F55263BE7" ma:contentTypeVersion="3" ma:contentTypeDescription="Create a new document." ma:contentTypeScope="" ma:versionID="f7f1c092f231b6630c24ec1f654af881">
   <xsd:schema xmlns:xsd="http://www.w3.org/2001/XMLSchema" xmlns:xs="http://www.w3.org/2001/XMLSchema" xmlns:p="http://schemas.microsoft.com/office/2006/metadata/properties" xmlns:ns2="205ad105-7c38-4030-89bf-bb8828f957ce" targetNamespace="http://schemas.microsoft.com/office/2006/metadata/properties" ma:root="true" ma:fieldsID="4b98ef4347ca2c9d6ddeb86b863b8840" ns2:_="">
     <xsd:import namespace="205ad105-7c38-4030-89bf-bb8828f957ce"/>
@@ -9706,15 +10546,16 @@
 </ct:contentTypeSchema>
 </file>
 
-<file path=customXml/itemProps1.xml><?xml version="1.0" encoding="utf-8"?>
-<ds:datastoreItem xmlns:ds="http://schemas.openxmlformats.org/officeDocument/2006/customXml" ds:itemID="{2025CDDF-CD31-423A-BEB8-DE00B73966BF}">
-  <ds:schemaRefs>
-    <ds:schemaRef ds:uri="http://schemas.microsoft.com/sharepoint/v3/contenttype/forms"/>
-  </ds:schemaRefs>
-</ds:datastoreItem>
+<file path=customXml/item2.xml><?xml version="1.0" encoding="utf-8"?>
+<?mso-contentType ?>
+<FormTemplates xmlns="http://schemas.microsoft.com/sharepoint/v3/contenttype/forms">
+  <Display>DocumentLibraryForm</Display>
+  <Edit>DocumentLibraryForm</Edit>
+  <New>DocumentLibraryForm</New>
+</FormTemplates>
 </file>
 
-<file path=customXml/itemProps2.xml><?xml version="1.0" encoding="utf-8"?>
+<file path=customXml/itemProps1.xml><?xml version="1.0" encoding="utf-8"?>
 <ds:datastoreItem xmlns:ds="http://schemas.openxmlformats.org/officeDocument/2006/customXml" ds:itemID="{F118AE1B-89AB-4E8D-A474-F3B1187AE7D6}">
   <ds:schemaRefs>
     <ds:schemaRef ds:uri="http://schemas.microsoft.com/office/2006/metadata/contentType"/>
@@ -9730,4 +10571,12 @@
     <ds:schemaRef ds:uri="http://schemas.microsoft.com/internal/obd"/>
   </ds:schemaRefs>
 </ds:datastoreItem>
+</file>
+
+<file path=customXml/itemProps2.xml><?xml version="1.0" encoding="utf-8"?>
+<ds:datastoreItem xmlns:ds="http://schemas.openxmlformats.org/officeDocument/2006/customXml" ds:itemID="{2025CDDF-CD31-423A-BEB8-DE00B73966BF}">
+  <ds:schemaRefs>
+    <ds:schemaRef ds:uri="http://schemas.microsoft.com/sharepoint/v3/contenttype/forms"/>
+  </ds:schemaRefs>
+</ds:datastoreItem>
 </file>
--- a/2.7 and 2.8 Documentation Template.pptx
+++ b/2.7 and 2.8 Documentation Template.pptx
@@ -5,7 +5,7 @@
     <p:sldMasterId id="2147483661" r:id="rId3"/>
   </p:sldMasterIdLst>
   <p:notesMasterIdLst>
-    <p:notesMasterId r:id="rId23"/>
+    <p:notesMasterId r:id="rId27"/>
   </p:notesMasterIdLst>
   <p:sldIdLst>
     <p:sldId id="256" r:id="rId4"/>
@@ -22,11 +22,15 @@
     <p:sldId id="278" r:id="rId15"/>
     <p:sldId id="279" r:id="rId16"/>
     <p:sldId id="280" r:id="rId17"/>
-    <p:sldId id="274" r:id="rId18"/>
-    <p:sldId id="263" r:id="rId19"/>
-    <p:sldId id="270" r:id="rId20"/>
-    <p:sldId id="261" r:id="rId21"/>
-    <p:sldId id="266" r:id="rId22"/>
+    <p:sldId id="283" r:id="rId18"/>
+    <p:sldId id="284" r:id="rId19"/>
+    <p:sldId id="285" r:id="rId20"/>
+    <p:sldId id="282" r:id="rId21"/>
+    <p:sldId id="274" r:id="rId22"/>
+    <p:sldId id="263" r:id="rId23"/>
+    <p:sldId id="270" r:id="rId24"/>
+    <p:sldId id="261" r:id="rId25"/>
+    <p:sldId id="266" r:id="rId26"/>
   </p:sldIdLst>
   <p:sldSz cx="12192000" cy="6858000"/>
   <p:notesSz cx="6858000" cy="9144000"/>
@@ -136,7 +140,7 @@
 <file path=ppt/revisionInfo.xml><?xml version="1.0" encoding="utf-8"?>
 <p1510:revInfo xmlns:a="http://schemas.openxmlformats.org/drawingml/2006/main" xmlns:r="http://schemas.openxmlformats.org/officeDocument/2006/relationships" xmlns:p1510="http://schemas.microsoft.com/office/powerpoint/2015/10/main">
   <p1510:revLst>
-    <p1510:client id="{378AF3DA-1D02-490C-9CEA-1409B58C5F7F}" v="15" dt="2023-05-15T08:52:26.241"/>
+    <p1510:client id="{378AF3DA-1D02-490C-9CEA-1409B58C5F7F}" v="23" dt="2023-05-18T09:09:04.188"/>
   </p1510:revLst>
 </p1510:revInfo>
 </file>
@@ -145,8 +149,8 @@
 <pc:chgInfo xmlns:a="http://schemas.openxmlformats.org/drawingml/2006/main" xmlns:r="http://schemas.openxmlformats.org/officeDocument/2006/relationships" xmlns:ac="http://schemas.microsoft.com/office/drawing/2013/main/command" xmlns:pc="http://schemas.microsoft.com/office/powerpoint/2013/main/command">
   <pc:docChgLst>
     <pc:chgData name="Josh Currie-Cook" userId="27abfd07-d9ae-4d78-87f7-24cebb775941" providerId="ADAL" clId="{378AF3DA-1D02-490C-9CEA-1409B58C5F7F}"/>
-    <pc:docChg chg="undo redo custSel addSld modSld">
-      <pc:chgData name="Josh Currie-Cook" userId="27abfd07-d9ae-4d78-87f7-24cebb775941" providerId="ADAL" clId="{378AF3DA-1D02-490C-9CEA-1409B58C5F7F}" dt="2023-05-15T08:52:59.039" v="2396" actId="20577"/>
+    <pc:docChg chg="undo redo custSel addSld delSld modSld">
+      <pc:chgData name="Josh Currie-Cook" userId="27abfd07-d9ae-4d78-87f7-24cebb775941" providerId="ADAL" clId="{378AF3DA-1D02-490C-9CEA-1409B58C5F7F}" dt="2023-05-20T02:58:10.984" v="3617" actId="1076"/>
       <pc:docMkLst>
         <pc:docMk/>
       </pc:docMkLst>
@@ -550,13 +554,13 @@
         </pc:picChg>
       </pc:sldChg>
       <pc:sldChg chg="addSp delSp modSp new mod">
-        <pc:chgData name="Josh Currie-Cook" userId="27abfd07-d9ae-4d78-87f7-24cebb775941" providerId="ADAL" clId="{378AF3DA-1D02-490C-9CEA-1409B58C5F7F}" dt="2023-05-15T08:43:09.972" v="2330" actId="20577"/>
+        <pc:chgData name="Josh Currie-Cook" userId="27abfd07-d9ae-4d78-87f7-24cebb775941" providerId="ADAL" clId="{378AF3DA-1D02-490C-9CEA-1409B58C5F7F}" dt="2023-05-16T03:02:04.219" v="3163" actId="14100"/>
         <pc:sldMkLst>
           <pc:docMk/>
           <pc:sldMk cId="596412860" sldId="278"/>
         </pc:sldMkLst>
         <pc:spChg chg="mod">
-          <ac:chgData name="Josh Currie-Cook" userId="27abfd07-d9ae-4d78-87f7-24cebb775941" providerId="ADAL" clId="{378AF3DA-1D02-490C-9CEA-1409B58C5F7F}" dt="2023-05-14T21:56:13.411" v="1651" actId="313"/>
+          <ac:chgData name="Josh Currie-Cook" userId="27abfd07-d9ae-4d78-87f7-24cebb775941" providerId="ADAL" clId="{378AF3DA-1D02-490C-9CEA-1409B58C5F7F}" dt="2023-05-16T03:02:04.219" v="3163" actId="14100"/>
           <ac:spMkLst>
             <pc:docMk/>
             <pc:sldMk cId="596412860" sldId="278"/>
@@ -675,26 +679,244 @@
           </ac:cxnSpMkLst>
         </pc:cxnChg>
       </pc:sldChg>
-      <pc:sldChg chg="modSp add mod">
-        <pc:chgData name="Josh Currie-Cook" userId="27abfd07-d9ae-4d78-87f7-24cebb775941" providerId="ADAL" clId="{378AF3DA-1D02-490C-9CEA-1409B58C5F7F}" dt="2023-05-15T08:52:59.039" v="2396" actId="20577"/>
+      <pc:sldChg chg="addSp modSp add mod">
+        <pc:chgData name="Josh Currie-Cook" userId="27abfd07-d9ae-4d78-87f7-24cebb775941" providerId="ADAL" clId="{378AF3DA-1D02-490C-9CEA-1409B58C5F7F}" dt="2023-05-18T08:54:10.089" v="3172" actId="27636"/>
         <pc:sldMkLst>
           <pc:docMk/>
           <pc:sldMk cId="298997319" sldId="280"/>
         </pc:sldMkLst>
         <pc:spChg chg="mod">
-          <ac:chgData name="Josh Currie-Cook" userId="27abfd07-d9ae-4d78-87f7-24cebb775941" providerId="ADAL" clId="{378AF3DA-1D02-490C-9CEA-1409B58C5F7F}" dt="2023-05-15T08:52:59.039" v="2396" actId="20577"/>
+          <ac:chgData name="Josh Currie-Cook" userId="27abfd07-d9ae-4d78-87f7-24cebb775941" providerId="ADAL" clId="{378AF3DA-1D02-490C-9CEA-1409B58C5F7F}" dt="2023-05-18T08:54:10.089" v="3172" actId="27636"/>
           <ac:spMkLst>
             <pc:docMk/>
             <pc:sldMk cId="298997319" sldId="280"/>
             <ac:spMk id="2" creationId="{53E13340-61F5-79FD-FC3D-995EF1A3CEF9}"/>
           </ac:spMkLst>
         </pc:spChg>
+        <pc:spChg chg="add mod">
+          <ac:chgData name="Josh Currie-Cook" userId="27abfd07-d9ae-4d78-87f7-24cebb775941" providerId="ADAL" clId="{378AF3DA-1D02-490C-9CEA-1409B58C5F7F}" dt="2023-05-16T00:15:05.422" v="2773" actId="20577"/>
+          <ac:spMkLst>
+            <pc:docMk/>
+            <pc:sldMk cId="298997319" sldId="280"/>
+            <ac:spMk id="3" creationId="{C617BD04-0AD4-0B02-5A45-C8FA7FB44C0D}"/>
+          </ac:spMkLst>
+        </pc:spChg>
+        <pc:spChg chg="add mod">
+          <ac:chgData name="Josh Currie-Cook" userId="27abfd07-d9ae-4d78-87f7-24cebb775941" providerId="ADAL" clId="{378AF3DA-1D02-490C-9CEA-1409B58C5F7F}" dt="2023-05-16T00:29:30.973" v="3153" actId="1076"/>
+          <ac:spMkLst>
+            <pc:docMk/>
+            <pc:sldMk cId="298997319" sldId="280"/>
+            <ac:spMk id="8" creationId="{6B7FB806-6D5D-34E6-57A7-123FC3C314C4}"/>
+          </ac:spMkLst>
+        </pc:spChg>
+        <pc:picChg chg="add mod">
+          <ac:chgData name="Josh Currie-Cook" userId="27abfd07-d9ae-4d78-87f7-24cebb775941" providerId="ADAL" clId="{378AF3DA-1D02-490C-9CEA-1409B58C5F7F}" dt="2023-05-16T00:15:21.195" v="2777" actId="1076"/>
+          <ac:picMkLst>
+            <pc:docMk/>
+            <pc:sldMk cId="298997319" sldId="280"/>
+            <ac:picMk id="5" creationId="{BC111DEE-A8CA-06D1-85D8-61CFB7AB59F3}"/>
+          </ac:picMkLst>
+        </pc:picChg>
+        <pc:picChg chg="add mod">
+          <ac:chgData name="Josh Currie-Cook" userId="27abfd07-d9ae-4d78-87f7-24cebb775941" providerId="ADAL" clId="{378AF3DA-1D02-490C-9CEA-1409B58C5F7F}" dt="2023-05-16T00:29:27.614" v="3152" actId="1036"/>
+          <ac:picMkLst>
+            <pc:docMk/>
+            <pc:sldMk cId="298997319" sldId="280"/>
+            <ac:picMk id="7" creationId="{26EB767B-25B0-AEE7-27B2-AC425490A2B3}"/>
+          </ac:picMkLst>
+        </pc:picChg>
+        <pc:picChg chg="add mod">
+          <ac:chgData name="Josh Currie-Cook" userId="27abfd07-d9ae-4d78-87f7-24cebb775941" providerId="ADAL" clId="{378AF3DA-1D02-490C-9CEA-1409B58C5F7F}" dt="2023-05-16T00:29:32.717" v="3154" actId="1076"/>
+          <ac:picMkLst>
+            <pc:docMk/>
+            <pc:sldMk cId="298997319" sldId="280"/>
+            <ac:picMk id="12" creationId="{51CBA397-CA3B-019C-D3D4-9CCE95960304}"/>
+          </ac:picMkLst>
+        </pc:picChg>
+        <pc:cxnChg chg="add mod">
+          <ac:chgData name="Josh Currie-Cook" userId="27abfd07-d9ae-4d78-87f7-24cebb775941" providerId="ADAL" clId="{378AF3DA-1D02-490C-9CEA-1409B58C5F7F}" dt="2023-05-16T00:29:27.614" v="3152" actId="1036"/>
+          <ac:cxnSpMkLst>
+            <pc:docMk/>
+            <pc:sldMk cId="298997319" sldId="280"/>
+            <ac:cxnSpMk id="10" creationId="{95794859-283E-64F7-D957-8216B1EFD0A3}"/>
+          </ac:cxnSpMkLst>
+        </pc:cxnChg>
       </pc:sldChg>
       <pc:sldChg chg="new">
         <pc:chgData name="Josh Currie-Cook" userId="27abfd07-d9ae-4d78-87f7-24cebb775941" providerId="ADAL" clId="{378AF3DA-1D02-490C-9CEA-1409B58C5F7F}" dt="2023-05-15T08:29:30.769" v="1947" actId="680"/>
         <pc:sldMkLst>
           <pc:docMk/>
           <pc:sldMk cId="2739850203" sldId="281"/>
+        </pc:sldMkLst>
+      </pc:sldChg>
+      <pc:sldChg chg="new">
+        <pc:chgData name="Josh Currie-Cook" userId="27abfd07-d9ae-4d78-87f7-24cebb775941" providerId="ADAL" clId="{378AF3DA-1D02-490C-9CEA-1409B58C5F7F}" dt="2023-05-16T00:25:47.152" v="2980" actId="680"/>
+        <pc:sldMkLst>
+          <pc:docMk/>
+          <pc:sldMk cId="2793982042" sldId="282"/>
+        </pc:sldMkLst>
+      </pc:sldChg>
+      <pc:sldChg chg="add del">
+        <pc:chgData name="Josh Currie-Cook" userId="27abfd07-d9ae-4d78-87f7-24cebb775941" providerId="ADAL" clId="{378AF3DA-1D02-490C-9CEA-1409B58C5F7F}" dt="2023-05-16T00:25:55.943" v="2982"/>
+        <pc:sldMkLst>
+          <pc:docMk/>
+          <pc:sldMk cId="275276430" sldId="283"/>
+        </pc:sldMkLst>
+      </pc:sldChg>
+      <pc:sldChg chg="addSp delSp modSp add mod">
+        <pc:chgData name="Josh Currie-Cook" userId="27abfd07-d9ae-4d78-87f7-24cebb775941" providerId="ADAL" clId="{378AF3DA-1D02-490C-9CEA-1409B58C5F7F}" dt="2023-05-16T00:27:36.920" v="3054" actId="20577"/>
+        <pc:sldMkLst>
+          <pc:docMk/>
+          <pc:sldMk cId="3397228397" sldId="283"/>
+        </pc:sldMkLst>
+        <pc:spChg chg="del">
+          <ac:chgData name="Josh Currie-Cook" userId="27abfd07-d9ae-4d78-87f7-24cebb775941" providerId="ADAL" clId="{378AF3DA-1D02-490C-9CEA-1409B58C5F7F}" dt="2023-05-16T00:26:06.318" v="2984" actId="478"/>
+          <ac:spMkLst>
+            <pc:docMk/>
+            <pc:sldMk cId="3397228397" sldId="283"/>
+            <ac:spMk id="3" creationId="{C617BD04-0AD4-0B02-5A45-C8FA7FB44C0D}"/>
+          </ac:spMkLst>
+        </pc:spChg>
+        <pc:spChg chg="del">
+          <ac:chgData name="Josh Currie-Cook" userId="27abfd07-d9ae-4d78-87f7-24cebb775941" providerId="ADAL" clId="{378AF3DA-1D02-490C-9CEA-1409B58C5F7F}" dt="2023-05-16T00:26:06.318" v="2984" actId="478"/>
+          <ac:spMkLst>
+            <pc:docMk/>
+            <pc:sldMk cId="3397228397" sldId="283"/>
+            <ac:spMk id="8" creationId="{6B7FB806-6D5D-34E6-57A7-123FC3C314C4}"/>
+          </ac:spMkLst>
+        </pc:spChg>
+        <pc:spChg chg="add mod">
+          <ac:chgData name="Josh Currie-Cook" userId="27abfd07-d9ae-4d78-87f7-24cebb775941" providerId="ADAL" clId="{378AF3DA-1D02-490C-9CEA-1409B58C5F7F}" dt="2023-05-16T00:27:15.833" v="2993" actId="1582"/>
+          <ac:spMkLst>
+            <pc:docMk/>
+            <pc:sldMk cId="3397228397" sldId="283"/>
+            <ac:spMk id="12" creationId="{B1FFE9BC-ADB6-6BA7-4A2C-F816C83F933C}"/>
+          </ac:spMkLst>
+        </pc:spChg>
+        <pc:spChg chg="add mod">
+          <ac:chgData name="Josh Currie-Cook" userId="27abfd07-d9ae-4d78-87f7-24cebb775941" providerId="ADAL" clId="{378AF3DA-1D02-490C-9CEA-1409B58C5F7F}" dt="2023-05-16T00:27:36.920" v="3054" actId="20577"/>
+          <ac:spMkLst>
+            <pc:docMk/>
+            <pc:sldMk cId="3397228397" sldId="283"/>
+            <ac:spMk id="13" creationId="{D886A693-50FB-E44C-31AA-9DFEDAB87E09}"/>
+          </ac:spMkLst>
+        </pc:spChg>
+        <pc:picChg chg="del">
+          <ac:chgData name="Josh Currie-Cook" userId="27abfd07-d9ae-4d78-87f7-24cebb775941" providerId="ADAL" clId="{378AF3DA-1D02-490C-9CEA-1409B58C5F7F}" dt="2023-05-16T00:26:06.318" v="2984" actId="478"/>
+          <ac:picMkLst>
+            <pc:docMk/>
+            <pc:sldMk cId="3397228397" sldId="283"/>
+            <ac:picMk id="5" creationId="{BC111DEE-A8CA-06D1-85D8-61CFB7AB59F3}"/>
+          </ac:picMkLst>
+        </pc:picChg>
+        <pc:picChg chg="add mod">
+          <ac:chgData name="Josh Currie-Cook" userId="27abfd07-d9ae-4d78-87f7-24cebb775941" providerId="ADAL" clId="{378AF3DA-1D02-490C-9CEA-1409B58C5F7F}" dt="2023-05-16T00:26:30.560" v="2987" actId="1076"/>
+          <ac:picMkLst>
+            <pc:docMk/>
+            <pc:sldMk cId="3397228397" sldId="283"/>
+            <ac:picMk id="6" creationId="{99C3ACD8-0084-5D43-A740-9C26BAA0A294}"/>
+          </ac:picMkLst>
+        </pc:picChg>
+        <pc:picChg chg="del">
+          <ac:chgData name="Josh Currie-Cook" userId="27abfd07-d9ae-4d78-87f7-24cebb775941" providerId="ADAL" clId="{378AF3DA-1D02-490C-9CEA-1409B58C5F7F}" dt="2023-05-16T00:26:06.318" v="2984" actId="478"/>
+          <ac:picMkLst>
+            <pc:docMk/>
+            <pc:sldMk cId="3397228397" sldId="283"/>
+            <ac:picMk id="7" creationId="{26EB767B-25B0-AEE7-27B2-AC425490A2B3}"/>
+          </ac:picMkLst>
+        </pc:picChg>
+        <pc:picChg chg="add mod">
+          <ac:chgData name="Josh Currie-Cook" userId="27abfd07-d9ae-4d78-87f7-24cebb775941" providerId="ADAL" clId="{378AF3DA-1D02-490C-9CEA-1409B58C5F7F}" dt="2023-05-16T00:27:00.691" v="2989" actId="1076"/>
+          <ac:picMkLst>
+            <pc:docMk/>
+            <pc:sldMk cId="3397228397" sldId="283"/>
+            <ac:picMk id="11" creationId="{F9FCFB10-7391-4FED-61EF-47DFB085EC30}"/>
+          </ac:picMkLst>
+        </pc:picChg>
+        <pc:cxnChg chg="del mod">
+          <ac:chgData name="Josh Currie-Cook" userId="27abfd07-d9ae-4d78-87f7-24cebb775941" providerId="ADAL" clId="{378AF3DA-1D02-490C-9CEA-1409B58C5F7F}" dt="2023-05-16T00:26:07.276" v="2985" actId="478"/>
+          <ac:cxnSpMkLst>
+            <pc:docMk/>
+            <pc:sldMk cId="3397228397" sldId="283"/>
+            <ac:cxnSpMk id="10" creationId="{95794859-283E-64F7-D957-8216B1EFD0A3}"/>
+          </ac:cxnSpMkLst>
+        </pc:cxnChg>
+      </pc:sldChg>
+      <pc:sldChg chg="addSp modSp new mod">
+        <pc:chgData name="Josh Currie-Cook" userId="27abfd07-d9ae-4d78-87f7-24cebb775941" providerId="ADAL" clId="{378AF3DA-1D02-490C-9CEA-1409B58C5F7F}" dt="2023-05-20T02:58:10.984" v="3617" actId="1076"/>
+        <pc:sldMkLst>
+          <pc:docMk/>
+          <pc:sldMk cId="2435161017" sldId="284"/>
+        </pc:sldMkLst>
+        <pc:spChg chg="mod">
+          <ac:chgData name="Josh Currie-Cook" userId="27abfd07-d9ae-4d78-87f7-24cebb775941" providerId="ADAL" clId="{378AF3DA-1D02-490C-9CEA-1409B58C5F7F}" dt="2023-05-18T08:58:05.743" v="3184" actId="20577"/>
+          <ac:spMkLst>
+            <pc:docMk/>
+            <pc:sldMk cId="2435161017" sldId="284"/>
+            <ac:spMk id="2" creationId="{111FFAE1-46B7-13D2-ACF4-4E8491149224}"/>
+          </ac:spMkLst>
+        </pc:spChg>
+        <pc:spChg chg="add mod">
+          <ac:chgData name="Josh Currie-Cook" userId="27abfd07-d9ae-4d78-87f7-24cebb775941" providerId="ADAL" clId="{378AF3DA-1D02-490C-9CEA-1409B58C5F7F}" dt="2023-05-18T09:07:55.463" v="3344" actId="20577"/>
+          <ac:spMkLst>
+            <pc:docMk/>
+            <pc:sldMk cId="2435161017" sldId="284"/>
+            <ac:spMk id="3" creationId="{FB55847B-FA60-9710-5000-2F6FC7A5B0B2}"/>
+          </ac:spMkLst>
+        </pc:spChg>
+        <pc:spChg chg="add mod">
+          <ac:chgData name="Josh Currie-Cook" userId="27abfd07-d9ae-4d78-87f7-24cebb775941" providerId="ADAL" clId="{378AF3DA-1D02-490C-9CEA-1409B58C5F7F}" dt="2023-05-18T09:08:48.888" v="3351" actId="1076"/>
+          <ac:spMkLst>
+            <pc:docMk/>
+            <pc:sldMk cId="2435161017" sldId="284"/>
+            <ac:spMk id="6" creationId="{14AAC234-D282-F7A1-B530-4088F5DC509E}"/>
+          </ac:spMkLst>
+        </pc:spChg>
+        <pc:spChg chg="add mod">
+          <ac:chgData name="Josh Currie-Cook" userId="27abfd07-d9ae-4d78-87f7-24cebb775941" providerId="ADAL" clId="{378AF3DA-1D02-490C-9CEA-1409B58C5F7F}" dt="2023-05-20T02:58:10.984" v="3617" actId="1076"/>
+          <ac:spMkLst>
+            <pc:docMk/>
+            <pc:sldMk cId="2435161017" sldId="284"/>
+            <ac:spMk id="7" creationId="{8C7F1762-0CFF-5936-8CEC-52CA98F18D30}"/>
+          </ac:spMkLst>
+        </pc:spChg>
+        <pc:picChg chg="add mod">
+          <ac:chgData name="Josh Currie-Cook" userId="27abfd07-d9ae-4d78-87f7-24cebb775941" providerId="ADAL" clId="{378AF3DA-1D02-490C-9CEA-1409B58C5F7F}" dt="2023-05-18T09:08:24.613" v="3346" actId="1076"/>
+          <ac:picMkLst>
+            <pc:docMk/>
+            <pc:sldMk cId="2435161017" sldId="284"/>
+            <ac:picMk id="5" creationId="{7E5AD3A9-02D3-FF3B-43AD-93B935CAAA24}"/>
+          </ac:picMkLst>
+        </pc:picChg>
+        <pc:picChg chg="add mod">
+          <ac:chgData name="Josh Currie-Cook" userId="27abfd07-d9ae-4d78-87f7-24cebb775941" providerId="ADAL" clId="{378AF3DA-1D02-490C-9CEA-1409B58C5F7F}" dt="2023-05-18T09:21:46.250" v="3538" actId="1076"/>
+          <ac:picMkLst>
+            <pc:docMk/>
+            <pc:sldMk cId="2435161017" sldId="284"/>
+            <ac:picMk id="9" creationId="{EC40B806-6B85-2CD7-EA34-3C4EFC9ACBBF}"/>
+          </ac:picMkLst>
+        </pc:picChg>
+        <pc:cxnChg chg="add mod">
+          <ac:chgData name="Josh Currie-Cook" userId="27abfd07-d9ae-4d78-87f7-24cebb775941" providerId="ADAL" clId="{378AF3DA-1D02-490C-9CEA-1409B58C5F7F}" dt="2023-05-18T09:22:02.388" v="3542" actId="14100"/>
+          <ac:cxnSpMkLst>
+            <pc:docMk/>
+            <pc:sldMk cId="2435161017" sldId="284"/>
+            <ac:cxnSpMk id="11" creationId="{98C98BFF-9715-0EA8-9198-54DC6E3E1B7E}"/>
+          </ac:cxnSpMkLst>
+        </pc:cxnChg>
+      </pc:sldChg>
+      <pc:sldChg chg="add">
+        <pc:chgData name="Josh Currie-Cook" userId="27abfd07-d9ae-4d78-87f7-24cebb775941" providerId="ADAL" clId="{378AF3DA-1D02-490C-9CEA-1409B58C5F7F}" dt="2023-05-18T08:57:45.048" v="3175" actId="2890"/>
+        <pc:sldMkLst>
+          <pc:docMk/>
+          <pc:sldMk cId="2891531419" sldId="285"/>
+        </pc:sldMkLst>
+      </pc:sldChg>
+      <pc:sldChg chg="new del">
+        <pc:chgData name="Josh Currie-Cook" userId="27abfd07-d9ae-4d78-87f7-24cebb775941" providerId="ADAL" clId="{378AF3DA-1D02-490C-9CEA-1409B58C5F7F}" dt="2023-05-18T08:57:41.503" v="3174" actId="47"/>
+        <pc:sldMkLst>
+          <pc:docMk/>
+          <pc:sldMk cId="2947980002" sldId="285"/>
         </pc:sldMkLst>
       </pc:sldChg>
     </pc:docChg>
@@ -816,7 +1038,7 @@
           <a:p>
             <a:fld id="{F37D28C0-BEB6-42B0-A203-EEE1023219C4}" type="datetimeFigureOut">
               <a:rPr lang="en-NZ" smtClean="0"/>
-              <a:t>15/05/2023</a:t>
+              <a:t>20/05/2023</a:t>
             </a:fld>
             <a:endParaRPr lang="en-NZ"/>
           </a:p>
@@ -1171,6 +1393,115 @@
 </p:notes>
 </file>
 
+<file path=ppt/notesSlides/notesSlide10.xml><?xml version="1.0" encoding="utf-8"?>
+<p:notes xmlns:a="http://schemas.openxmlformats.org/drawingml/2006/main" xmlns:r="http://schemas.openxmlformats.org/officeDocument/2006/relationships" xmlns:p="http://schemas.openxmlformats.org/presentationml/2006/main">
+  <p:cSld>
+    <p:spTree>
+      <p:nvGrpSpPr>
+        <p:cNvPr id="1" name=""/>
+        <p:cNvGrpSpPr/>
+        <p:nvPr/>
+      </p:nvGrpSpPr>
+      <p:grpSpPr>
+        <a:xfrm>
+          <a:off x="0" y="0"/>
+          <a:ext cx="0" cy="0"/>
+          <a:chOff x="0" y="0"/>
+          <a:chExt cx="0" cy="0"/>
+        </a:xfrm>
+      </p:grpSpPr>
+      <p:sp>
+        <p:nvSpPr>
+          <p:cNvPr id="2" name="Slide Image Placeholder 1"/>
+          <p:cNvSpPr>
+            <a:spLocks noGrp="1" noRot="1" noChangeAspect="1"/>
+          </p:cNvSpPr>
+          <p:nvPr>
+            <p:ph type="sldImg"/>
+          </p:nvPr>
+        </p:nvSpPr>
+        <p:spPr/>
+      </p:sp>
+      <p:sp>
+        <p:nvSpPr>
+          <p:cNvPr id="3" name="Notes Placeholder 2"/>
+          <p:cNvSpPr>
+            <a:spLocks noGrp="1"/>
+          </p:cNvSpPr>
+          <p:nvPr>
+            <p:ph type="body" idx="1"/>
+          </p:nvPr>
+        </p:nvSpPr>
+        <p:spPr/>
+        <p:txBody>
+          <a:bodyPr/>
+          <a:lstStyle/>
+          <a:p>
+            <a:pPr marL="0" marR="0" lvl="0" indent="0" algn="l" defTabSz="914400" rtl="0" eaLnBrk="1" fontAlgn="auto" latinLnBrk="0" hangingPunct="1">
+              <a:lnSpc>
+                <a:spcPct val="100000"/>
+              </a:lnSpc>
+              <a:spcBef>
+                <a:spcPts val="0"/>
+              </a:spcBef>
+              <a:spcAft>
+                <a:spcPts val="0"/>
+              </a:spcAft>
+              <a:buClrTx/>
+              <a:buSzTx/>
+              <a:buFontTx/>
+              <a:buNone/>
+              <a:tabLst/>
+              <a:defRPr/>
+            </a:pPr>
+            <a:r>
+              <a:rPr lang="en-NZ" i="1" dirty="0">
+                <a:latin typeface="Arial" panose="020B0604020202020204" pitchFamily="34" charset="0"/>
+              </a:rPr>
+              <a:t>Discuss how the information from planning, testing and trialling of components assisted in the development of a high-quality outcome.</a:t>
+            </a:r>
+          </a:p>
+          <a:p>
+            <a:endParaRPr lang="en-NZ" dirty="0"/>
+          </a:p>
+        </p:txBody>
+      </p:sp>
+      <p:sp>
+        <p:nvSpPr>
+          <p:cNvPr id="4" name="Slide Number Placeholder 3"/>
+          <p:cNvSpPr>
+            <a:spLocks noGrp="1"/>
+          </p:cNvSpPr>
+          <p:nvPr>
+            <p:ph type="sldNum" sz="quarter" idx="5"/>
+          </p:nvPr>
+        </p:nvSpPr>
+        <p:spPr/>
+        <p:txBody>
+          <a:bodyPr/>
+          <a:lstStyle/>
+          <a:p>
+            <a:fld id="{D89B2B17-F4B1-4A14-AF99-5A366D45E74A}" type="slidenum">
+              <a:rPr lang="en-NZ" smtClean="0"/>
+              <a:t>23</a:t>
+            </a:fld>
+            <a:endParaRPr lang="en-NZ"/>
+          </a:p>
+        </p:txBody>
+      </p:sp>
+    </p:spTree>
+    <p:extLst>
+      <p:ext uri="{BB962C8B-B14F-4D97-AF65-F5344CB8AC3E}">
+        <p14:creationId xmlns:p14="http://schemas.microsoft.com/office/powerpoint/2010/main" val="1738331893"/>
+      </p:ext>
+    </p:extLst>
+  </p:cSld>
+  <p:clrMapOvr>
+    <a:masterClrMapping/>
+  </p:clrMapOvr>
+</p:notes>
+</file>
+
 <file path=ppt/notesSlides/notesSlide2.xml><?xml version="1.0" encoding="utf-8"?>
 <p:notes xmlns:a="http://schemas.openxmlformats.org/drawingml/2006/main" xmlns:r="http://schemas.openxmlformats.org/officeDocument/2006/relationships" xmlns:p="http://schemas.openxmlformats.org/presentationml/2006/main">
   <p:cSld>
@@ -1682,22 +2013,7 @@
           <a:bodyPr/>
           <a:lstStyle/>
           <a:p>
-            <a:pPr>
-              <a:lnSpc>
-                <a:spcPct val="115000"/>
-              </a:lnSpc>
-            </a:pPr>
-            <a:r>
-              <a:rPr lang="en-NZ" i="1" dirty="0">
-                <a:latin typeface="Arial" panose="020B0604020202020204" pitchFamily="34" charset="0"/>
-                <a:ea typeface="Arial" panose="020B0604020202020204" pitchFamily="34" charset="0"/>
-              </a:rPr>
-              <a:t>You must show the results of testing. For each component, include a screenshot proving it works.  You can also include notes about each test. </a:t>
-            </a:r>
-            <a:endParaRPr lang="en-NZ" dirty="0">
-              <a:latin typeface="Arial" panose="020B0604020202020204" pitchFamily="34" charset="0"/>
-              <a:ea typeface="Arial" panose="020B0604020202020204" pitchFamily="34" charset="0"/>
-            </a:endParaRPr>
+            <a:endParaRPr lang="en-US" dirty="0"/>
           </a:p>
         </p:txBody>
       </p:sp>
@@ -1718,7 +2034,7 @@
           <a:p>
             <a:fld id="{D89B2B17-F4B1-4A14-AF99-5A366D45E74A}" type="slidenum">
               <a:rPr lang="en-NZ" smtClean="0"/>
-              <a:t>15</a:t>
+              <a:t>16</a:t>
             </a:fld>
             <a:endParaRPr lang="en-NZ"/>
           </a:p>
@@ -1727,7 +2043,7 @@
     </p:spTree>
     <p:extLst>
       <p:ext uri="{BB962C8B-B14F-4D97-AF65-F5344CB8AC3E}">
-        <p14:creationId xmlns:p14="http://schemas.microsoft.com/office/powerpoint/2010/main" val="3683133660"/>
+        <p14:creationId xmlns:p14="http://schemas.microsoft.com/office/powerpoint/2010/main" val="2328219673"/>
       </p:ext>
     </p:extLst>
   </p:cSld>
@@ -1781,31 +2097,22 @@
           <a:bodyPr/>
           <a:lstStyle/>
           <a:p>
-            <a:pPr marL="0" marR="0" lvl="0" indent="0" algn="l" defTabSz="914400" rtl="0" eaLnBrk="1" fontAlgn="auto" latinLnBrk="0" hangingPunct="1">
+            <a:pPr>
               <a:lnSpc>
-                <a:spcPct val="100000"/>
+                <a:spcPct val="115000"/>
               </a:lnSpc>
-              <a:spcBef>
-                <a:spcPts val="0"/>
-              </a:spcBef>
-              <a:spcAft>
-                <a:spcPts val="0"/>
-              </a:spcAft>
-              <a:buClrTx/>
-              <a:buSzTx/>
-              <a:buFontTx/>
-              <a:buNone/>
-              <a:tabLst/>
-              <a:defRPr/>
             </a:pPr>
             <a:r>
               <a:rPr lang="en-NZ" i="1" dirty="0">
                 <a:latin typeface="Arial" panose="020B0604020202020204" pitchFamily="34" charset="0"/>
                 <a:ea typeface="Arial" panose="020B0604020202020204" pitchFamily="34" charset="0"/>
               </a:rPr>
-              <a:t>Show testing for your assembled outcome below.  This should include a test plan followed by screenshot proof.  </a:t>
-            </a:r>
-            <a:endParaRPr lang="en-NZ" dirty="0"/>
+              <a:t>You must show the results of testing. For each component, include a screenshot proving it works.  You can also include notes about each test. </a:t>
+            </a:r>
+            <a:endParaRPr lang="en-NZ" dirty="0">
+              <a:latin typeface="Arial" panose="020B0604020202020204" pitchFamily="34" charset="0"/>
+              <a:ea typeface="Arial" panose="020B0604020202020204" pitchFamily="34" charset="0"/>
+            </a:endParaRPr>
           </a:p>
         </p:txBody>
       </p:sp>
@@ -1826,7 +2133,7 @@
           <a:p>
             <a:fld id="{D89B2B17-F4B1-4A14-AF99-5A366D45E74A}" type="slidenum">
               <a:rPr lang="en-NZ" smtClean="0"/>
-              <a:t>16</a:t>
+              <a:t>19</a:t>
             </a:fld>
             <a:endParaRPr lang="en-NZ"/>
           </a:p>
@@ -1835,7 +2142,7 @@
     </p:spTree>
     <p:extLst>
       <p:ext uri="{BB962C8B-B14F-4D97-AF65-F5344CB8AC3E}">
-        <p14:creationId xmlns:p14="http://schemas.microsoft.com/office/powerpoint/2010/main" val="234755665"/>
+        <p14:creationId xmlns:p14="http://schemas.microsoft.com/office/powerpoint/2010/main" val="3683133660"/>
       </p:ext>
     </p:extLst>
   </p:cSld>
@@ -1911,14 +2218,8 @@
                 <a:latin typeface="Arial" panose="020B0604020202020204" pitchFamily="34" charset="0"/>
                 <a:ea typeface="Arial" panose="020B0604020202020204" pitchFamily="34" charset="0"/>
               </a:rPr>
-              <a:t>Your version control evidence should go here.  This could be in the form of screenshots (both of your GitHub repository as well as your local project folder) as evidence of your incremental development.</a:t>
-            </a:r>
-            <a:endParaRPr lang="en-NZ" dirty="0">
-              <a:latin typeface="Arial" panose="020B0604020202020204" pitchFamily="34" charset="0"/>
-              <a:ea typeface="Arial" panose="020B0604020202020204" pitchFamily="34" charset="0"/>
-            </a:endParaRPr>
-          </a:p>
-          <a:p>
+              <a:t>Show testing for your assembled outcome below.  This should include a test plan followed by screenshot proof.  </a:t>
+            </a:r>
             <a:endParaRPr lang="en-NZ" dirty="0"/>
           </a:p>
         </p:txBody>
@@ -1940,7 +2241,7 @@
           <a:p>
             <a:fld id="{D89B2B17-F4B1-4A14-AF99-5A366D45E74A}" type="slidenum">
               <a:rPr lang="en-NZ" smtClean="0"/>
-              <a:t>18</a:t>
+              <a:t>20</a:t>
             </a:fld>
             <a:endParaRPr lang="en-NZ"/>
           </a:p>
@@ -1949,7 +2250,7 @@
     </p:spTree>
     <p:extLst>
       <p:ext uri="{BB962C8B-B14F-4D97-AF65-F5344CB8AC3E}">
-        <p14:creationId xmlns:p14="http://schemas.microsoft.com/office/powerpoint/2010/main" val="1431557508"/>
+        <p14:creationId xmlns:p14="http://schemas.microsoft.com/office/powerpoint/2010/main" val="234755665"/>
       </p:ext>
     </p:extLst>
   </p:cSld>
@@ -2023,9 +2324,14 @@
             <a:r>
               <a:rPr lang="en-NZ" i="1" dirty="0">
                 <a:latin typeface="Arial" panose="020B0604020202020204" pitchFamily="34" charset="0"/>
+                <a:ea typeface="Arial" panose="020B0604020202020204" pitchFamily="34" charset="0"/>
               </a:rPr>
-              <a:t>Discuss how the information from planning, testing and trialling of components assisted in the development of a high-quality outcome.</a:t>
-            </a:r>
+              <a:t>Your version control evidence should go here.  This could be in the form of screenshots (both of your GitHub repository as well as your local project folder) as evidence of your incremental development.</a:t>
+            </a:r>
+            <a:endParaRPr lang="en-NZ" dirty="0">
+              <a:latin typeface="Arial" panose="020B0604020202020204" pitchFamily="34" charset="0"/>
+              <a:ea typeface="Arial" panose="020B0604020202020204" pitchFamily="34" charset="0"/>
+            </a:endParaRPr>
           </a:p>
           <a:p>
             <a:endParaRPr lang="en-NZ" dirty="0"/>
@@ -2049,7 +2355,7 @@
           <a:p>
             <a:fld id="{D89B2B17-F4B1-4A14-AF99-5A366D45E74A}" type="slidenum">
               <a:rPr lang="en-NZ" smtClean="0"/>
-              <a:t>19</a:t>
+              <a:t>22</a:t>
             </a:fld>
             <a:endParaRPr lang="en-NZ"/>
           </a:p>
@@ -2058,7 +2364,7 @@
     </p:spTree>
     <p:extLst>
       <p:ext uri="{BB962C8B-B14F-4D97-AF65-F5344CB8AC3E}">
-        <p14:creationId xmlns:p14="http://schemas.microsoft.com/office/powerpoint/2010/main" val="1738331893"/>
+        <p14:creationId xmlns:p14="http://schemas.microsoft.com/office/powerpoint/2010/main" val="1431557508"/>
       </p:ext>
     </p:extLst>
   </p:cSld>
@@ -2219,7 +2525,7 @@
           <a:p>
             <a:fld id="{9C4A4F43-1C06-40E6-8F87-8B286982E50E}" type="datetimeFigureOut">
               <a:rPr lang="en-NZ" smtClean="0"/>
-              <a:t>15/05/2023</a:t>
+              <a:t>20/05/2023</a:t>
             </a:fld>
             <a:endParaRPr lang="en-NZ" dirty="0"/>
           </a:p>
@@ -2419,7 +2725,7 @@
           <a:p>
             <a:fld id="{9C4A4F43-1C06-40E6-8F87-8B286982E50E}" type="datetimeFigureOut">
               <a:rPr lang="en-NZ" smtClean="0"/>
-              <a:t>15/05/2023</a:t>
+              <a:t>20/05/2023</a:t>
             </a:fld>
             <a:endParaRPr lang="en-NZ" dirty="0"/>
           </a:p>
@@ -2629,7 +2935,7 @@
           <a:p>
             <a:fld id="{9C4A4F43-1C06-40E6-8F87-8B286982E50E}" type="datetimeFigureOut">
               <a:rPr lang="en-NZ" smtClean="0"/>
-              <a:t>15/05/2023</a:t>
+              <a:t>20/05/2023</a:t>
             </a:fld>
             <a:endParaRPr lang="en-NZ" dirty="0"/>
           </a:p>
@@ -3196,7 +3502,7 @@
           <a:p>
             <a:fld id="{9C4A4F43-1C06-40E6-8F87-8B286982E50E}" type="datetimeFigureOut">
               <a:rPr lang="en-NZ" smtClean="0"/>
-              <a:t>15/05/2023</a:t>
+              <a:t>20/05/2023</a:t>
             </a:fld>
             <a:endParaRPr lang="en-NZ" dirty="0"/>
           </a:p>
@@ -3472,7 +3778,7 @@
           <a:p>
             <a:fld id="{9C4A4F43-1C06-40E6-8F87-8B286982E50E}" type="datetimeFigureOut">
               <a:rPr lang="en-NZ" smtClean="0"/>
-              <a:t>15/05/2023</a:t>
+              <a:t>20/05/2023</a:t>
             </a:fld>
             <a:endParaRPr lang="en-NZ" dirty="0"/>
           </a:p>
@@ -3740,7 +4046,7 @@
           <a:p>
             <a:fld id="{9C4A4F43-1C06-40E6-8F87-8B286982E50E}" type="datetimeFigureOut">
               <a:rPr lang="en-NZ" smtClean="0"/>
-              <a:t>15/05/2023</a:t>
+              <a:t>20/05/2023</a:t>
             </a:fld>
             <a:endParaRPr lang="en-NZ" dirty="0"/>
           </a:p>
@@ -4155,7 +4461,7 @@
           <a:p>
             <a:fld id="{9C4A4F43-1C06-40E6-8F87-8B286982E50E}" type="datetimeFigureOut">
               <a:rPr lang="en-NZ" smtClean="0"/>
-              <a:t>15/05/2023</a:t>
+              <a:t>20/05/2023</a:t>
             </a:fld>
             <a:endParaRPr lang="en-NZ" dirty="0"/>
           </a:p>
@@ -4297,7 +4603,7 @@
           <a:p>
             <a:fld id="{9C4A4F43-1C06-40E6-8F87-8B286982E50E}" type="datetimeFigureOut">
               <a:rPr lang="en-NZ" smtClean="0"/>
-              <a:t>15/05/2023</a:t>
+              <a:t>20/05/2023</a:t>
             </a:fld>
             <a:endParaRPr lang="en-NZ" dirty="0"/>
           </a:p>
@@ -4410,7 +4716,7 @@
           <a:p>
             <a:fld id="{9C4A4F43-1C06-40E6-8F87-8B286982E50E}" type="datetimeFigureOut">
               <a:rPr lang="en-NZ" smtClean="0"/>
-              <a:t>15/05/2023</a:t>
+              <a:t>20/05/2023</a:t>
             </a:fld>
             <a:endParaRPr lang="en-NZ" dirty="0"/>
           </a:p>
@@ -4723,7 +5029,7 @@
           <a:p>
             <a:fld id="{9C4A4F43-1C06-40E6-8F87-8B286982E50E}" type="datetimeFigureOut">
               <a:rPr lang="en-NZ" smtClean="0"/>
-              <a:t>15/05/2023</a:t>
+              <a:t>20/05/2023</a:t>
             </a:fld>
             <a:endParaRPr lang="en-NZ" dirty="0"/>
           </a:p>
@@ -5016,7 +5322,7 @@
           <a:p>
             <a:fld id="{9C4A4F43-1C06-40E6-8F87-8B286982E50E}" type="datetimeFigureOut">
               <a:rPr lang="en-NZ" smtClean="0"/>
-              <a:t>15/05/2023</a:t>
+              <a:t>20/05/2023</a:t>
             </a:fld>
             <a:endParaRPr lang="en-NZ" dirty="0"/>
           </a:p>
@@ -5262,7 +5568,7 @@
           <a:p>
             <a:fld id="{9C4A4F43-1C06-40E6-8F87-8B286982E50E}" type="datetimeFigureOut">
               <a:rPr lang="en-NZ" smtClean="0"/>
-              <a:t>15/05/2023</a:t>
+              <a:t>20/05/2023</a:t>
             </a:fld>
             <a:endParaRPr lang="en-NZ" dirty="0"/>
           </a:p>
@@ -6152,16 +6458,18 @@
         <p:spPr>
           <a:xfrm>
             <a:off x="0" y="0"/>
-            <a:ext cx="6983663" cy="834189"/>
+            <a:ext cx="7144084" cy="834189"/>
           </a:xfrm>
         </p:spPr>
         <p:txBody>
-          <a:bodyPr/>
+          <a:bodyPr>
+            <a:normAutofit fontScale="90000"/>
+          </a:bodyPr>
           <a:lstStyle/>
           <a:p>
             <a:r>
               <a:rPr lang="en-US" dirty="0"/>
-              <a:t>Search for item - Trialing</a:t>
+              <a:t>Search for item – Trialing (v.1)</a:t>
             </a:r>
           </a:p>
         </p:txBody>
@@ -6718,25 +7026,271 @@
         <p:spPr>
           <a:xfrm>
             <a:off x="0" y="0"/>
-            <a:ext cx="6983663" cy="834189"/>
+            <a:ext cx="7956884" cy="834189"/>
           </a:xfrm>
         </p:spPr>
         <p:txBody>
-          <a:bodyPr/>
+          <a:bodyPr>
+            <a:normAutofit/>
+          </a:bodyPr>
           <a:lstStyle/>
           <a:p>
             <a:r>
               <a:rPr lang="en-US" dirty="0"/>
-              <a:t>Search </a:t>
-            </a:r>
-            <a:r>
-              <a:rPr lang="en-US"/>
-              <a:t>for item - Trialling</a:t>
-            </a:r>
-            <a:endParaRPr lang="en-US" dirty="0"/>
-          </a:p>
-        </p:txBody>
-      </p:sp>
+              <a:t>Search for item – </a:t>
+            </a:r>
+            <a:r>
+              <a:rPr lang="en-US" dirty="0" err="1"/>
+              <a:t>Trialling</a:t>
+            </a:r>
+            <a:r>
+              <a:rPr lang="en-US" dirty="0"/>
+              <a:t> (v3)</a:t>
+            </a:r>
+          </a:p>
+        </p:txBody>
+      </p:sp>
+      <p:sp>
+        <p:nvSpPr>
+          <p:cNvPr id="3" name="TextBox 2">
+            <a:extLst>
+              <a:ext uri="{FF2B5EF4-FFF2-40B4-BE49-F238E27FC236}">
+                <a16:creationId xmlns:a16="http://schemas.microsoft.com/office/drawing/2014/main" id="{C617BD04-0AD4-0B02-5A45-C8FA7FB44C0D}"/>
+              </a:ext>
+            </a:extLst>
+          </p:cNvPr>
+          <p:cNvSpPr txBox="1"/>
+          <p:nvPr/>
+        </p:nvSpPr>
+        <p:spPr>
+          <a:xfrm>
+            <a:off x="8656340" y="208547"/>
+            <a:ext cx="3187031" cy="2862322"/>
+          </a:xfrm>
+          <a:prstGeom prst="rect">
+            <a:avLst/>
+          </a:prstGeom>
+          <a:noFill/>
+        </p:spPr>
+        <p:txBody>
+          <a:bodyPr wrap="square" rtlCol="0">
+            <a:spAutoFit/>
+          </a:bodyPr>
+          <a:lstStyle/>
+          <a:p>
+            <a:r>
+              <a:rPr lang="en-US" dirty="0">
+                <a:solidFill>
+                  <a:schemeClr val="bg1"/>
+                </a:solidFill>
+              </a:rPr>
+              <a:t>To make the edit process more intuitive, instead of deleting the whole list and creating it again, therefore getting the user to input all of the values again, I made a process where an </a:t>
+            </a:r>
+            <a:r>
+              <a:rPr lang="en-US" dirty="0" err="1">
+                <a:solidFill>
+                  <a:schemeClr val="bg1"/>
+                </a:solidFill>
+              </a:rPr>
+              <a:t>easygui</a:t>
+            </a:r>
+            <a:r>
+              <a:rPr lang="en-US" dirty="0">
+                <a:solidFill>
+                  <a:schemeClr val="bg1"/>
+                </a:solidFill>
+              </a:rPr>
+              <a:t> prompt will give the user an option on what specific ability to edit, instead of redoing all of the abilities.  </a:t>
+            </a:r>
+          </a:p>
+        </p:txBody>
+      </p:sp>
+      <p:pic>
+        <p:nvPicPr>
+          <p:cNvPr id="5" name="Picture 4">
+            <a:extLst>
+              <a:ext uri="{FF2B5EF4-FFF2-40B4-BE49-F238E27FC236}">
+                <a16:creationId xmlns:a16="http://schemas.microsoft.com/office/drawing/2014/main" id="{BC111DEE-A8CA-06D1-85D8-61CFB7AB59F3}"/>
+              </a:ext>
+            </a:extLst>
+          </p:cNvPr>
+          <p:cNvPicPr>
+            <a:picLocks noChangeAspect="1"/>
+          </p:cNvPicPr>
+          <p:nvPr/>
+        </p:nvPicPr>
+        <p:blipFill>
+          <a:blip r:embed="rId2"/>
+          <a:stretch>
+            <a:fillRect/>
+          </a:stretch>
+        </p:blipFill>
+        <p:spPr>
+          <a:xfrm>
+            <a:off x="510943" y="1166081"/>
+            <a:ext cx="7397528" cy="1637542"/>
+          </a:xfrm>
+          <a:prstGeom prst="rect">
+            <a:avLst/>
+          </a:prstGeom>
+        </p:spPr>
+      </p:pic>
+      <p:pic>
+        <p:nvPicPr>
+          <p:cNvPr id="7" name="Picture 6">
+            <a:extLst>
+              <a:ext uri="{FF2B5EF4-FFF2-40B4-BE49-F238E27FC236}">
+                <a16:creationId xmlns:a16="http://schemas.microsoft.com/office/drawing/2014/main" id="{26EB767B-25B0-AEE7-27B2-AC425490A2B3}"/>
+              </a:ext>
+            </a:extLst>
+          </p:cNvPr>
+          <p:cNvPicPr>
+            <a:picLocks noChangeAspect="1"/>
+          </p:cNvPicPr>
+          <p:nvPr/>
+        </p:nvPicPr>
+        <p:blipFill>
+          <a:blip r:embed="rId3"/>
+          <a:stretch>
+            <a:fillRect/>
+          </a:stretch>
+        </p:blipFill>
+        <p:spPr>
+          <a:xfrm>
+            <a:off x="736914" y="5451119"/>
+            <a:ext cx="5416828" cy="381020"/>
+          </a:xfrm>
+          <a:prstGeom prst="rect">
+            <a:avLst/>
+          </a:prstGeom>
+        </p:spPr>
+      </p:pic>
+      <p:sp>
+        <p:nvSpPr>
+          <p:cNvPr id="8" name="TextBox 7">
+            <a:extLst>
+              <a:ext uri="{FF2B5EF4-FFF2-40B4-BE49-F238E27FC236}">
+                <a16:creationId xmlns:a16="http://schemas.microsoft.com/office/drawing/2014/main" id="{6B7FB806-6D5D-34E6-57A7-123FC3C314C4}"/>
+              </a:ext>
+            </a:extLst>
+          </p:cNvPr>
+          <p:cNvSpPr txBox="1"/>
+          <p:nvPr/>
+        </p:nvSpPr>
+        <p:spPr>
+          <a:xfrm>
+            <a:off x="6983663" y="4814756"/>
+            <a:ext cx="3187031" cy="1754326"/>
+          </a:xfrm>
+          <a:prstGeom prst="rect">
+            <a:avLst/>
+          </a:prstGeom>
+          <a:noFill/>
+        </p:spPr>
+        <p:txBody>
+          <a:bodyPr wrap="square" rtlCol="0">
+            <a:spAutoFit/>
+          </a:bodyPr>
+          <a:lstStyle/>
+          <a:p>
+            <a:r>
+              <a:rPr lang="en-US" dirty="0">
+                <a:solidFill>
+                  <a:schemeClr val="bg1"/>
+                </a:solidFill>
+              </a:rPr>
+              <a:t>However the </a:t>
+            </a:r>
+            <a:r>
+              <a:rPr lang="en-US" dirty="0" err="1">
+                <a:solidFill>
+                  <a:schemeClr val="bg1"/>
+                </a:solidFill>
+              </a:rPr>
+              <a:t>buttonbox</a:t>
+            </a:r>
+            <a:r>
+              <a:rPr lang="en-US" dirty="0">
+                <a:solidFill>
+                  <a:schemeClr val="bg1"/>
+                </a:solidFill>
+              </a:rPr>
+              <a:t> was creating a new entry called ‘Speed’ rather than adding an entry to the existing ‘speed.’ However everything else was working as intended</a:t>
+            </a:r>
+          </a:p>
+        </p:txBody>
+      </p:sp>
+      <p:cxnSp>
+        <p:nvCxnSpPr>
+          <p:cNvPr id="10" name="Straight Arrow Connector 9">
+            <a:extLst>
+              <a:ext uri="{FF2B5EF4-FFF2-40B4-BE49-F238E27FC236}">
+                <a16:creationId xmlns:a16="http://schemas.microsoft.com/office/drawing/2014/main" id="{95794859-283E-64F7-D957-8216B1EFD0A3}"/>
+              </a:ext>
+            </a:extLst>
+          </p:cNvPr>
+          <p:cNvCxnSpPr>
+            <a:cxnSpLocks/>
+          </p:cNvCxnSpPr>
+          <p:nvPr/>
+        </p:nvCxnSpPr>
+        <p:spPr>
+          <a:xfrm flipH="1" flipV="1">
+            <a:off x="5976257" y="5761361"/>
+            <a:ext cx="965583" cy="566921"/>
+          </a:xfrm>
+          <a:prstGeom prst="straightConnector1">
+            <a:avLst/>
+          </a:prstGeom>
+          <a:ln>
+            <a:tailEnd type="triangle"/>
+          </a:ln>
+        </p:spPr>
+        <p:style>
+          <a:lnRef idx="1">
+            <a:schemeClr val="accent1"/>
+          </a:lnRef>
+          <a:fillRef idx="0">
+            <a:schemeClr val="accent1"/>
+          </a:fillRef>
+          <a:effectRef idx="0">
+            <a:schemeClr val="accent1"/>
+          </a:effectRef>
+          <a:fontRef idx="minor">
+            <a:schemeClr val="tx1"/>
+          </a:fontRef>
+        </p:style>
+      </p:cxnSp>
+      <p:pic>
+        <p:nvPicPr>
+          <p:cNvPr id="12" name="Picture 11">
+            <a:extLst>
+              <a:ext uri="{FF2B5EF4-FFF2-40B4-BE49-F238E27FC236}">
+                <a16:creationId xmlns:a16="http://schemas.microsoft.com/office/drawing/2014/main" id="{51CBA397-CA3B-019C-D3D4-9CCE95960304}"/>
+              </a:ext>
+            </a:extLst>
+          </p:cNvPr>
+          <p:cNvPicPr>
+            <a:picLocks noChangeAspect="1"/>
+          </p:cNvPicPr>
+          <p:nvPr/>
+        </p:nvPicPr>
+        <p:blipFill>
+          <a:blip r:embed="rId4"/>
+          <a:stretch>
+            <a:fillRect/>
+          </a:stretch>
+        </p:blipFill>
+        <p:spPr>
+          <a:xfrm>
+            <a:off x="1259258" y="3070869"/>
+            <a:ext cx="3886400" cy="1346269"/>
+          </a:xfrm>
+          <a:prstGeom prst="rect">
+            <a:avLst/>
+          </a:prstGeom>
+        </p:spPr>
+      </p:pic>
     </p:spTree>
     <p:extLst>
       <p:ext uri="{BB962C8B-B14F-4D97-AF65-F5344CB8AC3E}">
@@ -6772,7 +7326,7 @@
           <p:cNvPr id="2" name="Title 1">
             <a:extLst>
               <a:ext uri="{FF2B5EF4-FFF2-40B4-BE49-F238E27FC236}">
-                <a16:creationId xmlns:a16="http://schemas.microsoft.com/office/drawing/2014/main" id="{1CC5D32F-7C18-4D00-8D54-2FB046F0A206}"/>
+                <a16:creationId xmlns:a16="http://schemas.microsoft.com/office/drawing/2014/main" id="{53E13340-61F5-79FD-FC3D-995EF1A3CEF9}"/>
               </a:ext>
             </a:extLst>
           </p:cNvPr>
@@ -6785,29 +7339,144 @@
         </p:nvSpPr>
         <p:spPr>
           <a:xfrm>
-            <a:off x="838200" y="518160"/>
-            <a:ext cx="10515600" cy="562928"/>
+            <a:off x="0" y="0"/>
+            <a:ext cx="6983663" cy="834189"/>
           </a:xfrm>
         </p:spPr>
         <p:txBody>
-          <a:bodyPr>
-            <a:normAutofit fontScale="90000"/>
-          </a:bodyPr>
+          <a:bodyPr/>
           <a:lstStyle/>
           <a:p>
             <a:r>
-              <a:rPr lang="en-NZ" dirty="0"/>
-              <a:t>[Component name]: Testing </a:t>
-            </a:r>
-          </a:p>
-        </p:txBody>
-      </p:sp>
-      <p:sp>
-        <p:nvSpPr>
-          <p:cNvPr id="4" name="TextBox 3">
-            <a:extLst>
-              <a:ext uri="{FF2B5EF4-FFF2-40B4-BE49-F238E27FC236}">
-                <a16:creationId xmlns:a16="http://schemas.microsoft.com/office/drawing/2014/main" id="{8CD07A82-A944-4A9B-9A52-515DAC30878A}"/>
+              <a:rPr lang="en-US" dirty="0"/>
+              <a:t>Search </a:t>
+            </a:r>
+            <a:r>
+              <a:rPr lang="en-US"/>
+              <a:t>for item - Trialling</a:t>
+            </a:r>
+            <a:endParaRPr lang="en-US" dirty="0"/>
+          </a:p>
+        </p:txBody>
+      </p:sp>
+      <p:pic>
+        <p:nvPicPr>
+          <p:cNvPr id="6" name="Picture 5">
+            <a:extLst>
+              <a:ext uri="{FF2B5EF4-FFF2-40B4-BE49-F238E27FC236}">
+                <a16:creationId xmlns:a16="http://schemas.microsoft.com/office/drawing/2014/main" id="{99C3ACD8-0084-5D43-A740-9C26BAA0A294}"/>
+              </a:ext>
+            </a:extLst>
+          </p:cNvPr>
+          <p:cNvPicPr>
+            <a:picLocks noChangeAspect="1"/>
+          </p:cNvPicPr>
+          <p:nvPr/>
+        </p:nvPicPr>
+        <p:blipFill>
+          <a:blip r:embed="rId2"/>
+          <a:stretch>
+            <a:fillRect/>
+          </a:stretch>
+        </p:blipFill>
+        <p:spPr>
+          <a:xfrm>
+            <a:off x="881187" y="1398164"/>
+            <a:ext cx="4889751" cy="222261"/>
+          </a:xfrm>
+          <a:prstGeom prst="rect">
+            <a:avLst/>
+          </a:prstGeom>
+        </p:spPr>
+      </p:pic>
+      <p:pic>
+        <p:nvPicPr>
+          <p:cNvPr id="11" name="Picture 10">
+            <a:extLst>
+              <a:ext uri="{FF2B5EF4-FFF2-40B4-BE49-F238E27FC236}">
+                <a16:creationId xmlns:a16="http://schemas.microsoft.com/office/drawing/2014/main" id="{F9FCFB10-7391-4FED-61EF-47DFB085EC30}"/>
+              </a:ext>
+            </a:extLst>
+          </p:cNvPr>
+          <p:cNvPicPr>
+            <a:picLocks noChangeAspect="1"/>
+          </p:cNvPicPr>
+          <p:nvPr/>
+        </p:nvPicPr>
+        <p:blipFill>
+          <a:blip r:embed="rId3"/>
+          <a:stretch>
+            <a:fillRect/>
+          </a:stretch>
+        </p:blipFill>
+        <p:spPr>
+          <a:xfrm>
+            <a:off x="1007197" y="2128576"/>
+            <a:ext cx="4445228" cy="419122"/>
+          </a:xfrm>
+          <a:prstGeom prst="rect">
+            <a:avLst/>
+          </a:prstGeom>
+        </p:spPr>
+      </p:pic>
+      <p:sp>
+        <p:nvSpPr>
+          <p:cNvPr id="12" name="Oval 11">
+            <a:extLst>
+              <a:ext uri="{FF2B5EF4-FFF2-40B4-BE49-F238E27FC236}">
+                <a16:creationId xmlns:a16="http://schemas.microsoft.com/office/drawing/2014/main" id="{B1FFE9BC-ADB6-6BA7-4A2C-F816C83F933C}"/>
+              </a:ext>
+            </a:extLst>
+          </p:cNvPr>
+          <p:cNvSpPr/>
+          <p:nvPr/>
+        </p:nvSpPr>
+        <p:spPr>
+          <a:xfrm>
+            <a:off x="3326062" y="1229895"/>
+            <a:ext cx="855580" cy="540084"/>
+          </a:xfrm>
+          <a:prstGeom prst="ellipse">
+            <a:avLst/>
+          </a:prstGeom>
+          <a:noFill/>
+          <a:ln w="57150">
+            <a:solidFill>
+              <a:srgbClr val="C00000"/>
+            </a:solidFill>
+          </a:ln>
+        </p:spPr>
+        <p:style>
+          <a:lnRef idx="2">
+            <a:schemeClr val="accent1">
+              <a:shade val="15000"/>
+            </a:schemeClr>
+          </a:lnRef>
+          <a:fillRef idx="1">
+            <a:schemeClr val="accent1"/>
+          </a:fillRef>
+          <a:effectRef idx="0">
+            <a:schemeClr val="accent1"/>
+          </a:effectRef>
+          <a:fontRef idx="minor">
+            <a:schemeClr val="lt1"/>
+          </a:fontRef>
+        </p:style>
+        <p:txBody>
+          <a:bodyPr rtlCol="0" anchor="ctr"/>
+          <a:lstStyle/>
+          <a:p>
+            <a:pPr algn="ctr"/>
+            <a:endParaRPr lang="en-US"/>
+          </a:p>
+        </p:txBody>
+      </p:sp>
+      <p:sp>
+        <p:nvSpPr>
+          <p:cNvPr id="13" name="TextBox 12">
+            <a:extLst>
+              <a:ext uri="{FF2B5EF4-FFF2-40B4-BE49-F238E27FC236}">
+                <a16:creationId xmlns:a16="http://schemas.microsoft.com/office/drawing/2014/main" id="{D886A693-50FB-E44C-31AA-9DFEDAB87E09}"/>
               </a:ext>
             </a:extLst>
           </p:cNvPr>
@@ -6816,8 +7485,8 @@
         </p:nvSpPr>
         <p:spPr>
           <a:xfrm>
-            <a:off x="749300" y="1081088"/>
-            <a:ext cx="10693400" cy="646331"/>
+            <a:off x="6149993" y="1107730"/>
+            <a:ext cx="2502844" cy="923330"/>
           </a:xfrm>
           <a:prstGeom prst="rect">
             <a:avLst/>
@@ -6825,14 +7494,18 @@
           <a:noFill/>
         </p:spPr>
         <p:txBody>
-          <a:bodyPr wrap="square">
+          <a:bodyPr wrap="square" rtlCol="0">
             <a:spAutoFit/>
           </a:bodyPr>
           <a:lstStyle/>
           <a:p>
             <a:r>
-              <a:rPr lang="en-NZ" i="1" dirty="0"/>
-              <a:t>You must show the results of testing. For each component, include a screenshot proving it works.  You can also include notes about each test. </a:t>
+              <a:rPr lang="en-US" dirty="0">
+                <a:solidFill>
+                  <a:schemeClr val="bg1"/>
+                </a:solidFill>
+              </a:rPr>
+              <a:t>Adding a .lower to the end of ability solved the problem</a:t>
             </a:r>
           </a:p>
         </p:txBody>
@@ -6840,7 +7513,7 @@
     </p:spTree>
     <p:extLst>
       <p:ext uri="{BB962C8B-B14F-4D97-AF65-F5344CB8AC3E}">
-        <p14:creationId xmlns:p14="http://schemas.microsoft.com/office/powerpoint/2010/main" val="89592267"/>
+        <p14:creationId xmlns:p14="http://schemas.microsoft.com/office/powerpoint/2010/main" val="3397228397"/>
       </p:ext>
     </p:extLst>
   </p:cSld>
@@ -6872,6 +7545,1080 @@
           <p:cNvPr id="2" name="Title 1">
             <a:extLst>
               <a:ext uri="{FF2B5EF4-FFF2-40B4-BE49-F238E27FC236}">
+                <a16:creationId xmlns:a16="http://schemas.microsoft.com/office/drawing/2014/main" id="{111FFAE1-46B7-13D2-ACF4-4E8491149224}"/>
+              </a:ext>
+            </a:extLst>
+          </p:cNvPr>
+          <p:cNvSpPr>
+            <a:spLocks noGrp="1"/>
+          </p:cNvSpPr>
+          <p:nvPr>
+            <p:ph type="title"/>
+          </p:nvPr>
+        </p:nvSpPr>
+        <p:spPr>
+          <a:xfrm>
+            <a:off x="0" y="0"/>
+            <a:ext cx="10515600" cy="1325563"/>
+          </a:xfrm>
+        </p:spPr>
+        <p:txBody>
+          <a:bodyPr/>
+          <a:lstStyle/>
+          <a:p>
+            <a:r>
+              <a:rPr lang="en-US" dirty="0"/>
+              <a:t>Search for item – </a:t>
+            </a:r>
+            <a:r>
+              <a:rPr lang="en-US" dirty="0" err="1"/>
+              <a:t>Trialling</a:t>
+            </a:r>
+            <a:r>
+              <a:rPr lang="en-US" dirty="0"/>
+              <a:t> (v4) </a:t>
+            </a:r>
+          </a:p>
+        </p:txBody>
+      </p:sp>
+      <p:sp>
+        <p:nvSpPr>
+          <p:cNvPr id="3" name="TextBox 2">
+            <a:extLst>
+              <a:ext uri="{FF2B5EF4-FFF2-40B4-BE49-F238E27FC236}">
+                <a16:creationId xmlns:a16="http://schemas.microsoft.com/office/drawing/2014/main" id="{FB55847B-FA60-9710-5000-2F6FC7A5B0B2}"/>
+              </a:ext>
+            </a:extLst>
+          </p:cNvPr>
+          <p:cNvSpPr txBox="1"/>
+          <p:nvPr/>
+        </p:nvSpPr>
+        <p:spPr>
+          <a:xfrm>
+            <a:off x="7903411" y="1219200"/>
+            <a:ext cx="3641557" cy="1200329"/>
+          </a:xfrm>
+          <a:prstGeom prst="rect">
+            <a:avLst/>
+          </a:prstGeom>
+          <a:noFill/>
+        </p:spPr>
+        <p:txBody>
+          <a:bodyPr wrap="square" rtlCol="0">
+            <a:spAutoFit/>
+          </a:bodyPr>
+          <a:lstStyle/>
+          <a:p>
+            <a:r>
+              <a:rPr lang="en-US" dirty="0">
+                <a:solidFill>
+                  <a:schemeClr val="bg1"/>
+                </a:solidFill>
+              </a:rPr>
+              <a:t>In version 4 of the program component, I created the ability selection buttons to have the amount of ability beside them</a:t>
+            </a:r>
+          </a:p>
+        </p:txBody>
+      </p:sp>
+      <p:pic>
+        <p:nvPicPr>
+          <p:cNvPr id="5" name="Picture 4">
+            <a:extLst>
+              <a:ext uri="{FF2B5EF4-FFF2-40B4-BE49-F238E27FC236}">
+                <a16:creationId xmlns:a16="http://schemas.microsoft.com/office/drawing/2014/main" id="{7E5AD3A9-02D3-FF3B-43AD-93B935CAAA24}"/>
+              </a:ext>
+            </a:extLst>
+          </p:cNvPr>
+          <p:cNvPicPr>
+            <a:picLocks noChangeAspect="1"/>
+          </p:cNvPicPr>
+          <p:nvPr/>
+        </p:nvPicPr>
+        <p:blipFill>
+          <a:blip r:embed="rId3"/>
+          <a:stretch>
+            <a:fillRect/>
+          </a:stretch>
+        </p:blipFill>
+        <p:spPr>
+          <a:xfrm>
+            <a:off x="1793441" y="1613201"/>
+            <a:ext cx="3867349" cy="1257365"/>
+          </a:xfrm>
+          <a:prstGeom prst="rect">
+            <a:avLst/>
+          </a:prstGeom>
+        </p:spPr>
+      </p:pic>
+      <p:sp>
+        <p:nvSpPr>
+          <p:cNvPr id="6" name="Oval 5">
+            <a:extLst>
+              <a:ext uri="{FF2B5EF4-FFF2-40B4-BE49-F238E27FC236}">
+                <a16:creationId xmlns:a16="http://schemas.microsoft.com/office/drawing/2014/main" id="{14AAC234-D282-F7A1-B530-4088F5DC509E}"/>
+              </a:ext>
+            </a:extLst>
+          </p:cNvPr>
+          <p:cNvSpPr/>
+          <p:nvPr/>
+        </p:nvSpPr>
+        <p:spPr>
+          <a:xfrm>
+            <a:off x="5182111" y="2350013"/>
+            <a:ext cx="478679" cy="451037"/>
+          </a:xfrm>
+          <a:prstGeom prst="ellipse">
+            <a:avLst/>
+          </a:prstGeom>
+          <a:noFill/>
+          <a:ln w="57150">
+            <a:solidFill>
+              <a:srgbClr val="C00000"/>
+            </a:solidFill>
+          </a:ln>
+        </p:spPr>
+        <p:style>
+          <a:lnRef idx="2">
+            <a:schemeClr val="accent1">
+              <a:shade val="15000"/>
+            </a:schemeClr>
+          </a:lnRef>
+          <a:fillRef idx="1">
+            <a:schemeClr val="accent1"/>
+          </a:fillRef>
+          <a:effectRef idx="0">
+            <a:schemeClr val="accent1"/>
+          </a:effectRef>
+          <a:fontRef idx="minor">
+            <a:schemeClr val="lt1"/>
+          </a:fontRef>
+        </p:style>
+        <p:txBody>
+          <a:bodyPr rtlCol="0" anchor="ctr"/>
+          <a:lstStyle/>
+          <a:p>
+            <a:pPr algn="ctr"/>
+            <a:endParaRPr lang="en-US"/>
+          </a:p>
+        </p:txBody>
+      </p:sp>
+      <p:sp>
+        <p:nvSpPr>
+          <p:cNvPr id="7" name="TextBox 6">
+            <a:extLst>
+              <a:ext uri="{FF2B5EF4-FFF2-40B4-BE49-F238E27FC236}">
+                <a16:creationId xmlns:a16="http://schemas.microsoft.com/office/drawing/2014/main" id="{8C7F1762-0CFF-5936-8CEC-52CA98F18D30}"/>
+              </a:ext>
+            </a:extLst>
+          </p:cNvPr>
+          <p:cNvSpPr txBox="1"/>
+          <p:nvPr/>
+        </p:nvSpPr>
+        <p:spPr>
+          <a:xfrm>
+            <a:off x="7962231" y="2544763"/>
+            <a:ext cx="3641557" cy="2031325"/>
+          </a:xfrm>
+          <a:prstGeom prst="rect">
+            <a:avLst/>
+          </a:prstGeom>
+          <a:noFill/>
+        </p:spPr>
+        <p:txBody>
+          <a:bodyPr wrap="square" rtlCol="0">
+            <a:spAutoFit/>
+          </a:bodyPr>
+          <a:lstStyle/>
+          <a:p>
+            <a:r>
+              <a:rPr lang="en-US" dirty="0">
+                <a:solidFill>
+                  <a:schemeClr val="bg1"/>
+                </a:solidFill>
+              </a:rPr>
+              <a:t>I achieved this by first splitting the ability and the current number using an </a:t>
+            </a:r>
+            <a:r>
+              <a:rPr lang="en-US" dirty="0" err="1">
+                <a:solidFill>
+                  <a:schemeClr val="bg1"/>
+                </a:solidFill>
+                <a:latin typeface="Consolas" panose="020B0609020204030204" pitchFamily="49" charset="0"/>
+              </a:rPr>
+              <a:t>ability.split</a:t>
+            </a:r>
+            <a:r>
+              <a:rPr lang="en-US" dirty="0">
+                <a:solidFill>
+                  <a:schemeClr val="bg1"/>
+                </a:solidFill>
+                <a:latin typeface="Consolas" panose="020B0609020204030204" pitchFamily="49" charset="0"/>
+              </a:rPr>
+              <a:t> </a:t>
+            </a:r>
+            <a:r>
+              <a:rPr lang="en-US" dirty="0">
+                <a:solidFill>
+                  <a:schemeClr val="bg1"/>
+                </a:solidFill>
+              </a:rPr>
+              <a:t>command.  That split the ability from the associated number.  The lower case made the capital letter at the start of the word lower.</a:t>
+            </a:r>
+            <a:endParaRPr lang="en-US" dirty="0">
+              <a:solidFill>
+                <a:schemeClr val="bg1"/>
+              </a:solidFill>
+              <a:latin typeface="Consolas" panose="020B0609020204030204" pitchFamily="49" charset="0"/>
+            </a:endParaRPr>
+          </a:p>
+        </p:txBody>
+      </p:sp>
+      <p:pic>
+        <p:nvPicPr>
+          <p:cNvPr id="9" name="Picture 8">
+            <a:extLst>
+              <a:ext uri="{FF2B5EF4-FFF2-40B4-BE49-F238E27FC236}">
+                <a16:creationId xmlns:a16="http://schemas.microsoft.com/office/drawing/2014/main" id="{EC40B806-6B85-2CD7-EA34-3C4EFC9ACBBF}"/>
+              </a:ext>
+            </a:extLst>
+          </p:cNvPr>
+          <p:cNvPicPr>
+            <a:picLocks noChangeAspect="1"/>
+          </p:cNvPicPr>
+          <p:nvPr/>
+        </p:nvPicPr>
+        <p:blipFill>
+          <a:blip r:embed="rId4"/>
+          <a:stretch>
+            <a:fillRect/>
+          </a:stretch>
+        </p:blipFill>
+        <p:spPr>
+          <a:xfrm>
+            <a:off x="245339" y="4660006"/>
+            <a:ext cx="8326494" cy="1573965"/>
+          </a:xfrm>
+          <a:prstGeom prst="rect">
+            <a:avLst/>
+          </a:prstGeom>
+        </p:spPr>
+      </p:pic>
+      <p:cxnSp>
+        <p:nvCxnSpPr>
+          <p:cNvPr id="11" name="Straight Arrow Connector 10">
+            <a:extLst>
+              <a:ext uri="{FF2B5EF4-FFF2-40B4-BE49-F238E27FC236}">
+                <a16:creationId xmlns:a16="http://schemas.microsoft.com/office/drawing/2014/main" id="{98C98BFF-9715-0EA8-9198-54DC6E3E1B7E}"/>
+              </a:ext>
+            </a:extLst>
+          </p:cNvPr>
+          <p:cNvCxnSpPr>
+            <a:cxnSpLocks/>
+          </p:cNvCxnSpPr>
+          <p:nvPr/>
+        </p:nvCxnSpPr>
+        <p:spPr>
+          <a:xfrm flipH="1">
+            <a:off x="2342147" y="4422274"/>
+            <a:ext cx="7005053" cy="1128294"/>
+          </a:xfrm>
+          <a:prstGeom prst="straightConnector1">
+            <a:avLst/>
+          </a:prstGeom>
+          <a:ln>
+            <a:tailEnd type="triangle"/>
+          </a:ln>
+        </p:spPr>
+        <p:style>
+          <a:lnRef idx="1">
+            <a:schemeClr val="accent1"/>
+          </a:lnRef>
+          <a:fillRef idx="0">
+            <a:schemeClr val="accent1"/>
+          </a:fillRef>
+          <a:effectRef idx="0">
+            <a:schemeClr val="accent1"/>
+          </a:effectRef>
+          <a:fontRef idx="minor">
+            <a:schemeClr val="tx1"/>
+          </a:fontRef>
+        </p:style>
+      </p:cxnSp>
+    </p:spTree>
+    <p:extLst>
+      <p:ext uri="{BB962C8B-B14F-4D97-AF65-F5344CB8AC3E}">
+        <p14:creationId xmlns:p14="http://schemas.microsoft.com/office/powerpoint/2010/main" val="2435161017"/>
+      </p:ext>
+    </p:extLst>
+  </p:cSld>
+  <p:clrMapOvr>
+    <a:masterClrMapping/>
+  </p:clrMapOvr>
+</p:sld>
+</file>
+
+<file path=ppt/slides/slide17.xml><?xml version="1.0" encoding="utf-8"?>
+<p:sld xmlns:a="http://schemas.openxmlformats.org/drawingml/2006/main" xmlns:r="http://schemas.openxmlformats.org/officeDocument/2006/relationships" xmlns:p="http://schemas.openxmlformats.org/presentationml/2006/main">
+  <p:cSld>
+    <p:spTree>
+      <p:nvGrpSpPr>
+        <p:cNvPr id="1" name=""/>
+        <p:cNvGrpSpPr/>
+        <p:nvPr/>
+      </p:nvGrpSpPr>
+      <p:grpSpPr>
+        <a:xfrm>
+          <a:off x="0" y="0"/>
+          <a:ext cx="0" cy="0"/>
+          <a:chOff x="0" y="0"/>
+          <a:chExt cx="0" cy="0"/>
+        </a:xfrm>
+      </p:grpSpPr>
+      <p:sp>
+        <p:nvSpPr>
+          <p:cNvPr id="2" name="Title 1">
+            <a:extLst>
+              <a:ext uri="{FF2B5EF4-FFF2-40B4-BE49-F238E27FC236}">
+                <a16:creationId xmlns:a16="http://schemas.microsoft.com/office/drawing/2014/main" id="{111FFAE1-46B7-13D2-ACF4-4E8491149224}"/>
+              </a:ext>
+            </a:extLst>
+          </p:cNvPr>
+          <p:cNvSpPr>
+            <a:spLocks noGrp="1"/>
+          </p:cNvSpPr>
+          <p:nvPr>
+            <p:ph type="title"/>
+          </p:nvPr>
+        </p:nvSpPr>
+        <p:spPr>
+          <a:xfrm>
+            <a:off x="0" y="0"/>
+            <a:ext cx="10515600" cy="1325563"/>
+          </a:xfrm>
+        </p:spPr>
+        <p:txBody>
+          <a:bodyPr/>
+          <a:lstStyle/>
+          <a:p>
+            <a:r>
+              <a:rPr lang="en-US" dirty="0"/>
+              <a:t>Search for item - </a:t>
+            </a:r>
+            <a:r>
+              <a:rPr lang="en-US" dirty="0" err="1"/>
+              <a:t>Trialling</a:t>
+            </a:r>
+            <a:endParaRPr lang="en-US" dirty="0"/>
+          </a:p>
+        </p:txBody>
+      </p:sp>
+    </p:spTree>
+    <p:extLst>
+      <p:ext uri="{BB962C8B-B14F-4D97-AF65-F5344CB8AC3E}">
+        <p14:creationId xmlns:p14="http://schemas.microsoft.com/office/powerpoint/2010/main" val="2891531419"/>
+      </p:ext>
+    </p:extLst>
+  </p:cSld>
+  <p:clrMapOvr>
+    <a:masterClrMapping/>
+  </p:clrMapOvr>
+</p:sld>
+</file>
+
+<file path=ppt/slides/slide18.xml><?xml version="1.0" encoding="utf-8"?>
+<p:sld xmlns:a="http://schemas.openxmlformats.org/drawingml/2006/main" xmlns:r="http://schemas.openxmlformats.org/officeDocument/2006/relationships" xmlns:p="http://schemas.openxmlformats.org/presentationml/2006/main">
+  <p:cSld>
+    <p:spTree>
+      <p:nvGrpSpPr>
+        <p:cNvPr id="1" name=""/>
+        <p:cNvGrpSpPr/>
+        <p:nvPr/>
+      </p:nvGrpSpPr>
+      <p:grpSpPr>
+        <a:xfrm>
+          <a:off x="0" y="0"/>
+          <a:ext cx="0" cy="0"/>
+          <a:chOff x="0" y="0"/>
+          <a:chExt cx="0" cy="0"/>
+        </a:xfrm>
+      </p:grpSpPr>
+      <p:sp>
+        <p:nvSpPr>
+          <p:cNvPr id="2" name="Title 1">
+            <a:extLst>
+              <a:ext uri="{FF2B5EF4-FFF2-40B4-BE49-F238E27FC236}">
+                <a16:creationId xmlns:a16="http://schemas.microsoft.com/office/drawing/2014/main" id="{F2DB5BE7-3DD7-56EE-29A1-C8E64EF6B8EF}"/>
+              </a:ext>
+            </a:extLst>
+          </p:cNvPr>
+          <p:cNvSpPr>
+            <a:spLocks noGrp="1"/>
+          </p:cNvSpPr>
+          <p:nvPr>
+            <p:ph type="title"/>
+          </p:nvPr>
+        </p:nvSpPr>
+        <p:spPr/>
+        <p:txBody>
+          <a:bodyPr/>
+          <a:lstStyle/>
+          <a:p>
+            <a:endParaRPr lang="en-US"/>
+          </a:p>
+        </p:txBody>
+      </p:sp>
+    </p:spTree>
+    <p:extLst>
+      <p:ext uri="{BB962C8B-B14F-4D97-AF65-F5344CB8AC3E}">
+        <p14:creationId xmlns:p14="http://schemas.microsoft.com/office/powerpoint/2010/main" val="2793982042"/>
+      </p:ext>
+    </p:extLst>
+  </p:cSld>
+  <p:clrMapOvr>
+    <a:masterClrMapping/>
+  </p:clrMapOvr>
+</p:sld>
+</file>
+
+<file path=ppt/slides/slide19.xml><?xml version="1.0" encoding="utf-8"?>
+<p:sld xmlns:a="http://schemas.openxmlformats.org/drawingml/2006/main" xmlns:r="http://schemas.openxmlformats.org/officeDocument/2006/relationships" xmlns:p="http://schemas.openxmlformats.org/presentationml/2006/main">
+  <p:cSld>
+    <p:spTree>
+      <p:nvGrpSpPr>
+        <p:cNvPr id="1" name=""/>
+        <p:cNvGrpSpPr/>
+        <p:nvPr/>
+      </p:nvGrpSpPr>
+      <p:grpSpPr>
+        <a:xfrm>
+          <a:off x="0" y="0"/>
+          <a:ext cx="0" cy="0"/>
+          <a:chOff x="0" y="0"/>
+          <a:chExt cx="0" cy="0"/>
+        </a:xfrm>
+      </p:grpSpPr>
+      <p:sp>
+        <p:nvSpPr>
+          <p:cNvPr id="2" name="Title 1">
+            <a:extLst>
+              <a:ext uri="{FF2B5EF4-FFF2-40B4-BE49-F238E27FC236}">
+                <a16:creationId xmlns:a16="http://schemas.microsoft.com/office/drawing/2014/main" id="{1CC5D32F-7C18-4D00-8D54-2FB046F0A206}"/>
+              </a:ext>
+            </a:extLst>
+          </p:cNvPr>
+          <p:cNvSpPr>
+            <a:spLocks noGrp="1"/>
+          </p:cNvSpPr>
+          <p:nvPr>
+            <p:ph type="title"/>
+          </p:nvPr>
+        </p:nvSpPr>
+        <p:spPr>
+          <a:xfrm>
+            <a:off x="838200" y="518160"/>
+            <a:ext cx="10515600" cy="562928"/>
+          </a:xfrm>
+        </p:spPr>
+        <p:txBody>
+          <a:bodyPr>
+            <a:normAutofit fontScale="90000"/>
+          </a:bodyPr>
+          <a:lstStyle/>
+          <a:p>
+            <a:r>
+              <a:rPr lang="en-NZ" dirty="0"/>
+              <a:t>[Component name]: Testing </a:t>
+            </a:r>
+          </a:p>
+        </p:txBody>
+      </p:sp>
+      <p:sp>
+        <p:nvSpPr>
+          <p:cNvPr id="4" name="TextBox 3">
+            <a:extLst>
+              <a:ext uri="{FF2B5EF4-FFF2-40B4-BE49-F238E27FC236}">
+                <a16:creationId xmlns:a16="http://schemas.microsoft.com/office/drawing/2014/main" id="{8CD07A82-A944-4A9B-9A52-515DAC30878A}"/>
+              </a:ext>
+            </a:extLst>
+          </p:cNvPr>
+          <p:cNvSpPr txBox="1"/>
+          <p:nvPr/>
+        </p:nvSpPr>
+        <p:spPr>
+          <a:xfrm>
+            <a:off x="749300" y="1081088"/>
+            <a:ext cx="10693400" cy="646331"/>
+          </a:xfrm>
+          <a:prstGeom prst="rect">
+            <a:avLst/>
+          </a:prstGeom>
+          <a:noFill/>
+        </p:spPr>
+        <p:txBody>
+          <a:bodyPr wrap="square">
+            <a:spAutoFit/>
+          </a:bodyPr>
+          <a:lstStyle/>
+          <a:p>
+            <a:r>
+              <a:rPr lang="en-NZ" i="1" dirty="0"/>
+              <a:t>You must show the results of testing. For each component, include a screenshot proving it works.  You can also include notes about each test. </a:t>
+            </a:r>
+          </a:p>
+        </p:txBody>
+      </p:sp>
+    </p:spTree>
+    <p:extLst>
+      <p:ext uri="{BB962C8B-B14F-4D97-AF65-F5344CB8AC3E}">
+        <p14:creationId xmlns:p14="http://schemas.microsoft.com/office/powerpoint/2010/main" val="89592267"/>
+      </p:ext>
+    </p:extLst>
+  </p:cSld>
+  <p:clrMapOvr>
+    <a:masterClrMapping/>
+  </p:clrMapOvr>
+</p:sld>
+</file>
+
+<file path=ppt/slides/slide2.xml><?xml version="1.0" encoding="utf-8"?>
+<p:sld xmlns:a="http://schemas.openxmlformats.org/drawingml/2006/main" xmlns:r="http://schemas.openxmlformats.org/officeDocument/2006/relationships" xmlns:p="http://schemas.openxmlformats.org/presentationml/2006/main">
+  <p:cSld>
+    <p:spTree>
+      <p:nvGrpSpPr>
+        <p:cNvPr id="1" name=""/>
+        <p:cNvGrpSpPr/>
+        <p:nvPr/>
+      </p:nvGrpSpPr>
+      <p:grpSpPr>
+        <a:xfrm>
+          <a:off x="0" y="0"/>
+          <a:ext cx="0" cy="0"/>
+          <a:chOff x="0" y="0"/>
+          <a:chExt cx="0" cy="0"/>
+        </a:xfrm>
+      </p:grpSpPr>
+      <p:sp>
+        <p:nvSpPr>
+          <p:cNvPr id="2" name="Title 1">
+            <a:extLst>
+              <a:ext uri="{FF2B5EF4-FFF2-40B4-BE49-F238E27FC236}">
+                <a16:creationId xmlns:a16="http://schemas.microsoft.com/office/drawing/2014/main" id="{0D168B5A-EFF4-4803-8DA6-5994B306EBAF}"/>
+              </a:ext>
+            </a:extLst>
+          </p:cNvPr>
+          <p:cNvSpPr>
+            <a:spLocks noGrp="1"/>
+          </p:cNvSpPr>
+          <p:nvPr>
+            <p:ph type="title"/>
+          </p:nvPr>
+        </p:nvSpPr>
+        <p:spPr/>
+        <p:txBody>
+          <a:bodyPr/>
+          <a:lstStyle/>
+          <a:p>
+            <a:r>
+              <a:rPr lang="en-NZ" b="1" dirty="0"/>
+              <a:t>[Overtype this with your program name]</a:t>
+            </a:r>
+            <a:endParaRPr lang="en-NZ" dirty="0"/>
+          </a:p>
+        </p:txBody>
+      </p:sp>
+      <p:sp>
+        <p:nvSpPr>
+          <p:cNvPr id="4" name="Google Shape;55;p13">
+            <a:extLst>
+              <a:ext uri="{FF2B5EF4-FFF2-40B4-BE49-F238E27FC236}">
+                <a16:creationId xmlns:a16="http://schemas.microsoft.com/office/drawing/2014/main" id="{F7FB308A-232B-4B31-A59D-BD561ECFBE8B}"/>
+              </a:ext>
+            </a:extLst>
+          </p:cNvPr>
+          <p:cNvSpPr txBox="1">
+            <a:spLocks/>
+          </p:cNvSpPr>
+          <p:nvPr/>
+        </p:nvSpPr>
+        <p:spPr>
+          <a:xfrm>
+            <a:off x="1039803" y="1914474"/>
+            <a:ext cx="10074077" cy="3634627"/>
+          </a:xfrm>
+          <a:prstGeom prst="rect">
+            <a:avLst/>
+          </a:prstGeom>
+          <a:solidFill>
+            <a:srgbClr val="D9EAD3"/>
+          </a:solidFill>
+          <a:ln w="28575" cap="flat" cmpd="sng">
+            <a:solidFill>
+              <a:srgbClr val="274E13"/>
+            </a:solidFill>
+            <a:prstDash val="solid"/>
+            <a:round/>
+            <a:headEnd type="none" w="sm" len="sm"/>
+            <a:tailEnd type="none" w="sm" len="sm"/>
+          </a:ln>
+        </p:spPr>
+        <p:txBody>
+          <a:bodyPr spcFirstLastPara="1" wrap="square" lIns="91425" tIns="91425" rIns="91425" bIns="91425" anchor="t" anchorCtr="0">
+            <a:noAutofit/>
+          </a:bodyPr>
+          <a:lstStyle>
+            <a:lvl1pPr marL="228600" indent="-228600" algn="l" defTabSz="914400" rtl="0" eaLnBrk="1" latinLnBrk="0" hangingPunct="1">
+              <a:lnSpc>
+                <a:spcPct val="90000"/>
+              </a:lnSpc>
+              <a:spcBef>
+                <a:spcPts val="1000"/>
+              </a:spcBef>
+              <a:buFont typeface="Arial" panose="020B0604020202020204" pitchFamily="34" charset="0"/>
+              <a:buChar char="•"/>
+              <a:defRPr sz="2800" kern="1200">
+                <a:solidFill>
+                  <a:schemeClr val="tx1"/>
+                </a:solidFill>
+                <a:latin typeface="+mn-lt"/>
+                <a:ea typeface="+mn-ea"/>
+                <a:cs typeface="+mn-cs"/>
+              </a:defRPr>
+            </a:lvl1pPr>
+            <a:lvl2pPr marL="685800" indent="-228600" algn="l" defTabSz="914400" rtl="0" eaLnBrk="1" latinLnBrk="0" hangingPunct="1">
+              <a:lnSpc>
+                <a:spcPct val="90000"/>
+              </a:lnSpc>
+              <a:spcBef>
+                <a:spcPts val="500"/>
+              </a:spcBef>
+              <a:buFont typeface="Arial" panose="020B0604020202020204" pitchFamily="34" charset="0"/>
+              <a:buChar char="•"/>
+              <a:defRPr sz="2400" kern="1200">
+                <a:solidFill>
+                  <a:schemeClr val="tx1"/>
+                </a:solidFill>
+                <a:latin typeface="+mn-lt"/>
+                <a:ea typeface="+mn-ea"/>
+                <a:cs typeface="+mn-cs"/>
+              </a:defRPr>
+            </a:lvl2pPr>
+            <a:lvl3pPr marL="1143000" indent="-228600" algn="l" defTabSz="914400" rtl="0" eaLnBrk="1" latinLnBrk="0" hangingPunct="1">
+              <a:lnSpc>
+                <a:spcPct val="90000"/>
+              </a:lnSpc>
+              <a:spcBef>
+                <a:spcPts val="500"/>
+              </a:spcBef>
+              <a:buFont typeface="Arial" panose="020B0604020202020204" pitchFamily="34" charset="0"/>
+              <a:buChar char="•"/>
+              <a:defRPr sz="2000" kern="1200">
+                <a:solidFill>
+                  <a:schemeClr val="tx1"/>
+                </a:solidFill>
+                <a:latin typeface="+mn-lt"/>
+                <a:ea typeface="+mn-ea"/>
+                <a:cs typeface="+mn-cs"/>
+              </a:defRPr>
+            </a:lvl3pPr>
+            <a:lvl4pPr marL="1600200" indent="-228600" algn="l" defTabSz="914400" rtl="0" eaLnBrk="1" latinLnBrk="0" hangingPunct="1">
+              <a:lnSpc>
+                <a:spcPct val="90000"/>
+              </a:lnSpc>
+              <a:spcBef>
+                <a:spcPts val="500"/>
+              </a:spcBef>
+              <a:buFont typeface="Arial" panose="020B0604020202020204" pitchFamily="34" charset="0"/>
+              <a:buChar char="•"/>
+              <a:defRPr sz="1800" kern="1200">
+                <a:solidFill>
+                  <a:schemeClr val="tx1"/>
+                </a:solidFill>
+                <a:latin typeface="+mn-lt"/>
+                <a:ea typeface="+mn-ea"/>
+                <a:cs typeface="+mn-cs"/>
+              </a:defRPr>
+            </a:lvl4pPr>
+            <a:lvl5pPr marL="2057400" indent="-228600" algn="l" defTabSz="914400" rtl="0" eaLnBrk="1" latinLnBrk="0" hangingPunct="1">
+              <a:lnSpc>
+                <a:spcPct val="90000"/>
+              </a:lnSpc>
+              <a:spcBef>
+                <a:spcPts val="500"/>
+              </a:spcBef>
+              <a:buFont typeface="Arial" panose="020B0604020202020204" pitchFamily="34" charset="0"/>
+              <a:buChar char="•"/>
+              <a:defRPr sz="1800" kern="1200">
+                <a:solidFill>
+                  <a:schemeClr val="tx1"/>
+                </a:solidFill>
+                <a:latin typeface="+mn-lt"/>
+                <a:ea typeface="+mn-ea"/>
+                <a:cs typeface="+mn-cs"/>
+              </a:defRPr>
+            </a:lvl5pPr>
+            <a:lvl6pPr marL="2514600" indent="-228600" algn="l" defTabSz="914400" rtl="0" eaLnBrk="1" latinLnBrk="0" hangingPunct="1">
+              <a:lnSpc>
+                <a:spcPct val="90000"/>
+              </a:lnSpc>
+              <a:spcBef>
+                <a:spcPts val="500"/>
+              </a:spcBef>
+              <a:buFont typeface="Arial" panose="020B0604020202020204" pitchFamily="34" charset="0"/>
+              <a:buChar char="•"/>
+              <a:defRPr sz="1800" kern="1200">
+                <a:solidFill>
+                  <a:schemeClr val="tx1"/>
+                </a:solidFill>
+                <a:latin typeface="+mn-lt"/>
+                <a:ea typeface="+mn-ea"/>
+                <a:cs typeface="+mn-cs"/>
+              </a:defRPr>
+            </a:lvl6pPr>
+            <a:lvl7pPr marL="2971800" indent="-228600" algn="l" defTabSz="914400" rtl="0" eaLnBrk="1" latinLnBrk="0" hangingPunct="1">
+              <a:lnSpc>
+                <a:spcPct val="90000"/>
+              </a:lnSpc>
+              <a:spcBef>
+                <a:spcPts val="500"/>
+              </a:spcBef>
+              <a:buFont typeface="Arial" panose="020B0604020202020204" pitchFamily="34" charset="0"/>
+              <a:buChar char="•"/>
+              <a:defRPr sz="1800" kern="1200">
+                <a:solidFill>
+                  <a:schemeClr val="tx1"/>
+                </a:solidFill>
+                <a:latin typeface="+mn-lt"/>
+                <a:ea typeface="+mn-ea"/>
+                <a:cs typeface="+mn-cs"/>
+              </a:defRPr>
+            </a:lvl7pPr>
+            <a:lvl8pPr marL="3429000" indent="-228600" algn="l" defTabSz="914400" rtl="0" eaLnBrk="1" latinLnBrk="0" hangingPunct="1">
+              <a:lnSpc>
+                <a:spcPct val="90000"/>
+              </a:lnSpc>
+              <a:spcBef>
+                <a:spcPts val="500"/>
+              </a:spcBef>
+              <a:buFont typeface="Arial" panose="020B0604020202020204" pitchFamily="34" charset="0"/>
+              <a:buChar char="•"/>
+              <a:defRPr sz="1800" kern="1200">
+                <a:solidFill>
+                  <a:schemeClr val="tx1"/>
+                </a:solidFill>
+                <a:latin typeface="+mn-lt"/>
+                <a:ea typeface="+mn-ea"/>
+                <a:cs typeface="+mn-cs"/>
+              </a:defRPr>
+            </a:lvl8pPr>
+            <a:lvl9pPr marL="3886200" indent="-228600" algn="l" defTabSz="914400" rtl="0" eaLnBrk="1" latinLnBrk="0" hangingPunct="1">
+              <a:lnSpc>
+                <a:spcPct val="90000"/>
+              </a:lnSpc>
+              <a:spcBef>
+                <a:spcPts val="500"/>
+              </a:spcBef>
+              <a:buFont typeface="Arial" panose="020B0604020202020204" pitchFamily="34" charset="0"/>
+              <a:buChar char="•"/>
+              <a:defRPr sz="1800" kern="1200">
+                <a:solidFill>
+                  <a:schemeClr val="tx1"/>
+                </a:solidFill>
+                <a:latin typeface="+mn-lt"/>
+                <a:ea typeface="+mn-ea"/>
+                <a:cs typeface="+mn-cs"/>
+              </a:defRPr>
+            </a:lvl9pPr>
+          </a:lstStyle>
+          <a:p>
+            <a:pPr marL="0" indent="0">
+              <a:lnSpc>
+                <a:spcPct val="100000"/>
+              </a:lnSpc>
+              <a:spcBef>
+                <a:spcPts val="0"/>
+              </a:spcBef>
+              <a:buClr>
+                <a:schemeClr val="dk1"/>
+              </a:buClr>
+              <a:buSzPts val="1100"/>
+              <a:buFont typeface="Arial"/>
+              <a:buNone/>
+            </a:pPr>
+            <a:r>
+              <a:rPr lang="en-NZ" sz="2000" b="1" dirty="0">
+                <a:solidFill>
+                  <a:srgbClr val="274E13"/>
+                </a:solidFill>
+              </a:rPr>
+              <a:t>Link to GitHub Repository:   </a:t>
+            </a:r>
+            <a:r>
+              <a:rPr lang="en-US" sz="2000" dirty="0">
+                <a:hlinkClick r:id="rId2"/>
+              </a:rPr>
+              <a:t>Joepapa101/2.7---2.8-Assessment (github.com)</a:t>
+            </a:r>
+            <a:endParaRPr lang="en-NZ" sz="2000" dirty="0">
+              <a:solidFill>
+                <a:srgbClr val="274E13"/>
+              </a:solidFill>
+            </a:endParaRPr>
+          </a:p>
+          <a:p>
+            <a:pPr marL="0" indent="0">
+              <a:lnSpc>
+                <a:spcPct val="100000"/>
+              </a:lnSpc>
+              <a:spcBef>
+                <a:spcPts val="0"/>
+              </a:spcBef>
+              <a:buClr>
+                <a:schemeClr val="dk1"/>
+              </a:buClr>
+              <a:buSzPts val="1100"/>
+              <a:buNone/>
+            </a:pPr>
+            <a:endParaRPr lang="en-NZ" sz="2000" b="1" dirty="0">
+              <a:solidFill>
+                <a:srgbClr val="274E13"/>
+              </a:solidFill>
+            </a:endParaRPr>
+          </a:p>
+          <a:p>
+            <a:pPr marL="0" indent="0">
+              <a:lnSpc>
+                <a:spcPct val="100000"/>
+              </a:lnSpc>
+              <a:spcBef>
+                <a:spcPts val="0"/>
+              </a:spcBef>
+              <a:buClr>
+                <a:schemeClr val="dk1"/>
+              </a:buClr>
+              <a:buSzPts val="1100"/>
+              <a:buNone/>
+            </a:pPr>
+            <a:endParaRPr lang="en-NZ" sz="2000" b="1" dirty="0">
+              <a:solidFill>
+                <a:srgbClr val="274E13"/>
+              </a:solidFill>
+            </a:endParaRPr>
+          </a:p>
+          <a:p>
+            <a:pPr marL="0" indent="0">
+              <a:lnSpc>
+                <a:spcPct val="100000"/>
+              </a:lnSpc>
+              <a:spcBef>
+                <a:spcPts val="0"/>
+              </a:spcBef>
+              <a:buClr>
+                <a:schemeClr val="dk1"/>
+              </a:buClr>
+              <a:buSzPts val="1100"/>
+              <a:buNone/>
+            </a:pPr>
+            <a:endParaRPr lang="en-NZ" sz="2000" b="1" dirty="0">
+              <a:solidFill>
+                <a:srgbClr val="274E13"/>
+              </a:solidFill>
+            </a:endParaRPr>
+          </a:p>
+          <a:p>
+            <a:pPr marL="0" indent="0">
+              <a:lnSpc>
+                <a:spcPct val="100000"/>
+              </a:lnSpc>
+              <a:spcBef>
+                <a:spcPts val="0"/>
+              </a:spcBef>
+              <a:buClr>
+                <a:schemeClr val="dk1"/>
+              </a:buClr>
+              <a:buSzPts val="1100"/>
+              <a:buNone/>
+            </a:pPr>
+            <a:r>
+              <a:rPr lang="en-NZ" sz="2000" b="1" dirty="0">
+                <a:solidFill>
+                  <a:srgbClr val="274E13"/>
+                </a:solidFill>
+              </a:rPr>
+              <a:t>Links to Trello board / project management tools: </a:t>
+            </a:r>
+            <a:r>
+              <a:rPr lang="en-US" sz="2000" dirty="0">
+                <a:hlinkClick r:id="rId3"/>
+              </a:rPr>
+              <a:t>Monster Card Decomposition | Trello</a:t>
+            </a:r>
+            <a:endParaRPr lang="en-NZ" sz="2000" b="1" dirty="0">
+              <a:solidFill>
+                <a:srgbClr val="274E13"/>
+              </a:solidFill>
+            </a:endParaRPr>
+          </a:p>
+          <a:p>
+            <a:pPr marL="0" indent="0">
+              <a:lnSpc>
+                <a:spcPct val="100000"/>
+              </a:lnSpc>
+              <a:spcBef>
+                <a:spcPts val="0"/>
+              </a:spcBef>
+              <a:buClr>
+                <a:schemeClr val="dk1"/>
+              </a:buClr>
+              <a:buSzPts val="1100"/>
+              <a:buNone/>
+            </a:pPr>
+            <a:endParaRPr lang="en-NZ" sz="2000" b="1" dirty="0">
+              <a:solidFill>
+                <a:srgbClr val="274E13"/>
+              </a:solidFill>
+            </a:endParaRPr>
+          </a:p>
+          <a:p>
+            <a:pPr marL="0" indent="0">
+              <a:lnSpc>
+                <a:spcPct val="100000"/>
+              </a:lnSpc>
+              <a:spcBef>
+                <a:spcPts val="0"/>
+              </a:spcBef>
+              <a:buClr>
+                <a:schemeClr val="dk1"/>
+              </a:buClr>
+              <a:buSzPts val="1100"/>
+              <a:buNone/>
+            </a:pPr>
+            <a:endParaRPr lang="en-NZ" sz="2000" b="1" dirty="0">
+              <a:solidFill>
+                <a:srgbClr val="274E13"/>
+              </a:solidFill>
+            </a:endParaRPr>
+          </a:p>
+          <a:p>
+            <a:pPr marL="0" indent="0">
+              <a:lnSpc>
+                <a:spcPct val="100000"/>
+              </a:lnSpc>
+              <a:spcBef>
+                <a:spcPts val="0"/>
+              </a:spcBef>
+              <a:buClr>
+                <a:schemeClr val="dk1"/>
+              </a:buClr>
+              <a:buSzPts val="1100"/>
+              <a:buNone/>
+            </a:pPr>
+            <a:endParaRPr lang="en-NZ" sz="2000" b="1" dirty="0">
+              <a:solidFill>
+                <a:srgbClr val="274E13"/>
+              </a:solidFill>
+            </a:endParaRPr>
+          </a:p>
+          <a:p>
+            <a:pPr marL="0" indent="0">
+              <a:lnSpc>
+                <a:spcPct val="100000"/>
+              </a:lnSpc>
+              <a:spcBef>
+                <a:spcPts val="0"/>
+              </a:spcBef>
+              <a:buClr>
+                <a:schemeClr val="dk1"/>
+              </a:buClr>
+              <a:buSzPts val="1100"/>
+              <a:buNone/>
+            </a:pPr>
+            <a:endParaRPr lang="en-NZ" sz="2000" b="1" dirty="0">
+              <a:solidFill>
+                <a:srgbClr val="274E13"/>
+              </a:solidFill>
+            </a:endParaRPr>
+          </a:p>
+          <a:p>
+            <a:pPr marL="0" indent="0">
+              <a:lnSpc>
+                <a:spcPct val="100000"/>
+              </a:lnSpc>
+              <a:spcBef>
+                <a:spcPts val="0"/>
+              </a:spcBef>
+              <a:buClr>
+                <a:schemeClr val="dk1"/>
+              </a:buClr>
+              <a:buSzPts val="1100"/>
+              <a:buNone/>
+            </a:pPr>
+            <a:endParaRPr lang="en-NZ" sz="2000" b="1" dirty="0">
+              <a:solidFill>
+                <a:srgbClr val="274E13"/>
+              </a:solidFill>
+            </a:endParaRPr>
+          </a:p>
+          <a:p>
+            <a:pPr marL="0" indent="0">
+              <a:lnSpc>
+                <a:spcPct val="100000"/>
+              </a:lnSpc>
+              <a:spcBef>
+                <a:spcPts val="0"/>
+              </a:spcBef>
+              <a:buClr>
+                <a:schemeClr val="dk1"/>
+              </a:buClr>
+              <a:buSzPts val="1100"/>
+              <a:buNone/>
+            </a:pPr>
+            <a:r>
+              <a:rPr lang="en-NZ" sz="2000" b="1" dirty="0">
+                <a:solidFill>
+                  <a:srgbClr val="274E13"/>
+                </a:solidFill>
+              </a:rPr>
+              <a:t>Link to final version of your program:</a:t>
+            </a:r>
+            <a:endParaRPr lang="en-NZ" sz="2000" dirty="0"/>
+          </a:p>
+        </p:txBody>
+      </p:sp>
+    </p:spTree>
+    <p:extLst>
+      <p:ext uri="{BB962C8B-B14F-4D97-AF65-F5344CB8AC3E}">
+        <p14:creationId xmlns:p14="http://schemas.microsoft.com/office/powerpoint/2010/main" val="3838895173"/>
+      </p:ext>
+    </p:extLst>
+  </p:cSld>
+  <p:clrMapOvr>
+    <a:masterClrMapping/>
+  </p:clrMapOvr>
+</p:sld>
+</file>
+
+<file path=ppt/slides/slide20.xml><?xml version="1.0" encoding="utf-8"?>
+<p:sld xmlns:a="http://schemas.openxmlformats.org/drawingml/2006/main" xmlns:r="http://schemas.openxmlformats.org/officeDocument/2006/relationships" xmlns:p="http://schemas.openxmlformats.org/presentationml/2006/main">
+  <p:cSld>
+    <p:spTree>
+      <p:nvGrpSpPr>
+        <p:cNvPr id="1" name=""/>
+        <p:cNvGrpSpPr/>
+        <p:nvPr/>
+      </p:nvGrpSpPr>
+      <p:grpSpPr>
+        <a:xfrm>
+          <a:off x="0" y="0"/>
+          <a:ext cx="0" cy="0"/>
+          <a:chOff x="0" y="0"/>
+          <a:chExt cx="0" cy="0"/>
+        </a:xfrm>
+      </p:grpSpPr>
+      <p:sp>
+        <p:nvSpPr>
+          <p:cNvPr id="2" name="Title 1">
+            <a:extLst>
+              <a:ext uri="{FF2B5EF4-FFF2-40B4-BE49-F238E27FC236}">
                 <a16:creationId xmlns:a16="http://schemas.microsoft.com/office/drawing/2014/main" id="{183CAE4A-E189-4CAA-B3F5-7E97BC5188E3}"/>
               </a:ext>
             </a:extLst>
@@ -6964,7 +8711,7 @@
 </p:sld>
 </file>
 
-<file path=ppt/slides/slide17.xml><?xml version="1.0" encoding="utf-8"?>
+<file path=ppt/slides/slide21.xml><?xml version="1.0" encoding="utf-8"?>
 <p:sld xmlns:a="http://schemas.openxmlformats.org/drawingml/2006/main" xmlns:r="http://schemas.openxmlformats.org/officeDocument/2006/relationships" xmlns:p="http://schemas.openxmlformats.org/presentationml/2006/main">
   <p:cSld>
     <p:spTree>
@@ -7236,7 +8983,7 @@
 </p:sld>
 </file>
 
-<file path=ppt/slides/slide18.xml><?xml version="1.0" encoding="utf-8"?>
+<file path=ppt/slides/slide22.xml><?xml version="1.0" encoding="utf-8"?>
 <p:sld xmlns:a="http://schemas.openxmlformats.org/drawingml/2006/main" xmlns:r="http://schemas.openxmlformats.org/officeDocument/2006/relationships" xmlns:p="http://schemas.openxmlformats.org/presentationml/2006/main">
   <p:cSld>
     <p:spTree>
@@ -7350,7 +9097,7 @@
 </p:sld>
 </file>
 
-<file path=ppt/slides/slide19.xml><?xml version="1.0" encoding="utf-8"?>
+<file path=ppt/slides/slide23.xml><?xml version="1.0" encoding="utf-8"?>
 <p:sld xmlns:a="http://schemas.openxmlformats.org/drawingml/2006/main" xmlns:r="http://schemas.openxmlformats.org/officeDocument/2006/relationships" xmlns:p="http://schemas.openxmlformats.org/presentationml/2006/main">
   <p:cSld>
     <p:spTree>
@@ -7442,523 +9189,6 @@
     <p:extLst>
       <p:ext uri="{BB962C8B-B14F-4D97-AF65-F5344CB8AC3E}">
         <p14:creationId xmlns:p14="http://schemas.microsoft.com/office/powerpoint/2010/main" val="2276153040"/>
-      </p:ext>
-    </p:extLst>
-  </p:cSld>
-  <p:clrMapOvr>
-    <a:masterClrMapping/>
-  </p:clrMapOvr>
-</p:sld>
-</file>
-
-<file path=ppt/slides/slide2.xml><?xml version="1.0" encoding="utf-8"?>
-<p:sld xmlns:a="http://schemas.openxmlformats.org/drawingml/2006/main" xmlns:r="http://schemas.openxmlformats.org/officeDocument/2006/relationships" xmlns:p="http://schemas.openxmlformats.org/presentationml/2006/main">
-  <p:cSld>
-    <p:spTree>
-      <p:nvGrpSpPr>
-        <p:cNvPr id="1" name=""/>
-        <p:cNvGrpSpPr/>
-        <p:nvPr/>
-      </p:nvGrpSpPr>
-      <p:grpSpPr>
-        <a:xfrm>
-          <a:off x="0" y="0"/>
-          <a:ext cx="0" cy="0"/>
-          <a:chOff x="0" y="0"/>
-          <a:chExt cx="0" cy="0"/>
-        </a:xfrm>
-      </p:grpSpPr>
-      <p:sp>
-        <p:nvSpPr>
-          <p:cNvPr id="2" name="Title 1">
-            <a:extLst>
-              <a:ext uri="{FF2B5EF4-FFF2-40B4-BE49-F238E27FC236}">
-                <a16:creationId xmlns:a16="http://schemas.microsoft.com/office/drawing/2014/main" id="{0D168B5A-EFF4-4803-8DA6-5994B306EBAF}"/>
-              </a:ext>
-            </a:extLst>
-          </p:cNvPr>
-          <p:cNvSpPr>
-            <a:spLocks noGrp="1"/>
-          </p:cNvSpPr>
-          <p:nvPr>
-            <p:ph type="title"/>
-          </p:nvPr>
-        </p:nvSpPr>
-        <p:spPr/>
-        <p:txBody>
-          <a:bodyPr/>
-          <a:lstStyle/>
-          <a:p>
-            <a:r>
-              <a:rPr lang="en-NZ" b="1" dirty="0"/>
-              <a:t>[Overtype this with your program name]</a:t>
-            </a:r>
-            <a:endParaRPr lang="en-NZ" dirty="0"/>
-          </a:p>
-        </p:txBody>
-      </p:sp>
-      <p:sp>
-        <p:nvSpPr>
-          <p:cNvPr id="4" name="Google Shape;55;p13">
-            <a:extLst>
-              <a:ext uri="{FF2B5EF4-FFF2-40B4-BE49-F238E27FC236}">
-                <a16:creationId xmlns:a16="http://schemas.microsoft.com/office/drawing/2014/main" id="{F7FB308A-232B-4B31-A59D-BD561ECFBE8B}"/>
-              </a:ext>
-            </a:extLst>
-          </p:cNvPr>
-          <p:cNvSpPr txBox="1">
-            <a:spLocks/>
-          </p:cNvSpPr>
-          <p:nvPr/>
-        </p:nvSpPr>
-        <p:spPr>
-          <a:xfrm>
-            <a:off x="1039803" y="1914474"/>
-            <a:ext cx="10074077" cy="3634627"/>
-          </a:xfrm>
-          <a:prstGeom prst="rect">
-            <a:avLst/>
-          </a:prstGeom>
-          <a:solidFill>
-            <a:srgbClr val="D9EAD3"/>
-          </a:solidFill>
-          <a:ln w="28575" cap="flat" cmpd="sng">
-            <a:solidFill>
-              <a:srgbClr val="274E13"/>
-            </a:solidFill>
-            <a:prstDash val="solid"/>
-            <a:round/>
-            <a:headEnd type="none" w="sm" len="sm"/>
-            <a:tailEnd type="none" w="sm" len="sm"/>
-          </a:ln>
-        </p:spPr>
-        <p:txBody>
-          <a:bodyPr spcFirstLastPara="1" wrap="square" lIns="91425" tIns="91425" rIns="91425" bIns="91425" anchor="t" anchorCtr="0">
-            <a:noAutofit/>
-          </a:bodyPr>
-          <a:lstStyle>
-            <a:lvl1pPr marL="228600" indent="-228600" algn="l" defTabSz="914400" rtl="0" eaLnBrk="1" latinLnBrk="0" hangingPunct="1">
-              <a:lnSpc>
-                <a:spcPct val="90000"/>
-              </a:lnSpc>
-              <a:spcBef>
-                <a:spcPts val="1000"/>
-              </a:spcBef>
-              <a:buFont typeface="Arial" panose="020B0604020202020204" pitchFamily="34" charset="0"/>
-              <a:buChar char="•"/>
-              <a:defRPr sz="2800" kern="1200">
-                <a:solidFill>
-                  <a:schemeClr val="tx1"/>
-                </a:solidFill>
-                <a:latin typeface="+mn-lt"/>
-                <a:ea typeface="+mn-ea"/>
-                <a:cs typeface="+mn-cs"/>
-              </a:defRPr>
-            </a:lvl1pPr>
-            <a:lvl2pPr marL="685800" indent="-228600" algn="l" defTabSz="914400" rtl="0" eaLnBrk="1" latinLnBrk="0" hangingPunct="1">
-              <a:lnSpc>
-                <a:spcPct val="90000"/>
-              </a:lnSpc>
-              <a:spcBef>
-                <a:spcPts val="500"/>
-              </a:spcBef>
-              <a:buFont typeface="Arial" panose="020B0604020202020204" pitchFamily="34" charset="0"/>
-              <a:buChar char="•"/>
-              <a:defRPr sz="2400" kern="1200">
-                <a:solidFill>
-                  <a:schemeClr val="tx1"/>
-                </a:solidFill>
-                <a:latin typeface="+mn-lt"/>
-                <a:ea typeface="+mn-ea"/>
-                <a:cs typeface="+mn-cs"/>
-              </a:defRPr>
-            </a:lvl2pPr>
-            <a:lvl3pPr marL="1143000" indent="-228600" algn="l" defTabSz="914400" rtl="0" eaLnBrk="1" latinLnBrk="0" hangingPunct="1">
-              <a:lnSpc>
-                <a:spcPct val="90000"/>
-              </a:lnSpc>
-              <a:spcBef>
-                <a:spcPts val="500"/>
-              </a:spcBef>
-              <a:buFont typeface="Arial" panose="020B0604020202020204" pitchFamily="34" charset="0"/>
-              <a:buChar char="•"/>
-              <a:defRPr sz="2000" kern="1200">
-                <a:solidFill>
-                  <a:schemeClr val="tx1"/>
-                </a:solidFill>
-                <a:latin typeface="+mn-lt"/>
-                <a:ea typeface="+mn-ea"/>
-                <a:cs typeface="+mn-cs"/>
-              </a:defRPr>
-            </a:lvl3pPr>
-            <a:lvl4pPr marL="1600200" indent="-228600" algn="l" defTabSz="914400" rtl="0" eaLnBrk="1" latinLnBrk="0" hangingPunct="1">
-              <a:lnSpc>
-                <a:spcPct val="90000"/>
-              </a:lnSpc>
-              <a:spcBef>
-                <a:spcPts val="500"/>
-              </a:spcBef>
-              <a:buFont typeface="Arial" panose="020B0604020202020204" pitchFamily="34" charset="0"/>
-              <a:buChar char="•"/>
-              <a:defRPr sz="1800" kern="1200">
-                <a:solidFill>
-                  <a:schemeClr val="tx1"/>
-                </a:solidFill>
-                <a:latin typeface="+mn-lt"/>
-                <a:ea typeface="+mn-ea"/>
-                <a:cs typeface="+mn-cs"/>
-              </a:defRPr>
-            </a:lvl4pPr>
-            <a:lvl5pPr marL="2057400" indent="-228600" algn="l" defTabSz="914400" rtl="0" eaLnBrk="1" latinLnBrk="0" hangingPunct="1">
-              <a:lnSpc>
-                <a:spcPct val="90000"/>
-              </a:lnSpc>
-              <a:spcBef>
-                <a:spcPts val="500"/>
-              </a:spcBef>
-              <a:buFont typeface="Arial" panose="020B0604020202020204" pitchFamily="34" charset="0"/>
-              <a:buChar char="•"/>
-              <a:defRPr sz="1800" kern="1200">
-                <a:solidFill>
-                  <a:schemeClr val="tx1"/>
-                </a:solidFill>
-                <a:latin typeface="+mn-lt"/>
-                <a:ea typeface="+mn-ea"/>
-                <a:cs typeface="+mn-cs"/>
-              </a:defRPr>
-            </a:lvl5pPr>
-            <a:lvl6pPr marL="2514600" indent="-228600" algn="l" defTabSz="914400" rtl="0" eaLnBrk="1" latinLnBrk="0" hangingPunct="1">
-              <a:lnSpc>
-                <a:spcPct val="90000"/>
-              </a:lnSpc>
-              <a:spcBef>
-                <a:spcPts val="500"/>
-              </a:spcBef>
-              <a:buFont typeface="Arial" panose="020B0604020202020204" pitchFamily="34" charset="0"/>
-              <a:buChar char="•"/>
-              <a:defRPr sz="1800" kern="1200">
-                <a:solidFill>
-                  <a:schemeClr val="tx1"/>
-                </a:solidFill>
-                <a:latin typeface="+mn-lt"/>
-                <a:ea typeface="+mn-ea"/>
-                <a:cs typeface="+mn-cs"/>
-              </a:defRPr>
-            </a:lvl6pPr>
-            <a:lvl7pPr marL="2971800" indent="-228600" algn="l" defTabSz="914400" rtl="0" eaLnBrk="1" latinLnBrk="0" hangingPunct="1">
-              <a:lnSpc>
-                <a:spcPct val="90000"/>
-              </a:lnSpc>
-              <a:spcBef>
-                <a:spcPts val="500"/>
-              </a:spcBef>
-              <a:buFont typeface="Arial" panose="020B0604020202020204" pitchFamily="34" charset="0"/>
-              <a:buChar char="•"/>
-              <a:defRPr sz="1800" kern="1200">
-                <a:solidFill>
-                  <a:schemeClr val="tx1"/>
-                </a:solidFill>
-                <a:latin typeface="+mn-lt"/>
-                <a:ea typeface="+mn-ea"/>
-                <a:cs typeface="+mn-cs"/>
-              </a:defRPr>
-            </a:lvl7pPr>
-            <a:lvl8pPr marL="3429000" indent="-228600" algn="l" defTabSz="914400" rtl="0" eaLnBrk="1" latinLnBrk="0" hangingPunct="1">
-              <a:lnSpc>
-                <a:spcPct val="90000"/>
-              </a:lnSpc>
-              <a:spcBef>
-                <a:spcPts val="500"/>
-              </a:spcBef>
-              <a:buFont typeface="Arial" panose="020B0604020202020204" pitchFamily="34" charset="0"/>
-              <a:buChar char="•"/>
-              <a:defRPr sz="1800" kern="1200">
-                <a:solidFill>
-                  <a:schemeClr val="tx1"/>
-                </a:solidFill>
-                <a:latin typeface="+mn-lt"/>
-                <a:ea typeface="+mn-ea"/>
-                <a:cs typeface="+mn-cs"/>
-              </a:defRPr>
-            </a:lvl8pPr>
-            <a:lvl9pPr marL="3886200" indent="-228600" algn="l" defTabSz="914400" rtl="0" eaLnBrk="1" latinLnBrk="0" hangingPunct="1">
-              <a:lnSpc>
-                <a:spcPct val="90000"/>
-              </a:lnSpc>
-              <a:spcBef>
-                <a:spcPts val="500"/>
-              </a:spcBef>
-              <a:buFont typeface="Arial" panose="020B0604020202020204" pitchFamily="34" charset="0"/>
-              <a:buChar char="•"/>
-              <a:defRPr sz="1800" kern="1200">
-                <a:solidFill>
-                  <a:schemeClr val="tx1"/>
-                </a:solidFill>
-                <a:latin typeface="+mn-lt"/>
-                <a:ea typeface="+mn-ea"/>
-                <a:cs typeface="+mn-cs"/>
-              </a:defRPr>
-            </a:lvl9pPr>
-          </a:lstStyle>
-          <a:p>
-            <a:pPr marL="0" indent="0">
-              <a:lnSpc>
-                <a:spcPct val="100000"/>
-              </a:lnSpc>
-              <a:spcBef>
-                <a:spcPts val="0"/>
-              </a:spcBef>
-              <a:buClr>
-                <a:schemeClr val="dk1"/>
-              </a:buClr>
-              <a:buSzPts val="1100"/>
-              <a:buFont typeface="Arial"/>
-              <a:buNone/>
-            </a:pPr>
-            <a:r>
-              <a:rPr lang="en-NZ" sz="2000" b="1" dirty="0">
-                <a:solidFill>
-                  <a:srgbClr val="274E13"/>
-                </a:solidFill>
-              </a:rPr>
-              <a:t>Link to GitHub Repository:   </a:t>
-            </a:r>
-            <a:r>
-              <a:rPr lang="en-US" sz="2000" dirty="0">
-                <a:hlinkClick r:id="rId2"/>
-              </a:rPr>
-              <a:t>Joepapa101/2.7---2.8-Assessment (github.com)</a:t>
-            </a:r>
-            <a:endParaRPr lang="en-NZ" sz="2000" dirty="0">
-              <a:solidFill>
-                <a:srgbClr val="274E13"/>
-              </a:solidFill>
-            </a:endParaRPr>
-          </a:p>
-          <a:p>
-            <a:pPr marL="0" indent="0">
-              <a:lnSpc>
-                <a:spcPct val="100000"/>
-              </a:lnSpc>
-              <a:spcBef>
-                <a:spcPts val="0"/>
-              </a:spcBef>
-              <a:buClr>
-                <a:schemeClr val="dk1"/>
-              </a:buClr>
-              <a:buSzPts val="1100"/>
-              <a:buNone/>
-            </a:pPr>
-            <a:endParaRPr lang="en-NZ" sz="2000" b="1" dirty="0">
-              <a:solidFill>
-                <a:srgbClr val="274E13"/>
-              </a:solidFill>
-            </a:endParaRPr>
-          </a:p>
-          <a:p>
-            <a:pPr marL="0" indent="0">
-              <a:lnSpc>
-                <a:spcPct val="100000"/>
-              </a:lnSpc>
-              <a:spcBef>
-                <a:spcPts val="0"/>
-              </a:spcBef>
-              <a:buClr>
-                <a:schemeClr val="dk1"/>
-              </a:buClr>
-              <a:buSzPts val="1100"/>
-              <a:buNone/>
-            </a:pPr>
-            <a:endParaRPr lang="en-NZ" sz="2000" b="1" dirty="0">
-              <a:solidFill>
-                <a:srgbClr val="274E13"/>
-              </a:solidFill>
-            </a:endParaRPr>
-          </a:p>
-          <a:p>
-            <a:pPr marL="0" indent="0">
-              <a:lnSpc>
-                <a:spcPct val="100000"/>
-              </a:lnSpc>
-              <a:spcBef>
-                <a:spcPts val="0"/>
-              </a:spcBef>
-              <a:buClr>
-                <a:schemeClr val="dk1"/>
-              </a:buClr>
-              <a:buSzPts val="1100"/>
-              <a:buNone/>
-            </a:pPr>
-            <a:endParaRPr lang="en-NZ" sz="2000" b="1" dirty="0">
-              <a:solidFill>
-                <a:srgbClr val="274E13"/>
-              </a:solidFill>
-            </a:endParaRPr>
-          </a:p>
-          <a:p>
-            <a:pPr marL="0" indent="0">
-              <a:lnSpc>
-                <a:spcPct val="100000"/>
-              </a:lnSpc>
-              <a:spcBef>
-                <a:spcPts val="0"/>
-              </a:spcBef>
-              <a:buClr>
-                <a:schemeClr val="dk1"/>
-              </a:buClr>
-              <a:buSzPts val="1100"/>
-              <a:buNone/>
-            </a:pPr>
-            <a:r>
-              <a:rPr lang="en-NZ" sz="2000" b="1" dirty="0">
-                <a:solidFill>
-                  <a:srgbClr val="274E13"/>
-                </a:solidFill>
-              </a:rPr>
-              <a:t>Links to Trello board / project management tools: </a:t>
-            </a:r>
-            <a:r>
-              <a:rPr lang="en-US" sz="2000" dirty="0">
-                <a:hlinkClick r:id="rId3"/>
-              </a:rPr>
-              <a:t>Monster Card Decomposition | Trello</a:t>
-            </a:r>
-            <a:endParaRPr lang="en-NZ" sz="2000" b="1" dirty="0">
-              <a:solidFill>
-                <a:srgbClr val="274E13"/>
-              </a:solidFill>
-            </a:endParaRPr>
-          </a:p>
-          <a:p>
-            <a:pPr marL="0" indent="0">
-              <a:lnSpc>
-                <a:spcPct val="100000"/>
-              </a:lnSpc>
-              <a:spcBef>
-                <a:spcPts val="0"/>
-              </a:spcBef>
-              <a:buClr>
-                <a:schemeClr val="dk1"/>
-              </a:buClr>
-              <a:buSzPts val="1100"/>
-              <a:buNone/>
-            </a:pPr>
-            <a:endParaRPr lang="en-NZ" sz="2000" b="1" dirty="0">
-              <a:solidFill>
-                <a:srgbClr val="274E13"/>
-              </a:solidFill>
-            </a:endParaRPr>
-          </a:p>
-          <a:p>
-            <a:pPr marL="0" indent="0">
-              <a:lnSpc>
-                <a:spcPct val="100000"/>
-              </a:lnSpc>
-              <a:spcBef>
-                <a:spcPts val="0"/>
-              </a:spcBef>
-              <a:buClr>
-                <a:schemeClr val="dk1"/>
-              </a:buClr>
-              <a:buSzPts val="1100"/>
-              <a:buNone/>
-            </a:pPr>
-            <a:endParaRPr lang="en-NZ" sz="2000" b="1" dirty="0">
-              <a:solidFill>
-                <a:srgbClr val="274E13"/>
-              </a:solidFill>
-            </a:endParaRPr>
-          </a:p>
-          <a:p>
-            <a:pPr marL="0" indent="0">
-              <a:lnSpc>
-                <a:spcPct val="100000"/>
-              </a:lnSpc>
-              <a:spcBef>
-                <a:spcPts val="0"/>
-              </a:spcBef>
-              <a:buClr>
-                <a:schemeClr val="dk1"/>
-              </a:buClr>
-              <a:buSzPts val="1100"/>
-              <a:buNone/>
-            </a:pPr>
-            <a:endParaRPr lang="en-NZ" sz="2000" b="1" dirty="0">
-              <a:solidFill>
-                <a:srgbClr val="274E13"/>
-              </a:solidFill>
-            </a:endParaRPr>
-          </a:p>
-          <a:p>
-            <a:pPr marL="0" indent="0">
-              <a:lnSpc>
-                <a:spcPct val="100000"/>
-              </a:lnSpc>
-              <a:spcBef>
-                <a:spcPts val="0"/>
-              </a:spcBef>
-              <a:buClr>
-                <a:schemeClr val="dk1"/>
-              </a:buClr>
-              <a:buSzPts val="1100"/>
-              <a:buNone/>
-            </a:pPr>
-            <a:endParaRPr lang="en-NZ" sz="2000" b="1" dirty="0">
-              <a:solidFill>
-                <a:srgbClr val="274E13"/>
-              </a:solidFill>
-            </a:endParaRPr>
-          </a:p>
-          <a:p>
-            <a:pPr marL="0" indent="0">
-              <a:lnSpc>
-                <a:spcPct val="100000"/>
-              </a:lnSpc>
-              <a:spcBef>
-                <a:spcPts val="0"/>
-              </a:spcBef>
-              <a:buClr>
-                <a:schemeClr val="dk1"/>
-              </a:buClr>
-              <a:buSzPts val="1100"/>
-              <a:buNone/>
-            </a:pPr>
-            <a:endParaRPr lang="en-NZ" sz="2000" b="1" dirty="0">
-              <a:solidFill>
-                <a:srgbClr val="274E13"/>
-              </a:solidFill>
-            </a:endParaRPr>
-          </a:p>
-          <a:p>
-            <a:pPr marL="0" indent="0">
-              <a:lnSpc>
-                <a:spcPct val="100000"/>
-              </a:lnSpc>
-              <a:spcBef>
-                <a:spcPts val="0"/>
-              </a:spcBef>
-              <a:buClr>
-                <a:schemeClr val="dk1"/>
-              </a:buClr>
-              <a:buSzPts val="1100"/>
-              <a:buNone/>
-            </a:pPr>
-            <a:r>
-              <a:rPr lang="en-NZ" sz="2000" b="1" dirty="0">
-                <a:solidFill>
-                  <a:srgbClr val="274E13"/>
-                </a:solidFill>
-              </a:rPr>
-              <a:t>Link to final version of your program:</a:t>
-            </a:r>
-            <a:endParaRPr lang="en-NZ" sz="2000" dirty="0"/>
-          </a:p>
-        </p:txBody>
-      </p:sp>
-    </p:spTree>
-    <p:extLst>
-      <p:ext uri="{BB962C8B-B14F-4D97-AF65-F5344CB8AC3E}">
-        <p14:creationId xmlns:p14="http://schemas.microsoft.com/office/powerpoint/2010/main" val="3838895173"/>
       </p:ext>
     </p:extLst>
   </p:cSld>
